--- a/slides/DS_Week11_01_MapsAndHashing.pptx
+++ b/slides/DS_Week11_01_MapsAndHashing.pptx
@@ -5,10 +5,10 @@
     <p:sldMasterId id="2147483649" r:id="rId1"/>
   </p:sldMasterIdLst>
   <p:notesMasterIdLst>
-    <p:notesMasterId r:id="rId45"/>
+    <p:notesMasterId r:id="rId47"/>
   </p:notesMasterIdLst>
   <p:handoutMasterIdLst>
-    <p:handoutMasterId r:id="rId46"/>
+    <p:handoutMasterId r:id="rId48"/>
   </p:handoutMasterIdLst>
   <p:sldIdLst>
     <p:sldId id="280" r:id="rId2"/>
@@ -38,22 +38,24 @@
     <p:sldId id="422" r:id="rId26"/>
     <p:sldId id="423" r:id="rId27"/>
     <p:sldId id="345" r:id="rId28"/>
-    <p:sldId id="346" r:id="rId29"/>
-    <p:sldId id="347" r:id="rId30"/>
-    <p:sldId id="348" r:id="rId31"/>
-    <p:sldId id="349" r:id="rId32"/>
-    <p:sldId id="350" r:id="rId33"/>
-    <p:sldId id="410" r:id="rId34"/>
-    <p:sldId id="424" r:id="rId35"/>
-    <p:sldId id="425" r:id="rId36"/>
-    <p:sldId id="426" r:id="rId37"/>
-    <p:sldId id="427" r:id="rId38"/>
-    <p:sldId id="428" r:id="rId39"/>
-    <p:sldId id="429" r:id="rId40"/>
-    <p:sldId id="430" r:id="rId41"/>
-    <p:sldId id="431" r:id="rId42"/>
-    <p:sldId id="432" r:id="rId43"/>
-    <p:sldId id="433" r:id="rId44"/>
+    <p:sldId id="434" r:id="rId29"/>
+    <p:sldId id="346" r:id="rId30"/>
+    <p:sldId id="347" r:id="rId31"/>
+    <p:sldId id="348" r:id="rId32"/>
+    <p:sldId id="349" r:id="rId33"/>
+    <p:sldId id="350" r:id="rId34"/>
+    <p:sldId id="410" r:id="rId35"/>
+    <p:sldId id="424" r:id="rId36"/>
+    <p:sldId id="425" r:id="rId37"/>
+    <p:sldId id="426" r:id="rId38"/>
+    <p:sldId id="427" r:id="rId39"/>
+    <p:sldId id="428" r:id="rId40"/>
+    <p:sldId id="429" r:id="rId41"/>
+    <p:sldId id="430" r:id="rId42"/>
+    <p:sldId id="431" r:id="rId43"/>
+    <p:sldId id="435" r:id="rId44"/>
+    <p:sldId id="432" r:id="rId45"/>
+    <p:sldId id="433" r:id="rId46"/>
   </p:sldIdLst>
   <p:sldSz cx="12192000" cy="6858000"/>
   <p:notesSz cx="6858000" cy="9144000"/>
@@ -226,6 +228,7 @@
             <p14:sldId id="422"/>
             <p14:sldId id="423"/>
             <p14:sldId id="345"/>
+            <p14:sldId id="434"/>
             <p14:sldId id="346"/>
             <p14:sldId id="347"/>
             <p14:sldId id="348"/>
@@ -244,6 +247,7 @@
             <p14:sldId id="429"/>
             <p14:sldId id="430"/>
             <p14:sldId id="431"/>
+            <p14:sldId id="435"/>
             <p14:sldId id="432"/>
             <p14:sldId id="433"/>
           </p14:sldIdLst>
@@ -1102,7 +1106,7 @@
               <a:pPr>
                 <a:defRPr/>
               </a:pPr>
-              <a:t>37</a:t>
+              <a:t>38</a:t>
             </a:fld>
             <a:endParaRPr lang="en-US" dirty="0"/>
           </a:p>
@@ -1194,7 +1198,7 @@
               <a:pPr>
                 <a:defRPr/>
               </a:pPr>
-              <a:t>38</a:t>
+              <a:t>39</a:t>
             </a:fld>
             <a:endParaRPr lang="en-US" dirty="0"/>
           </a:p>
@@ -1286,7 +1290,7 @@
               <a:pPr>
                 <a:defRPr/>
               </a:pPr>
-              <a:t>39</a:t>
+              <a:t>40</a:t>
             </a:fld>
             <a:endParaRPr lang="en-US" dirty="0"/>
           </a:p>
@@ -1378,7 +1382,7 @@
               <a:pPr>
                 <a:defRPr/>
               </a:pPr>
-              <a:t>40</a:t>
+              <a:t>41</a:t>
             </a:fld>
             <a:endParaRPr lang="en-US" dirty="0"/>
           </a:p>
@@ -1470,7 +1474,7 @@
               <a:pPr>
                 <a:defRPr/>
               </a:pPr>
-              <a:t>41</a:t>
+              <a:t>42</a:t>
             </a:fld>
             <a:endParaRPr lang="en-US" dirty="0"/>
           </a:p>
@@ -1562,7 +1566,7 @@
               <a:pPr>
                 <a:defRPr/>
               </a:pPr>
-              <a:t>42</a:t>
+              <a:t>44</a:t>
             </a:fld>
             <a:endParaRPr lang="en-US" dirty="0"/>
           </a:p>
@@ -2669,7 +2673,7 @@
               <a:pPr>
                 <a:defRPr/>
               </a:pPr>
-              <a:t>34</a:t>
+              <a:t>35</a:t>
             </a:fld>
             <a:endParaRPr lang="en-US" dirty="0"/>
           </a:p>
@@ -2761,7 +2765,7 @@
               <a:pPr>
                 <a:defRPr/>
               </a:pPr>
-              <a:t>35</a:t>
+              <a:t>36</a:t>
             </a:fld>
             <a:endParaRPr lang="en-US" dirty="0"/>
           </a:p>
@@ -2853,7 +2857,7 @@
               <a:pPr>
                 <a:defRPr/>
               </a:pPr>
-              <a:t>36</a:t>
+              <a:t>37</a:t>
             </a:fld>
             <a:endParaRPr lang="en-US" dirty="0"/>
           </a:p>
@@ -25349,6 +25353,146 @@
       </p:grpSpPr>
       <p:sp>
         <p:nvSpPr>
+          <p:cNvPr id="2" name="Title 1"/>
+          <p:cNvSpPr>
+            <a:spLocks noGrp="1"/>
+          </p:cNvSpPr>
+          <p:nvPr>
+            <p:ph type="title"/>
+          </p:nvPr>
+        </p:nvSpPr>
+        <p:spPr/>
+        <p:txBody>
+          <a:bodyPr/>
+          <a:lstStyle/>
+          <a:p>
+            <a:r>
+              <a:rPr lang="lv-LV" dirty="0" smtClean="0"/>
+              <a:t>Hash Functions: Multiplication Method</a:t>
+            </a:r>
+            <a:endParaRPr lang="lv-LV" dirty="0"/>
+          </a:p>
+        </p:txBody>
+      </p:sp>
+      <p:sp>
+        <p:nvSpPr>
+          <p:cNvPr id="3" name="Content Placeholder 2"/>
+          <p:cNvSpPr>
+            <a:spLocks noGrp="1"/>
+          </p:cNvSpPr>
+          <p:nvPr>
+            <p:ph sz="half" idx="1"/>
+          </p:nvPr>
+        </p:nvSpPr>
+        <p:spPr/>
+        <p:txBody>
+          <a:bodyPr/>
+          <a:lstStyle/>
+          <a:p>
+            <a:r>
+              <a:rPr lang="lv-LV" dirty="0" smtClean="0"/>
+              <a:t>h(k) = (a*k  mod 2^w) &gt;&gt; (w-r)</a:t>
+            </a:r>
+          </a:p>
+          <a:p>
+            <a:r>
+              <a:rPr lang="lv-LV" dirty="0" smtClean="0"/>
+              <a:t>In this example w is the length of a "machine word" in bits. </a:t>
+            </a:r>
+          </a:p>
+          <a:p>
+            <a:r>
+              <a:rPr lang="lv-LV" dirty="0" smtClean="0"/>
+              <a:t>m is the size of hashtable.</a:t>
+            </a:r>
+          </a:p>
+          <a:p>
+            <a:r>
+              <a:rPr lang="lv-LV" dirty="0" smtClean="0"/>
+              <a:t>a should be odd; not too close to a power of 2.</a:t>
+            </a:r>
+            <a:endParaRPr lang="lv-LV" dirty="0"/>
+          </a:p>
+        </p:txBody>
+      </p:sp>
+      <p:sp>
+        <p:nvSpPr>
+          <p:cNvPr id="6" name="Content Placeholder 5"/>
+          <p:cNvSpPr>
+            <a:spLocks noGrp="1"/>
+          </p:cNvSpPr>
+          <p:nvPr>
+            <p:ph sz="half" idx="2"/>
+          </p:nvPr>
+        </p:nvSpPr>
+        <p:spPr/>
+        <p:txBody>
+          <a:bodyPr/>
+          <a:lstStyle/>
+          <a:p>
+            <a:endParaRPr lang="lv-LV"/>
+          </a:p>
+        </p:txBody>
+      </p:sp>
+      <p:pic>
+        <p:nvPicPr>
+          <p:cNvPr id="5" name="Picture 4"/>
+          <p:cNvPicPr>
+            <a:picLocks noChangeAspect="1"/>
+          </p:cNvPicPr>
+          <p:nvPr/>
+        </p:nvPicPr>
+        <p:blipFill>
+          <a:blip r:embed="rId2"/>
+          <a:stretch>
+            <a:fillRect/>
+          </a:stretch>
+        </p:blipFill>
+        <p:spPr>
+          <a:xfrm>
+            <a:off x="6604000" y="2362200"/>
+            <a:ext cx="4686300" cy="3114675"/>
+          </a:xfrm>
+          <a:prstGeom prst="rect">
+            <a:avLst/>
+          </a:prstGeom>
+        </p:spPr>
+      </p:pic>
+    </p:spTree>
+    <p:extLst>
+      <p:ext uri="{BB962C8B-B14F-4D97-AF65-F5344CB8AC3E}">
+        <p14:creationId xmlns:p14="http://schemas.microsoft.com/office/powerpoint/2010/main" val="3490555056"/>
+      </p:ext>
+    </p:extLst>
+  </p:cSld>
+  <p:clrMapOvr>
+    <a:masterClrMapping/>
+  </p:clrMapOvr>
+  <p:transition spd="slow">
+    <p:wipe/>
+  </p:transition>
+</p:sld>
+</file>
+
+<file path=ppt/slides/slide29.xml><?xml version="1.0" encoding="utf-8"?>
+<p:sld xmlns:a="http://schemas.openxmlformats.org/drawingml/2006/main" xmlns:r="http://schemas.openxmlformats.org/officeDocument/2006/relationships" xmlns:p="http://schemas.openxmlformats.org/presentationml/2006/main">
+  <p:cSld>
+    <p:spTree>
+      <p:nvGrpSpPr>
+        <p:cNvPr id="1" name=""/>
+        <p:cNvGrpSpPr/>
+        <p:nvPr/>
+      </p:nvGrpSpPr>
+      <p:grpSpPr>
+        <a:xfrm>
+          <a:off x="0" y="0"/>
+          <a:ext cx="0" cy="0"/>
+          <a:chOff x="0" y="0"/>
+          <a:chExt cx="0" cy="0"/>
+        </a:xfrm>
+      </p:grpSpPr>
+      <p:sp>
+        <p:nvSpPr>
           <p:cNvPr id="14340" name="Rectangle 2"/>
           <p:cNvSpPr>
             <a:spLocks noGrp="1" noChangeArrowheads="1"/>
@@ -28767,363 +28911,6 @@
 </p:sld>
 </file>
 
-<file path=ppt/slides/slide29.xml><?xml version="1.0" encoding="utf-8"?>
-<p:sld xmlns:a="http://schemas.openxmlformats.org/drawingml/2006/main" xmlns:r="http://schemas.openxmlformats.org/officeDocument/2006/relationships" xmlns:p="http://schemas.openxmlformats.org/presentationml/2006/main">
-  <p:cSld>
-    <p:spTree>
-      <p:nvGrpSpPr>
-        <p:cNvPr id="1" name=""/>
-        <p:cNvGrpSpPr/>
-        <p:nvPr/>
-      </p:nvGrpSpPr>
-      <p:grpSpPr>
-        <a:xfrm>
-          <a:off x="0" y="0"/>
-          <a:ext cx="0" cy="0"/>
-          <a:chOff x="0" y="0"/>
-          <a:chExt cx="0" cy="0"/>
-        </a:xfrm>
-      </p:grpSpPr>
-      <p:sp>
-        <p:nvSpPr>
-          <p:cNvPr id="2053" name="Rectangle 2"/>
-          <p:cNvSpPr>
-            <a:spLocks noGrp="1" noChangeArrowheads="1"/>
-          </p:cNvSpPr>
-          <p:nvPr>
-            <p:ph type="title"/>
-          </p:nvPr>
-        </p:nvSpPr>
-        <p:spPr/>
-        <p:txBody>
-          <a:bodyPr/>
-          <a:lstStyle/>
-          <a:p>
-            <a:pPr eaLnBrk="1" hangingPunct="1"/>
-            <a:r>
-              <a:rPr lang="en-US" altLang="lv-LV" smtClean="0"/>
-              <a:t>Hash Functions</a:t>
-            </a:r>
-          </a:p>
-        </p:txBody>
-      </p:sp>
-      <p:sp>
-        <p:nvSpPr>
-          <p:cNvPr id="2054" name="Rectangle 3" descr="Rectangle: Click to edit Master text styles&#10;Second level&#10;Third level&#10;Fourth level&#10;Fifth level"/>
-          <p:cNvSpPr>
-            <a:spLocks noGrp="1" noChangeArrowheads="1"/>
-          </p:cNvSpPr>
-          <p:nvPr>
-            <p:ph sz="half" idx="1"/>
-          </p:nvPr>
-        </p:nvSpPr>
-        <p:spPr/>
-        <p:txBody>
-          <a:bodyPr/>
-          <a:lstStyle/>
-          <a:p>
-            <a:pPr eaLnBrk="1" hangingPunct="1"/>
-            <a:r>
-              <a:rPr lang="en-US" altLang="lv-LV" smtClean="0"/>
-              <a:t>A hash function is usually specified as the composition of two functions:</a:t>
-            </a:r>
-          </a:p>
-          <a:p>
-            <a:pPr eaLnBrk="1" hangingPunct="1">
-              <a:buFont typeface="Wingdings" panose="05000000000000000000" pitchFamily="2" charset="2"/>
-              <a:buNone/>
-            </a:pPr>
-            <a:r>
-              <a:rPr lang="en-US" altLang="lv-LV" smtClean="0"/>
-              <a:t>	</a:t>
-            </a:r>
-            <a:r>
-              <a:rPr lang="en-US" altLang="lv-LV" smtClean="0">
-                <a:solidFill>
-                  <a:schemeClr val="tx2"/>
-                </a:solidFill>
-              </a:rPr>
-              <a:t>Hash code</a:t>
-            </a:r>
-            <a:r>
-              <a:rPr lang="en-US" altLang="lv-LV" smtClean="0"/>
-              <a:t>:</a:t>
-            </a:r>
-            <a:br>
-              <a:rPr lang="en-US" altLang="lv-LV" smtClean="0"/>
-            </a:br>
-            <a:r>
-              <a:rPr lang="en-US" altLang="lv-LV" smtClean="0"/>
-              <a:t>  </a:t>
-            </a:r>
-            <a:r>
-              <a:rPr lang="en-US" altLang="lv-LV" b="1" i="1" smtClean="0">
-                <a:latin typeface="Times New Roman" panose="02020603050405020304" pitchFamily="18" charset="0"/>
-              </a:rPr>
-              <a:t>h</a:t>
-            </a:r>
-            <a:r>
-              <a:rPr lang="en-US" altLang="lv-LV" baseline="-25000" smtClean="0">
-                <a:latin typeface="Times New Roman" panose="02020603050405020304" pitchFamily="18" charset="0"/>
-              </a:rPr>
-              <a:t>1</a:t>
-            </a:r>
-            <a:r>
-              <a:rPr lang="en-US" altLang="lv-LV" smtClean="0">
-                <a:latin typeface="Times New Roman" panose="02020603050405020304" pitchFamily="18" charset="0"/>
-              </a:rPr>
-              <a:t>:</a:t>
-            </a:r>
-            <a:r>
-              <a:rPr lang="en-US" altLang="lv-LV" smtClean="0"/>
-              <a:t> </a:t>
-            </a:r>
-            <a:r>
-              <a:rPr lang="en-US" altLang="lv-LV" smtClean="0">
-                <a:latin typeface="Times New Roman" panose="02020603050405020304" pitchFamily="18" charset="0"/>
-              </a:rPr>
-              <a:t>keys</a:t>
-            </a:r>
-            <a:r>
-              <a:rPr lang="en-US" altLang="lv-LV" smtClean="0"/>
-              <a:t> </a:t>
-            </a:r>
-            <a:r>
-              <a:rPr lang="en-US" altLang="lv-LV" smtClean="0">
-                <a:latin typeface="Symbol" panose="05050102010706020507" pitchFamily="18" charset="2"/>
-                <a:sym typeface="Symbol" panose="05050102010706020507" pitchFamily="18" charset="2"/>
-              </a:rPr>
-              <a:t></a:t>
-            </a:r>
-            <a:r>
-              <a:rPr lang="en-US" altLang="lv-LV" smtClean="0"/>
-              <a:t> </a:t>
-            </a:r>
-            <a:r>
-              <a:rPr lang="en-US" altLang="lv-LV" smtClean="0">
-                <a:latin typeface="Times New Roman" panose="02020603050405020304" pitchFamily="18" charset="0"/>
-              </a:rPr>
-              <a:t>integers</a:t>
-            </a:r>
-          </a:p>
-          <a:p>
-            <a:pPr eaLnBrk="1" hangingPunct="1">
-              <a:buFont typeface="Wingdings" panose="05000000000000000000" pitchFamily="2" charset="2"/>
-              <a:buNone/>
-            </a:pPr>
-            <a:r>
-              <a:rPr lang="en-US" altLang="lv-LV" smtClean="0">
-                <a:solidFill>
-                  <a:schemeClr val="tx2"/>
-                </a:solidFill>
-              </a:rPr>
-              <a:t>	Compression function</a:t>
-            </a:r>
-            <a:r>
-              <a:rPr lang="en-US" altLang="lv-LV" smtClean="0"/>
-              <a:t>:</a:t>
-            </a:r>
-            <a:br>
-              <a:rPr lang="en-US" altLang="lv-LV" smtClean="0"/>
-            </a:br>
-            <a:r>
-              <a:rPr lang="en-US" altLang="lv-LV" smtClean="0"/>
-              <a:t>  </a:t>
-            </a:r>
-            <a:r>
-              <a:rPr lang="en-US" altLang="lv-LV" b="1" i="1" smtClean="0">
-                <a:latin typeface="Times New Roman" panose="02020603050405020304" pitchFamily="18" charset="0"/>
-              </a:rPr>
-              <a:t>h</a:t>
-            </a:r>
-            <a:r>
-              <a:rPr lang="en-US" altLang="lv-LV" baseline="-25000" smtClean="0">
-                <a:latin typeface="Times New Roman" panose="02020603050405020304" pitchFamily="18" charset="0"/>
-              </a:rPr>
-              <a:t>2</a:t>
-            </a:r>
-            <a:r>
-              <a:rPr lang="en-US" altLang="lv-LV" smtClean="0">
-                <a:latin typeface="Times New Roman" panose="02020603050405020304" pitchFamily="18" charset="0"/>
-              </a:rPr>
-              <a:t>: integers</a:t>
-            </a:r>
-            <a:r>
-              <a:rPr lang="en-US" altLang="lv-LV" smtClean="0"/>
-              <a:t> </a:t>
-            </a:r>
-            <a:r>
-              <a:rPr lang="en-US" altLang="lv-LV" smtClean="0">
-                <a:latin typeface="Symbol" panose="05050102010706020507" pitchFamily="18" charset="2"/>
-                <a:sym typeface="Symbol" panose="05050102010706020507" pitchFamily="18" charset="2"/>
-              </a:rPr>
-              <a:t></a:t>
-            </a:r>
-            <a:r>
-              <a:rPr lang="en-US" altLang="lv-LV" smtClean="0">
-                <a:latin typeface="Times New Roman" panose="02020603050405020304" pitchFamily="18" charset="0"/>
-              </a:rPr>
-              <a:t> [0, </a:t>
-            </a:r>
-            <a:r>
-              <a:rPr lang="en-US" altLang="lv-LV" b="1" i="1" smtClean="0">
-                <a:latin typeface="Times New Roman" panose="02020603050405020304" pitchFamily="18" charset="0"/>
-              </a:rPr>
-              <a:t>N</a:t>
-            </a:r>
-            <a:r>
-              <a:rPr lang="en-US" altLang="lv-LV" b="1" i="1" smtClean="0">
-                <a:latin typeface="Symbol" panose="05050102010706020507" pitchFamily="18" charset="2"/>
-              </a:rPr>
-              <a:t> </a:t>
-            </a:r>
-            <a:r>
-              <a:rPr lang="en-US" altLang="lv-LV" smtClean="0">
-                <a:latin typeface="Symbol" panose="05050102010706020507" pitchFamily="18" charset="2"/>
-              </a:rPr>
-              <a:t>- </a:t>
-            </a:r>
-            <a:r>
-              <a:rPr lang="en-US" altLang="lv-LV" smtClean="0">
-                <a:latin typeface="Times New Roman" panose="02020603050405020304" pitchFamily="18" charset="0"/>
-              </a:rPr>
-              <a:t>1]</a:t>
-            </a:r>
-          </a:p>
-        </p:txBody>
-      </p:sp>
-      <p:sp>
-        <p:nvSpPr>
-          <p:cNvPr id="2055" name="Rectangle 4" descr="Rectangle: Click to edit Master text styles&#10;Second level&#10;Third level&#10;Fourth level&#10;Fifth level"/>
-          <p:cNvSpPr>
-            <a:spLocks noGrp="1" noChangeArrowheads="1"/>
-          </p:cNvSpPr>
-          <p:nvPr>
-            <p:ph sz="half" idx="2"/>
-          </p:nvPr>
-        </p:nvSpPr>
-        <p:spPr/>
-        <p:txBody>
-          <a:bodyPr/>
-          <a:lstStyle/>
-          <a:p>
-            <a:pPr eaLnBrk="1" hangingPunct="1"/>
-            <a:r>
-              <a:rPr lang="en-US" altLang="lv-LV" sz="2400"/>
-              <a:t>The hash code is applied first, and the compression function is applied next on the result, i.e., </a:t>
-            </a:r>
-            <a:br>
-              <a:rPr lang="en-US" altLang="lv-LV" sz="2400"/>
-            </a:br>
-            <a:r>
-              <a:rPr lang="en-US" altLang="lv-LV" sz="2400"/>
-              <a:t>	</a:t>
-            </a:r>
-            <a:r>
-              <a:rPr lang="en-US" altLang="lv-LV" sz="2400" b="1" i="1">
-                <a:latin typeface="Times New Roman" panose="02020603050405020304" pitchFamily="18" charset="0"/>
-              </a:rPr>
-              <a:t>h</a:t>
-            </a:r>
-            <a:r>
-              <a:rPr lang="en-US" altLang="lv-LV" sz="2400">
-                <a:latin typeface="Times New Roman" panose="02020603050405020304" pitchFamily="18" charset="0"/>
-              </a:rPr>
-              <a:t>(</a:t>
-            </a:r>
-            <a:r>
-              <a:rPr lang="en-US" altLang="lv-LV" sz="2400" b="1" i="1">
-                <a:latin typeface="Times New Roman" panose="02020603050405020304" pitchFamily="18" charset="0"/>
-              </a:rPr>
-              <a:t>x</a:t>
-            </a:r>
-            <a:r>
-              <a:rPr lang="en-US" altLang="lv-LV" sz="2400">
-                <a:latin typeface="Times New Roman" panose="02020603050405020304" pitchFamily="18" charset="0"/>
-              </a:rPr>
-              <a:t>) = </a:t>
-            </a:r>
-            <a:r>
-              <a:rPr lang="en-US" altLang="lv-LV" sz="2400" b="1" i="1">
-                <a:latin typeface="Times New Roman" panose="02020603050405020304" pitchFamily="18" charset="0"/>
-              </a:rPr>
-              <a:t>h</a:t>
-            </a:r>
-            <a:r>
-              <a:rPr lang="en-US" altLang="lv-LV" sz="2400" baseline="-25000">
-                <a:latin typeface="Times New Roman" panose="02020603050405020304" pitchFamily="18" charset="0"/>
-              </a:rPr>
-              <a:t>2</a:t>
-            </a:r>
-            <a:r>
-              <a:rPr lang="en-US" altLang="lv-LV" sz="2400">
-                <a:latin typeface="Times New Roman" panose="02020603050405020304" pitchFamily="18" charset="0"/>
-              </a:rPr>
-              <a:t>(</a:t>
-            </a:r>
-            <a:r>
-              <a:rPr lang="en-US" altLang="lv-LV" sz="2400" b="1" i="1">
-                <a:latin typeface="Times New Roman" panose="02020603050405020304" pitchFamily="18" charset="0"/>
-              </a:rPr>
-              <a:t>h</a:t>
-            </a:r>
-            <a:r>
-              <a:rPr lang="en-US" altLang="lv-LV" sz="2400" baseline="-25000">
-                <a:latin typeface="Times New Roman" panose="02020603050405020304" pitchFamily="18" charset="0"/>
-              </a:rPr>
-              <a:t>1</a:t>
-            </a:r>
-            <a:r>
-              <a:rPr lang="en-US" altLang="lv-LV" sz="2400">
-                <a:latin typeface="Times New Roman" panose="02020603050405020304" pitchFamily="18" charset="0"/>
-              </a:rPr>
-              <a:t>(</a:t>
-            </a:r>
-            <a:r>
-              <a:rPr lang="en-US" altLang="lv-LV" sz="2400" b="1" i="1">
-                <a:latin typeface="Times New Roman" panose="02020603050405020304" pitchFamily="18" charset="0"/>
-              </a:rPr>
-              <a:t>x</a:t>
-            </a:r>
-            <a:r>
-              <a:rPr lang="en-US" altLang="lv-LV" sz="2400">
-                <a:latin typeface="Times New Roman" panose="02020603050405020304" pitchFamily="18" charset="0"/>
-              </a:rPr>
-              <a:t>))</a:t>
-            </a:r>
-          </a:p>
-          <a:p>
-            <a:pPr eaLnBrk="1" hangingPunct="1"/>
-            <a:r>
-              <a:rPr lang="en-US" altLang="lv-LV" sz="2400"/>
-              <a:t>The goal of the hash function is to  “disperse” the keys in an apparently random way</a:t>
-            </a:r>
-          </a:p>
-        </p:txBody>
-      </p:sp>
-    </p:spTree>
-    <p:extLst>
-      <p:ext uri="{BB962C8B-B14F-4D97-AF65-F5344CB8AC3E}">
-        <p14:creationId xmlns:p14="http://schemas.microsoft.com/office/powerpoint/2010/main" val="2436072842"/>
-      </p:ext>
-    </p:extLst>
-  </p:cSld>
-  <p:clrMapOvr>
-    <a:masterClrMapping/>
-  </p:clrMapOvr>
-  <p:transition spd="slow">
-    <p:wipe/>
-  </p:transition>
-  <p:timing>
-    <p:tnLst>
-      <p:par>
-        <p:cTn id="1" dur="indefinite" restart="never" nodeType="tmRoot"/>
-      </p:par>
-    </p:tnLst>
-  </p:timing>
-</p:sld>
-</file>
-
 <file path=ppt/slides/slide3.xml><?xml version="1.0" encoding="utf-8"?>
 <p:sld xmlns:a="http://schemas.openxmlformats.org/drawingml/2006/main" xmlns:r="http://schemas.openxmlformats.org/officeDocument/2006/relationships" xmlns:p="http://schemas.openxmlformats.org/presentationml/2006/main">
   <p:cSld>
@@ -29243,7 +29030,7 @@
       </p:grpSpPr>
       <p:sp>
         <p:nvSpPr>
-          <p:cNvPr id="3077" name="Rectangle 2"/>
+          <p:cNvPr id="2053" name="Rectangle 2"/>
           <p:cNvSpPr>
             <a:spLocks noGrp="1" noChangeArrowheads="1"/>
           </p:cNvSpPr>
@@ -29259,17 +29046,14 @@
             <a:pPr eaLnBrk="1" hangingPunct="1"/>
             <a:r>
               <a:rPr lang="en-US" altLang="lv-LV" smtClean="0"/>
-              <a:t>Hash Codes</a:t>
-            </a:r>
-            <a:endParaRPr lang="en-US" altLang="lv-LV" smtClean="0">
-              <a:cs typeface="Tahoma" panose="020B0604030504040204" pitchFamily="34" charset="0"/>
-            </a:endParaRPr>
+              <a:t>Hash Functions</a:t>
+            </a:r>
           </a:p>
         </p:txBody>
       </p:sp>
       <p:sp>
         <p:nvSpPr>
-          <p:cNvPr id="147459" name="Rectangle 3" descr="Rectangle: Click to edit Master text styles&#10;Second level&#10;Third level&#10;Fourth level&#10;Fifth level"/>
+          <p:cNvPr id="2054" name="Rectangle 3" descr="Rectangle: Click to edit Master text styles&#10;Second level&#10;Third level&#10;Fourth level&#10;Fifth level"/>
           <p:cNvSpPr>
             <a:spLocks noGrp="1" noChangeArrowheads="1"/>
           </p:cNvSpPr>
@@ -29279,113 +29063,184 @@
         </p:nvSpPr>
         <p:spPr/>
         <p:txBody>
-          <a:bodyPr>
-            <a:normAutofit fontScale="92500" lnSpcReduction="10000"/>
-          </a:bodyPr>
+          <a:bodyPr/>
           <a:lstStyle/>
           <a:p>
+            <a:pPr eaLnBrk="1" hangingPunct="1"/>
+            <a:r>
+              <a:rPr lang="en-US" altLang="lv-LV" smtClean="0"/>
+              <a:t>A hash function is usually specified as the composition of two functions:</a:t>
+            </a:r>
+          </a:p>
+          <a:p>
             <a:pPr eaLnBrk="1" hangingPunct="1">
-              <a:lnSpc>
-                <a:spcPct val="110000"/>
-              </a:lnSpc>
-              <a:defRPr/>
+              <a:buFont typeface="Wingdings" panose="05000000000000000000" pitchFamily="2" charset="2"/>
+              <a:buNone/>
             </a:pPr>
             <a:r>
-              <a:rPr lang="en-US" sz="2400" dirty="0">
+              <a:rPr lang="en-US" altLang="lv-LV" smtClean="0"/>
+              <a:t>	</a:t>
+            </a:r>
+            <a:r>
+              <a:rPr lang="en-US" altLang="lv-LV" smtClean="0">
                 <a:solidFill>
                   <a:schemeClr val="tx2"/>
                 </a:solidFill>
               </a:rPr>
-              <a:t>Memory address</a:t>
-            </a:r>
-            <a:r>
-              <a:rPr lang="en-US" sz="2400" dirty="0"/>
+              <a:t>Hash code</a:t>
+            </a:r>
+            <a:r>
+              <a:rPr lang="en-US" altLang="lv-LV" smtClean="0"/>
               <a:t>:</a:t>
             </a:r>
-          </a:p>
-          <a:p>
-            <a:pPr lvl="1" eaLnBrk="1" hangingPunct="1">
-              <a:lnSpc>
-                <a:spcPct val="110000"/>
-              </a:lnSpc>
-              <a:defRPr/>
+            <a:br>
+              <a:rPr lang="en-US" altLang="lv-LV" smtClean="0"/>
+            </a:br>
+            <a:r>
+              <a:rPr lang="en-US" altLang="lv-LV" smtClean="0"/>
+              <a:t>  </a:t>
+            </a:r>
+            <a:r>
+              <a:rPr lang="en-US" altLang="lv-LV" b="1" i="1" smtClean="0">
+                <a:latin typeface="Times New Roman" panose="02020603050405020304" pitchFamily="18" charset="0"/>
+              </a:rPr>
+              <a:t>h</a:t>
+            </a:r>
+            <a:r>
+              <a:rPr lang="en-US" altLang="lv-LV" baseline="-25000" smtClean="0">
+                <a:latin typeface="Times New Roman" panose="02020603050405020304" pitchFamily="18" charset="0"/>
+              </a:rPr>
+              <a:t>1</a:t>
+            </a:r>
+            <a:r>
+              <a:rPr lang="en-US" altLang="lv-LV" smtClean="0">
+                <a:latin typeface="Times New Roman" panose="02020603050405020304" pitchFamily="18" charset="0"/>
+              </a:rPr>
+              <a:t>:</a:t>
+            </a:r>
+            <a:r>
+              <a:rPr lang="en-US" altLang="lv-LV" smtClean="0"/>
+              <a:t> </a:t>
+            </a:r>
+            <a:r>
+              <a:rPr lang="en-US" altLang="lv-LV" smtClean="0">
+                <a:latin typeface="Times New Roman" panose="02020603050405020304" pitchFamily="18" charset="0"/>
+              </a:rPr>
+              <a:t>keys</a:t>
+            </a:r>
+            <a:r>
+              <a:rPr lang="en-US" altLang="lv-LV" smtClean="0"/>
+              <a:t> </a:t>
+            </a:r>
+            <a:r>
+              <a:rPr lang="en-US" altLang="lv-LV" smtClean="0">
+                <a:latin typeface="Symbol" panose="05050102010706020507" pitchFamily="18" charset="2"/>
+                <a:sym typeface="Symbol" panose="05050102010706020507" pitchFamily="18" charset="2"/>
+              </a:rPr>
+              <a:t></a:t>
+            </a:r>
+            <a:r>
+              <a:rPr lang="en-US" altLang="lv-LV" smtClean="0"/>
+              <a:t> </a:t>
+            </a:r>
+            <a:r>
+              <a:rPr lang="en-US" altLang="lv-LV" smtClean="0">
+                <a:latin typeface="Times New Roman" panose="02020603050405020304" pitchFamily="18" charset="0"/>
+              </a:rPr>
+              <a:t>integers</a:t>
+            </a:r>
+          </a:p>
+          <a:p>
+            <a:pPr eaLnBrk="1" hangingPunct="1">
+              <a:buFont typeface="Wingdings" panose="05000000000000000000" pitchFamily="2" charset="2"/>
+              <a:buNone/>
             </a:pPr>
             <a:r>
-              <a:rPr lang="en-US" sz="2000" dirty="0"/>
-              <a:t>We reinterpret the memory address of the key object as an integer</a:t>
-            </a:r>
-          </a:p>
-          <a:p>
-            <a:pPr lvl="1" eaLnBrk="1" hangingPunct="1">
-              <a:lnSpc>
-                <a:spcPct val="110000"/>
-              </a:lnSpc>
-              <a:defRPr/>
-            </a:pPr>
-            <a:r>
-              <a:rPr lang="en-US" sz="2000" dirty="0"/>
-              <a:t>Good in general, except for numeric and string keys</a:t>
-            </a:r>
-          </a:p>
-          <a:p>
-            <a:pPr eaLnBrk="1" hangingPunct="1">
-              <a:lnSpc>
-                <a:spcPct val="110000"/>
-              </a:lnSpc>
-              <a:defRPr/>
-            </a:pPr>
-            <a:r>
-              <a:rPr lang="en-US" sz="2400" dirty="0">
+              <a:rPr lang="en-US" altLang="lv-LV" smtClean="0">
                 <a:solidFill>
                   <a:schemeClr val="tx2"/>
                 </a:solidFill>
               </a:rPr>
-              <a:t>Integer cast</a:t>
-            </a:r>
-            <a:r>
-              <a:rPr lang="en-US" sz="2400" dirty="0"/>
+              <a:t>	Compression function</a:t>
+            </a:r>
+            <a:r>
+              <a:rPr lang="en-US" altLang="lv-LV" smtClean="0"/>
               <a:t>:</a:t>
             </a:r>
-          </a:p>
-          <a:p>
-            <a:pPr lvl="1" eaLnBrk="1" hangingPunct="1">
-              <a:lnSpc>
-                <a:spcPct val="110000"/>
-              </a:lnSpc>
-              <a:defRPr/>
-            </a:pPr>
-            <a:r>
-              <a:rPr lang="en-US" sz="2000" dirty="0"/>
-              <a:t>We reinterpret the bits of the key as an integer</a:t>
-            </a:r>
-          </a:p>
-          <a:p>
-            <a:pPr lvl="1" eaLnBrk="1" hangingPunct="1">
-              <a:lnSpc>
-                <a:spcPct val="110000"/>
-              </a:lnSpc>
-              <a:defRPr/>
-            </a:pPr>
-            <a:r>
-              <a:rPr lang="en-US" sz="2000" dirty="0"/>
-              <a:t>Suitable for keys of length less than or equal to the number of bits of the integer type (e.g., byte, short, </a:t>
-            </a:r>
-            <a:r>
-              <a:rPr lang="en-US" sz="2000" dirty="0" err="1"/>
-              <a:t>int</a:t>
-            </a:r>
-            <a:r>
-              <a:rPr lang="en-US" sz="2000" dirty="0"/>
-              <a:t> and float in C++)</a:t>
+            <a:br>
+              <a:rPr lang="en-US" altLang="lv-LV" smtClean="0"/>
+            </a:br>
+            <a:r>
+              <a:rPr lang="en-US" altLang="lv-LV" smtClean="0"/>
+              <a:t>  </a:t>
+            </a:r>
+            <a:r>
+              <a:rPr lang="en-US" altLang="lv-LV" b="1" i="1" smtClean="0">
+                <a:latin typeface="Times New Roman" panose="02020603050405020304" pitchFamily="18" charset="0"/>
+              </a:rPr>
+              <a:t>h</a:t>
+            </a:r>
+            <a:r>
+              <a:rPr lang="en-US" altLang="lv-LV" baseline="-25000" smtClean="0">
+                <a:latin typeface="Times New Roman" panose="02020603050405020304" pitchFamily="18" charset="0"/>
+              </a:rPr>
+              <a:t>2</a:t>
+            </a:r>
+            <a:r>
+              <a:rPr lang="en-US" altLang="lv-LV" smtClean="0">
+                <a:latin typeface="Times New Roman" panose="02020603050405020304" pitchFamily="18" charset="0"/>
+              </a:rPr>
+              <a:t>: integers</a:t>
+            </a:r>
+            <a:r>
+              <a:rPr lang="en-US" altLang="lv-LV" smtClean="0"/>
+              <a:t> </a:t>
+            </a:r>
+            <a:r>
+              <a:rPr lang="en-US" altLang="lv-LV" smtClean="0">
+                <a:latin typeface="Symbol" panose="05050102010706020507" pitchFamily="18" charset="2"/>
+                <a:sym typeface="Symbol" panose="05050102010706020507" pitchFamily="18" charset="2"/>
+              </a:rPr>
+              <a:t></a:t>
+            </a:r>
+            <a:r>
+              <a:rPr lang="en-US" altLang="lv-LV" smtClean="0">
+                <a:latin typeface="Times New Roman" panose="02020603050405020304" pitchFamily="18" charset="0"/>
+              </a:rPr>
+              <a:t> [0, </a:t>
+            </a:r>
+            <a:r>
+              <a:rPr lang="en-US" altLang="lv-LV" b="1" i="1" smtClean="0">
+                <a:latin typeface="Times New Roman" panose="02020603050405020304" pitchFamily="18" charset="0"/>
+              </a:rPr>
+              <a:t>N</a:t>
+            </a:r>
+            <a:r>
+              <a:rPr lang="en-US" altLang="lv-LV" b="1" i="1" smtClean="0">
+                <a:latin typeface="Symbol" panose="05050102010706020507" pitchFamily="18" charset="2"/>
+              </a:rPr>
+              <a:t> </a:t>
+            </a:r>
+            <a:r>
+              <a:rPr lang="en-US" altLang="lv-LV" smtClean="0">
+                <a:latin typeface="Symbol" panose="05050102010706020507" pitchFamily="18" charset="2"/>
+              </a:rPr>
+              <a:t>- </a:t>
+            </a:r>
+            <a:r>
+              <a:rPr lang="en-US" altLang="lv-LV" smtClean="0">
+                <a:latin typeface="Times New Roman" panose="02020603050405020304" pitchFamily="18" charset="0"/>
+              </a:rPr>
+              <a:t>1]</a:t>
             </a:r>
           </a:p>
         </p:txBody>
       </p:sp>
       <p:sp>
         <p:nvSpPr>
-          <p:cNvPr id="2" name="Content Placeholder 1"/>
+          <p:cNvPr id="2055" name="Rectangle 4" descr="Rectangle: Click to edit Master text styles&#10;Second level&#10;Third level&#10;Fourth level&#10;Fifth level"/>
           <p:cNvSpPr>
-            <a:spLocks noGrp="1"/>
+            <a:spLocks noGrp="1" noChangeArrowheads="1"/>
           </p:cNvSpPr>
           <p:nvPr>
             <p:ph sz="half" idx="2"/>
@@ -29398,41 +29253,102 @@
           <a:p>
             <a:pPr eaLnBrk="1" hangingPunct="1"/>
             <a:r>
-              <a:rPr lang="en-US" altLang="lv-LV" sz="2400" dirty="0">
-                <a:solidFill>
-                  <a:schemeClr val="tx2"/>
-                </a:solidFill>
-              </a:rPr>
-              <a:t>Component sum</a:t>
-            </a:r>
-            <a:r>
-              <a:rPr lang="en-US" altLang="lv-LV" sz="2400" dirty="0"/>
-              <a:t>:</a:t>
-            </a:r>
-          </a:p>
-          <a:p>
-            <a:pPr lvl="1" eaLnBrk="1" hangingPunct="1"/>
-            <a:r>
-              <a:rPr lang="en-US" altLang="lv-LV" sz="2000" dirty="0"/>
-              <a:t>We partition the bits of the key into components of fixed length (e.g., 16 or 32 bits) and we sum the components (ignoring overflows)</a:t>
-            </a:r>
-          </a:p>
-          <a:p>
-            <a:pPr lvl="1" eaLnBrk="1" hangingPunct="1"/>
-            <a:r>
-              <a:rPr lang="en-US" altLang="lv-LV" sz="2000" dirty="0"/>
-              <a:t>Suitable for numeric keys of fixed length greater than or equal to the number of bits of the integer type (e.g., long and double in C++)</a:t>
-            </a:r>
-          </a:p>
-          <a:p>
-            <a:endParaRPr lang="lv-LV" dirty="0"/>
+              <a:rPr lang="en-US" altLang="lv-LV" sz="2400"/>
+              <a:t>The hash code is applied first, and the compression function is applied next on the result, i.e., </a:t>
+            </a:r>
+            <a:br>
+              <a:rPr lang="en-US" altLang="lv-LV" sz="2400"/>
+            </a:br>
+            <a:r>
+              <a:rPr lang="en-US" altLang="lv-LV" sz="2400"/>
+              <a:t>	</a:t>
+            </a:r>
+            <a:r>
+              <a:rPr lang="en-US" altLang="lv-LV" sz="2400" b="1" i="1">
+                <a:latin typeface="Times New Roman" panose="02020603050405020304" pitchFamily="18" charset="0"/>
+              </a:rPr>
+              <a:t>h</a:t>
+            </a:r>
+            <a:r>
+              <a:rPr lang="en-US" altLang="lv-LV" sz="2400">
+                <a:latin typeface="Times New Roman" panose="02020603050405020304" pitchFamily="18" charset="0"/>
+              </a:rPr>
+              <a:t>(</a:t>
+            </a:r>
+            <a:r>
+              <a:rPr lang="en-US" altLang="lv-LV" sz="2400" b="1" i="1">
+                <a:latin typeface="Times New Roman" panose="02020603050405020304" pitchFamily="18" charset="0"/>
+              </a:rPr>
+              <a:t>x</a:t>
+            </a:r>
+            <a:r>
+              <a:rPr lang="en-US" altLang="lv-LV" sz="2400">
+                <a:latin typeface="Times New Roman" panose="02020603050405020304" pitchFamily="18" charset="0"/>
+              </a:rPr>
+              <a:t>) = </a:t>
+            </a:r>
+            <a:r>
+              <a:rPr lang="en-US" altLang="lv-LV" sz="2400" b="1" i="1">
+                <a:latin typeface="Times New Roman" panose="02020603050405020304" pitchFamily="18" charset="0"/>
+              </a:rPr>
+              <a:t>h</a:t>
+            </a:r>
+            <a:r>
+              <a:rPr lang="en-US" altLang="lv-LV" sz="2400" baseline="-25000">
+                <a:latin typeface="Times New Roman" panose="02020603050405020304" pitchFamily="18" charset="0"/>
+              </a:rPr>
+              <a:t>2</a:t>
+            </a:r>
+            <a:r>
+              <a:rPr lang="en-US" altLang="lv-LV" sz="2400">
+                <a:latin typeface="Times New Roman" panose="02020603050405020304" pitchFamily="18" charset="0"/>
+              </a:rPr>
+              <a:t>(</a:t>
+            </a:r>
+            <a:r>
+              <a:rPr lang="en-US" altLang="lv-LV" sz="2400" b="1" i="1">
+                <a:latin typeface="Times New Roman" panose="02020603050405020304" pitchFamily="18" charset="0"/>
+              </a:rPr>
+              <a:t>h</a:t>
+            </a:r>
+            <a:r>
+              <a:rPr lang="en-US" altLang="lv-LV" sz="2400" baseline="-25000">
+                <a:latin typeface="Times New Roman" panose="02020603050405020304" pitchFamily="18" charset="0"/>
+              </a:rPr>
+              <a:t>1</a:t>
+            </a:r>
+            <a:r>
+              <a:rPr lang="en-US" altLang="lv-LV" sz="2400">
+                <a:latin typeface="Times New Roman" panose="02020603050405020304" pitchFamily="18" charset="0"/>
+              </a:rPr>
+              <a:t>(</a:t>
+            </a:r>
+            <a:r>
+              <a:rPr lang="en-US" altLang="lv-LV" sz="2400" b="1" i="1">
+                <a:latin typeface="Times New Roman" panose="02020603050405020304" pitchFamily="18" charset="0"/>
+              </a:rPr>
+              <a:t>x</a:t>
+            </a:r>
+            <a:r>
+              <a:rPr lang="en-US" altLang="lv-LV" sz="2400">
+                <a:latin typeface="Times New Roman" panose="02020603050405020304" pitchFamily="18" charset="0"/>
+              </a:rPr>
+              <a:t>))</a:t>
+            </a:r>
+          </a:p>
+          <a:p>
+            <a:pPr eaLnBrk="1" hangingPunct="1"/>
+            <a:r>
+              <a:rPr lang="en-US" altLang="lv-LV" sz="2400"/>
+              <a:t>The goal of the hash function is to  “disperse” the keys in an apparently random way</a:t>
+            </a:r>
           </a:p>
         </p:txBody>
       </p:sp>
     </p:spTree>
     <p:extLst>
       <p:ext uri="{BB962C8B-B14F-4D97-AF65-F5344CB8AC3E}">
-        <p14:creationId xmlns:p14="http://schemas.microsoft.com/office/powerpoint/2010/main" val="64514391"/>
+        <p14:creationId xmlns:p14="http://schemas.microsoft.com/office/powerpoint/2010/main" val="2436072842"/>
       </p:ext>
     </p:extLst>
   </p:cSld>
@@ -29471,7 +29387,7 @@
       </p:grpSpPr>
       <p:sp>
         <p:nvSpPr>
-          <p:cNvPr id="15364" name="Rectangle 2"/>
+          <p:cNvPr id="3077" name="Rectangle 2"/>
           <p:cNvSpPr>
             <a:spLocks noGrp="1" noChangeArrowheads="1"/>
           </p:cNvSpPr>
@@ -29487,14 +29403,17 @@
             <a:pPr eaLnBrk="1" hangingPunct="1"/>
             <a:r>
               <a:rPr lang="en-US" altLang="lv-LV" smtClean="0"/>
-              <a:t>Hash Codes (cont.)</a:t>
-            </a:r>
+              <a:t>Hash Codes</a:t>
+            </a:r>
+            <a:endParaRPr lang="en-US" altLang="lv-LV" smtClean="0">
+              <a:cs typeface="Tahoma" panose="020B0604030504040204" pitchFamily="34" charset="0"/>
+            </a:endParaRPr>
           </a:p>
         </p:txBody>
       </p:sp>
       <p:sp>
         <p:nvSpPr>
-          <p:cNvPr id="15365" name="Rectangle 3" descr="Rectangle: Click to edit Master text styles&#10;Second level&#10;Third level&#10;Fourth level&#10;Fifth level"/>
+          <p:cNvPr id="147459" name="Rectangle 3" descr="Rectangle: Click to edit Master text styles&#10;Second level&#10;Third level&#10;Fourth level&#10;Fifth level"/>
           <p:cNvSpPr>
             <a:spLocks noGrp="1" noChangeArrowheads="1"/>
           </p:cNvSpPr>
@@ -29504,405 +29423,104 @@
         </p:nvSpPr>
         <p:spPr/>
         <p:txBody>
-          <a:bodyPr/>
+          <a:bodyPr>
+            <a:normAutofit fontScale="92500" lnSpcReduction="10000"/>
+          </a:bodyPr>
           <a:lstStyle/>
           <a:p>
             <a:pPr eaLnBrk="1" hangingPunct="1">
               <a:lnSpc>
-                <a:spcPct val="90000"/>
+                <a:spcPct val="110000"/>
               </a:lnSpc>
+              <a:defRPr/>
             </a:pPr>
             <a:r>
-              <a:rPr lang="en-US" altLang="lv-LV" sz="2400">
+              <a:rPr lang="en-US" sz="2400" dirty="0">
                 <a:solidFill>
                   <a:schemeClr val="tx2"/>
                 </a:solidFill>
               </a:rPr>
-              <a:t>Polynomial accumulation</a:t>
-            </a:r>
-            <a:r>
-              <a:rPr lang="en-US" altLang="lv-LV" sz="2400"/>
+              <a:t>Memory address</a:t>
+            </a:r>
+            <a:r>
+              <a:rPr lang="en-US" sz="2400" dirty="0"/>
               <a:t>:</a:t>
             </a:r>
           </a:p>
           <a:p>
             <a:pPr lvl="1" eaLnBrk="1" hangingPunct="1">
               <a:lnSpc>
-                <a:spcPct val="90000"/>
+                <a:spcPct val="110000"/>
               </a:lnSpc>
+              <a:defRPr/>
             </a:pPr>
             <a:r>
-              <a:rPr lang="en-US" altLang="lv-LV" sz="2000"/>
-              <a:t>We partition the bits of the key into a sequence of components of fixed length (e.g., 8, 16 or 32 bits)</a:t>
-            </a:r>
-            <a:br>
-              <a:rPr lang="en-US" altLang="lv-LV" sz="2000"/>
-            </a:br>
-            <a:r>
-              <a:rPr lang="en-US" altLang="lv-LV" sz="2000"/>
-              <a:t> 		</a:t>
-            </a:r>
-            <a:r>
-              <a:rPr lang="en-US" altLang="lv-LV" sz="2000" b="1" i="1">
-                <a:latin typeface="Times New Roman" panose="02020603050405020304" pitchFamily="18" charset="0"/>
-              </a:rPr>
-              <a:t>a</a:t>
-            </a:r>
-            <a:r>
-              <a:rPr lang="en-US" altLang="lv-LV" sz="2000" baseline="-25000">
-                <a:latin typeface="Times New Roman" panose="02020603050405020304" pitchFamily="18" charset="0"/>
-              </a:rPr>
-              <a:t>0 </a:t>
-            </a:r>
-            <a:r>
-              <a:rPr lang="en-US" altLang="lv-LV" sz="2000" b="1" i="1">
-                <a:latin typeface="Times New Roman" panose="02020603050405020304" pitchFamily="18" charset="0"/>
-              </a:rPr>
-              <a:t>a</a:t>
-            </a:r>
-            <a:r>
-              <a:rPr lang="en-US" altLang="lv-LV" sz="2000" baseline="-25000">
-                <a:latin typeface="Times New Roman" panose="02020603050405020304" pitchFamily="18" charset="0"/>
-              </a:rPr>
-              <a:t>1</a:t>
-            </a:r>
-            <a:r>
-              <a:rPr lang="en-US" altLang="lv-LV" sz="2000">
-                <a:latin typeface="Times New Roman" panose="02020603050405020304" pitchFamily="18" charset="0"/>
-              </a:rPr>
-              <a:t> … </a:t>
-            </a:r>
-            <a:r>
-              <a:rPr lang="en-US" altLang="lv-LV" sz="2000" b="1" i="1">
-                <a:latin typeface="Times New Roman" panose="02020603050405020304" pitchFamily="18" charset="0"/>
-              </a:rPr>
-              <a:t>a</a:t>
-            </a:r>
-            <a:r>
-              <a:rPr lang="en-US" altLang="lv-LV" sz="2000" b="1" i="1" baseline="-25000">
-                <a:latin typeface="Times New Roman" panose="02020603050405020304" pitchFamily="18" charset="0"/>
-              </a:rPr>
-              <a:t>n</a:t>
-            </a:r>
-            <a:r>
-              <a:rPr lang="en-US" altLang="lv-LV" sz="2000" baseline="-25000">
-                <a:latin typeface="Symbol" panose="05050102010706020507" pitchFamily="18" charset="2"/>
-              </a:rPr>
-              <a:t>-</a:t>
-            </a:r>
-            <a:r>
-              <a:rPr lang="en-US" altLang="lv-LV" sz="2000" baseline="-25000">
-                <a:latin typeface="Times New Roman" panose="02020603050405020304" pitchFamily="18" charset="0"/>
-              </a:rPr>
-              <a:t>1</a:t>
-            </a:r>
-            <a:endParaRPr lang="en-US" altLang="lv-LV" sz="2000"/>
+              <a:rPr lang="en-US" sz="2000" dirty="0"/>
+              <a:t>We reinterpret the memory address of the key object as an integer</a:t>
+            </a:r>
           </a:p>
           <a:p>
             <a:pPr lvl="1" eaLnBrk="1" hangingPunct="1">
               <a:lnSpc>
-                <a:spcPct val="90000"/>
+                <a:spcPct val="110000"/>
               </a:lnSpc>
+              <a:defRPr/>
             </a:pPr>
             <a:r>
-              <a:rPr lang="en-US" altLang="lv-LV" sz="2000"/>
-              <a:t>We evaluate the polynomial</a:t>
+              <a:rPr lang="en-US" sz="2000" dirty="0"/>
+              <a:t>Good in general, except for numeric and string keys</a:t>
+            </a:r>
+          </a:p>
+          <a:p>
+            <a:pPr eaLnBrk="1" hangingPunct="1">
+              <a:lnSpc>
+                <a:spcPct val="110000"/>
+              </a:lnSpc>
+              <a:defRPr/>
+            </a:pPr>
+            <a:r>
+              <a:rPr lang="en-US" sz="2400" dirty="0">
+                <a:solidFill>
+                  <a:schemeClr val="tx2"/>
+                </a:solidFill>
+              </a:rPr>
+              <a:t>Integer cast</a:t>
+            </a:r>
+            <a:r>
+              <a:rPr lang="en-US" sz="2400" dirty="0"/>
+              <a:t>:</a:t>
             </a:r>
           </a:p>
           <a:p>
             <a:pPr lvl="1" eaLnBrk="1" hangingPunct="1">
               <a:lnSpc>
-                <a:spcPct val="90000"/>
+                <a:spcPct val="110000"/>
               </a:lnSpc>
-              <a:buFont typeface="Wingdings" panose="05000000000000000000" pitchFamily="2" charset="2"/>
-              <a:buNone/>
+              <a:defRPr/>
             </a:pPr>
             <a:r>
-              <a:rPr lang="en-US" altLang="lv-LV" sz="2000" b="1" i="1">
-                <a:latin typeface="Times New Roman" panose="02020603050405020304" pitchFamily="18" charset="0"/>
-              </a:rPr>
-              <a:t>	p</a:t>
-            </a:r>
-            <a:r>
-              <a:rPr lang="en-US" altLang="lv-LV" sz="2000">
-                <a:latin typeface="Times New Roman" panose="02020603050405020304" pitchFamily="18" charset="0"/>
-              </a:rPr>
-              <a:t>(</a:t>
-            </a:r>
-            <a:r>
-              <a:rPr lang="en-US" altLang="lv-LV" sz="2000" b="1" i="1">
-                <a:latin typeface="Times New Roman" panose="02020603050405020304" pitchFamily="18" charset="0"/>
-              </a:rPr>
-              <a:t>z</a:t>
-            </a:r>
-            <a:r>
-              <a:rPr lang="en-US" altLang="lv-LV" sz="2000">
-                <a:latin typeface="Times New Roman" panose="02020603050405020304" pitchFamily="18" charset="0"/>
-              </a:rPr>
-              <a:t>)</a:t>
-            </a:r>
-            <a:r>
-              <a:rPr lang="en-US" altLang="lv-LV" sz="2000" b="1" i="1">
-                <a:latin typeface="Times New Roman" panose="02020603050405020304" pitchFamily="18" charset="0"/>
-              </a:rPr>
-              <a:t> </a:t>
-            </a:r>
-            <a:r>
-              <a:rPr lang="en-US" altLang="lv-LV" sz="2000">
-                <a:latin typeface="Symbol" panose="05050102010706020507" pitchFamily="18" charset="2"/>
-              </a:rPr>
-              <a:t>=</a:t>
-            </a:r>
-            <a:r>
-              <a:rPr lang="en-US" altLang="lv-LV" sz="2000" b="1" i="1">
-                <a:latin typeface="Times New Roman" panose="02020603050405020304" pitchFamily="18" charset="0"/>
-              </a:rPr>
-              <a:t> a</a:t>
-            </a:r>
-            <a:r>
-              <a:rPr lang="en-US" altLang="lv-LV" sz="2000" baseline="-25000">
-                <a:latin typeface="Times New Roman" panose="02020603050405020304" pitchFamily="18" charset="0"/>
-              </a:rPr>
-              <a:t>0</a:t>
-            </a:r>
-            <a:r>
-              <a:rPr lang="en-US" altLang="lv-LV" sz="2000">
-                <a:latin typeface="Times New Roman" panose="02020603050405020304" pitchFamily="18" charset="0"/>
-              </a:rPr>
-              <a:t> </a:t>
-            </a:r>
-            <a:r>
-              <a:rPr lang="en-US" altLang="lv-LV" sz="2000">
-                <a:latin typeface="Symbol" panose="05050102010706020507" pitchFamily="18" charset="2"/>
-              </a:rPr>
-              <a:t>+</a:t>
-            </a:r>
-            <a:r>
-              <a:rPr lang="en-US" altLang="lv-LV" sz="2000">
-                <a:latin typeface="Times New Roman" panose="02020603050405020304" pitchFamily="18" charset="0"/>
-              </a:rPr>
-              <a:t> </a:t>
-            </a:r>
-            <a:r>
-              <a:rPr lang="en-US" altLang="lv-LV" sz="2000" b="1" i="1">
-                <a:latin typeface="Times New Roman" panose="02020603050405020304" pitchFamily="18" charset="0"/>
-              </a:rPr>
-              <a:t>a</a:t>
-            </a:r>
-            <a:r>
-              <a:rPr lang="en-US" altLang="lv-LV" sz="2000" baseline="-25000">
-                <a:latin typeface="Times New Roman" panose="02020603050405020304" pitchFamily="18" charset="0"/>
-              </a:rPr>
-              <a:t>1 </a:t>
-            </a:r>
-            <a:r>
-              <a:rPr lang="en-US" altLang="lv-LV" sz="2000" b="1" i="1">
-                <a:latin typeface="Times New Roman" panose="02020603050405020304" pitchFamily="18" charset="0"/>
-              </a:rPr>
-              <a:t>z</a:t>
-            </a:r>
-            <a:r>
-              <a:rPr lang="en-US" altLang="lv-LV" sz="2000" baseline="-25000">
-                <a:latin typeface="Times New Roman" panose="02020603050405020304" pitchFamily="18" charset="0"/>
-              </a:rPr>
-              <a:t> </a:t>
-            </a:r>
-            <a:r>
-              <a:rPr lang="en-US" altLang="lv-LV" sz="2000">
-                <a:latin typeface="Times New Roman" panose="02020603050405020304" pitchFamily="18" charset="0"/>
-              </a:rPr>
-              <a:t> </a:t>
-            </a:r>
-            <a:r>
-              <a:rPr lang="en-US" altLang="lv-LV" sz="2000">
-                <a:latin typeface="Symbol" panose="05050102010706020507" pitchFamily="18" charset="2"/>
-              </a:rPr>
-              <a:t>+</a:t>
-            </a:r>
-            <a:r>
-              <a:rPr lang="en-US" altLang="lv-LV" sz="2000">
-                <a:latin typeface="Times New Roman" panose="02020603050405020304" pitchFamily="18" charset="0"/>
-              </a:rPr>
-              <a:t> </a:t>
-            </a:r>
-            <a:r>
-              <a:rPr lang="en-US" altLang="lv-LV" sz="2000" b="1" i="1">
-                <a:latin typeface="Times New Roman" panose="02020603050405020304" pitchFamily="18" charset="0"/>
-              </a:rPr>
-              <a:t>a</a:t>
-            </a:r>
-            <a:r>
-              <a:rPr lang="en-US" altLang="lv-LV" sz="2000" baseline="-25000">
-                <a:latin typeface="Times New Roman" panose="02020603050405020304" pitchFamily="18" charset="0"/>
-              </a:rPr>
-              <a:t>2 </a:t>
-            </a:r>
-            <a:r>
-              <a:rPr lang="en-US" altLang="lv-LV" sz="2000" b="1" i="1">
-                <a:latin typeface="Times New Roman" panose="02020603050405020304" pitchFamily="18" charset="0"/>
-              </a:rPr>
-              <a:t>z</a:t>
-            </a:r>
-            <a:r>
-              <a:rPr lang="en-US" altLang="lv-LV" sz="2000" baseline="30000">
-                <a:latin typeface="Times New Roman" panose="02020603050405020304" pitchFamily="18" charset="0"/>
-              </a:rPr>
-              <a:t>2</a:t>
-            </a:r>
-            <a:r>
-              <a:rPr lang="en-US" altLang="lv-LV" sz="2000">
-                <a:latin typeface="Times New Roman" panose="02020603050405020304" pitchFamily="18" charset="0"/>
-              </a:rPr>
-              <a:t> </a:t>
-            </a:r>
-            <a:r>
-              <a:rPr lang="en-US" altLang="lv-LV" sz="2000">
-                <a:latin typeface="Symbol" panose="05050102010706020507" pitchFamily="18" charset="2"/>
-              </a:rPr>
-              <a:t>+</a:t>
-            </a:r>
-            <a:r>
-              <a:rPr lang="en-US" altLang="lv-LV" sz="2000">
-                <a:latin typeface="Times New Roman" panose="02020603050405020304" pitchFamily="18" charset="0"/>
-              </a:rPr>
-              <a:t> … </a:t>
-            </a:r>
-            <a:br>
-              <a:rPr lang="en-US" altLang="lv-LV" sz="2000">
-                <a:latin typeface="Times New Roman" panose="02020603050405020304" pitchFamily="18" charset="0"/>
-              </a:rPr>
-            </a:br>
-            <a:r>
-              <a:rPr lang="en-US" altLang="lv-LV" sz="2000">
-                <a:latin typeface="Times New Roman" panose="02020603050405020304" pitchFamily="18" charset="0"/>
-              </a:rPr>
-              <a:t>			 … </a:t>
-            </a:r>
-            <a:r>
-              <a:rPr lang="en-US" altLang="lv-LV" sz="2000">
-                <a:latin typeface="Symbol" panose="05050102010706020507" pitchFamily="18" charset="2"/>
-              </a:rPr>
-              <a:t>+</a:t>
-            </a:r>
-            <a:r>
-              <a:rPr lang="en-US" altLang="lv-LV" sz="2000">
-                <a:latin typeface="Times New Roman" panose="02020603050405020304" pitchFamily="18" charset="0"/>
-              </a:rPr>
-              <a:t> </a:t>
-            </a:r>
-            <a:r>
-              <a:rPr lang="en-US" altLang="lv-LV" sz="2000" b="1" i="1">
-                <a:latin typeface="Times New Roman" panose="02020603050405020304" pitchFamily="18" charset="0"/>
-              </a:rPr>
-              <a:t>a</a:t>
-            </a:r>
-            <a:r>
-              <a:rPr lang="en-US" altLang="lv-LV" sz="2000" b="1" i="1" baseline="-25000">
-                <a:latin typeface="Times New Roman" panose="02020603050405020304" pitchFamily="18" charset="0"/>
-              </a:rPr>
-              <a:t>n</a:t>
-            </a:r>
-            <a:r>
-              <a:rPr lang="en-US" altLang="lv-LV" sz="2000" baseline="-25000">
-                <a:latin typeface="Symbol" panose="05050102010706020507" pitchFamily="18" charset="2"/>
-              </a:rPr>
-              <a:t>-</a:t>
-            </a:r>
-            <a:r>
-              <a:rPr lang="en-US" altLang="lv-LV" sz="2000" baseline="-25000">
-                <a:latin typeface="Times New Roman" panose="02020603050405020304" pitchFamily="18" charset="0"/>
-              </a:rPr>
-              <a:t>1</a:t>
-            </a:r>
-            <a:r>
-              <a:rPr lang="en-US" altLang="lv-LV" sz="2000" b="1" i="1">
-                <a:latin typeface="Times New Roman" panose="02020603050405020304" pitchFamily="18" charset="0"/>
-              </a:rPr>
-              <a:t>z</a:t>
-            </a:r>
-            <a:r>
-              <a:rPr lang="en-US" altLang="lv-LV" sz="2000" b="1" i="1" baseline="30000">
-                <a:latin typeface="Times New Roman" panose="02020603050405020304" pitchFamily="18" charset="0"/>
-              </a:rPr>
-              <a:t>n</a:t>
-            </a:r>
-            <a:r>
-              <a:rPr lang="en-US" altLang="lv-LV" sz="2000" baseline="30000">
-                <a:latin typeface="Symbol" panose="05050102010706020507" pitchFamily="18" charset="2"/>
-              </a:rPr>
-              <a:t>-</a:t>
-            </a:r>
-            <a:r>
-              <a:rPr lang="en-US" altLang="lv-LV" sz="2000" baseline="30000">
-                <a:latin typeface="Times New Roman" panose="02020603050405020304" pitchFamily="18" charset="0"/>
-              </a:rPr>
-              <a:t>1</a:t>
+              <a:rPr lang="en-US" sz="2000" dirty="0"/>
+              <a:t>We reinterpret the bits of the key as an integer</a:t>
             </a:r>
           </a:p>
           <a:p>
             <a:pPr lvl="1" eaLnBrk="1" hangingPunct="1">
               <a:lnSpc>
-                <a:spcPct val="90000"/>
+                <a:spcPct val="110000"/>
               </a:lnSpc>
-              <a:buFont typeface="Wingdings" panose="05000000000000000000" pitchFamily="2" charset="2"/>
-              <a:buNone/>
+              <a:defRPr/>
             </a:pPr>
             <a:r>
-              <a:rPr lang="en-US" altLang="lv-LV" sz="2000"/>
-              <a:t>	at a fixed value </a:t>
-            </a:r>
-            <a:r>
-              <a:rPr lang="en-US" altLang="lv-LV" sz="2000" b="1" i="1">
-                <a:latin typeface="Times New Roman" panose="02020603050405020304" pitchFamily="18" charset="0"/>
-              </a:rPr>
-              <a:t>z</a:t>
-            </a:r>
-            <a:r>
-              <a:rPr lang="en-US" altLang="lv-LV" sz="2000"/>
-              <a:t>, ignoring overflows</a:t>
-            </a:r>
-          </a:p>
-          <a:p>
-            <a:pPr lvl="1" eaLnBrk="1" hangingPunct="1">
-              <a:lnSpc>
-                <a:spcPct val="90000"/>
-              </a:lnSpc>
-            </a:pPr>
-            <a:r>
-              <a:rPr lang="en-US" altLang="lv-LV" sz="2000"/>
-              <a:t>Especially suitable for strings (e.g., the choice </a:t>
-            </a:r>
-            <a:r>
-              <a:rPr lang="en-US" altLang="lv-LV" sz="2000" b="1" i="1">
-                <a:latin typeface="Times New Roman" panose="02020603050405020304" pitchFamily="18" charset="0"/>
-              </a:rPr>
-              <a:t>z </a:t>
-            </a:r>
-            <a:r>
-              <a:rPr lang="en-US" altLang="lv-LV" sz="2000">
-                <a:latin typeface="Symbol" panose="05050102010706020507" pitchFamily="18" charset="2"/>
-              </a:rPr>
-              <a:t>=</a:t>
-            </a:r>
-            <a:r>
-              <a:rPr lang="en-US" altLang="lv-LV" sz="2000">
-                <a:latin typeface="Times New Roman" panose="02020603050405020304" pitchFamily="18" charset="0"/>
-              </a:rPr>
-              <a:t> </a:t>
-            </a:r>
-            <a:r>
-              <a:rPr lang="en-US" altLang="lv-LV" sz="2000"/>
-              <a:t>33</a:t>
-            </a:r>
-            <a:r>
-              <a:rPr lang="en-US" altLang="lv-LV" sz="2000">
-                <a:latin typeface="Times New Roman" panose="02020603050405020304" pitchFamily="18" charset="0"/>
-              </a:rPr>
-              <a:t> </a:t>
-            </a:r>
-            <a:r>
-              <a:rPr lang="en-US" altLang="lv-LV" sz="2000"/>
-              <a:t>gives at most 6 collisions on a set of 50,000 English words)</a:t>
+              <a:rPr lang="en-US" sz="2000" dirty="0"/>
+              <a:t>Suitable for keys of length less than or equal to the number of bits of the integer type (e.g., byte, short, </a:t>
+            </a:r>
+            <a:r>
+              <a:rPr lang="en-US" sz="2000" dirty="0" err="1"/>
+              <a:t>int</a:t>
+            </a:r>
+            <a:r>
+              <a:rPr lang="en-US" sz="2000" dirty="0"/>
+              <a:t> and float in C++)</a:t>
             </a:r>
           </a:p>
         </p:txBody>
@@ -29924,596 +29542,41 @@
           <a:p>
             <a:pPr eaLnBrk="1" hangingPunct="1"/>
             <a:r>
+              <a:rPr lang="en-US" altLang="lv-LV" sz="2400" dirty="0">
+                <a:solidFill>
+                  <a:schemeClr val="tx2"/>
+                </a:solidFill>
+              </a:rPr>
+              <a:t>Component sum</a:t>
+            </a:r>
+            <a:r>
               <a:rPr lang="en-US" altLang="lv-LV" sz="2400" dirty="0"/>
-              <a:t>Polynomial </a:t>
-            </a:r>
-            <a:r>
-              <a:rPr lang="en-US" altLang="lv-LV" sz="2400" b="1" i="1" dirty="0">
-                <a:latin typeface="Times New Roman" panose="02020603050405020304" pitchFamily="18" charset="0"/>
-              </a:rPr>
-              <a:t>p</a:t>
-            </a:r>
-            <a:r>
-              <a:rPr lang="en-US" altLang="lv-LV" sz="2400" dirty="0">
-                <a:latin typeface="Times New Roman" panose="02020603050405020304" pitchFamily="18" charset="0"/>
-              </a:rPr>
-              <a:t>(</a:t>
-            </a:r>
-            <a:r>
-              <a:rPr lang="en-US" altLang="lv-LV" sz="2400" b="1" i="1" dirty="0">
-                <a:latin typeface="Times New Roman" panose="02020603050405020304" pitchFamily="18" charset="0"/>
-              </a:rPr>
-              <a:t>z</a:t>
-            </a:r>
-            <a:r>
-              <a:rPr lang="en-US" altLang="lv-LV" sz="2400" dirty="0">
-                <a:latin typeface="Times New Roman" panose="02020603050405020304" pitchFamily="18" charset="0"/>
-              </a:rPr>
-              <a:t>)</a:t>
-            </a:r>
-            <a:r>
-              <a:rPr lang="en-US" altLang="lv-LV" sz="2400" dirty="0"/>
-              <a:t> can be evaluated in </a:t>
-            </a:r>
-            <a:r>
-              <a:rPr lang="en-US" altLang="lv-LV" sz="2400" b="1" i="1" dirty="0">
-                <a:latin typeface="Times New Roman" panose="02020603050405020304" pitchFamily="18" charset="0"/>
-              </a:rPr>
-              <a:t>O</a:t>
-            </a:r>
-            <a:r>
-              <a:rPr lang="en-US" altLang="lv-LV" sz="2400" dirty="0">
-                <a:latin typeface="Times New Roman" panose="02020603050405020304" pitchFamily="18" charset="0"/>
-              </a:rPr>
-              <a:t>(</a:t>
-            </a:r>
-            <a:r>
-              <a:rPr lang="en-US" altLang="lv-LV" sz="2400" b="1" i="1" dirty="0">
-                <a:latin typeface="Times New Roman" panose="02020603050405020304" pitchFamily="18" charset="0"/>
-              </a:rPr>
-              <a:t>n</a:t>
-            </a:r>
-            <a:r>
-              <a:rPr lang="en-US" altLang="lv-LV" sz="2400" dirty="0">
-                <a:latin typeface="Times New Roman" panose="02020603050405020304" pitchFamily="18" charset="0"/>
-              </a:rPr>
-              <a:t>)</a:t>
-            </a:r>
-            <a:r>
-              <a:rPr lang="en-US" altLang="lv-LV" sz="2400" dirty="0"/>
-              <a:t> time using Horner’s rule:</a:t>
+              <a:t>:</a:t>
             </a:r>
           </a:p>
           <a:p>
             <a:pPr lvl="1" eaLnBrk="1" hangingPunct="1"/>
             <a:r>
               <a:rPr lang="en-US" altLang="lv-LV" sz="2000" dirty="0"/>
-              <a:t>The following polynomials are successively computed, each from the previous one in </a:t>
-            </a:r>
-            <a:r>
-              <a:rPr lang="en-US" altLang="lv-LV" sz="2000" b="1" i="1" dirty="0">
-                <a:latin typeface="Times New Roman" panose="02020603050405020304" pitchFamily="18" charset="0"/>
-              </a:rPr>
-              <a:t>O</a:t>
-            </a:r>
-            <a:r>
-              <a:rPr lang="en-US" altLang="lv-LV" sz="2000" dirty="0">
-                <a:latin typeface="Times New Roman" panose="02020603050405020304" pitchFamily="18" charset="0"/>
-              </a:rPr>
-              <a:t>(1)</a:t>
-            </a:r>
+              <a:t>We partition the bits of the key into components of fixed length (e.g., 16 or 32 bits) and we sum the components (ignoring overflows)</a:t>
+            </a:r>
+          </a:p>
+          <a:p>
+            <a:pPr lvl="1" eaLnBrk="1" hangingPunct="1"/>
             <a:r>
               <a:rPr lang="en-US" altLang="lv-LV" sz="2000" dirty="0"/>
-              <a:t> time</a:t>
-            </a:r>
-          </a:p>
-          <a:p>
-            <a:pPr lvl="1" eaLnBrk="1" hangingPunct="1">
-              <a:buFont typeface="Wingdings" panose="05000000000000000000" pitchFamily="2" charset="2"/>
-              <a:buNone/>
-            </a:pPr>
-            <a:r>
-              <a:rPr lang="en-US" altLang="lv-LV" sz="2000" b="1" i="1" dirty="0">
-                <a:latin typeface="Times New Roman" panose="02020603050405020304" pitchFamily="18" charset="0"/>
-              </a:rPr>
-              <a:t>		p</a:t>
-            </a:r>
-            <a:r>
-              <a:rPr lang="en-US" altLang="lv-LV" sz="2000" baseline="-25000" dirty="0">
-                <a:latin typeface="Times New Roman" panose="02020603050405020304" pitchFamily="18" charset="0"/>
-              </a:rPr>
-              <a:t>0</a:t>
-            </a:r>
-            <a:r>
-              <a:rPr lang="en-US" altLang="lv-LV" sz="2000" dirty="0">
-                <a:latin typeface="Times New Roman" panose="02020603050405020304" pitchFamily="18" charset="0"/>
-              </a:rPr>
-              <a:t>(</a:t>
-            </a:r>
-            <a:r>
-              <a:rPr lang="en-US" altLang="lv-LV" sz="2000" b="1" i="1" dirty="0">
-                <a:latin typeface="Times New Roman" panose="02020603050405020304" pitchFamily="18" charset="0"/>
-              </a:rPr>
-              <a:t>z</a:t>
-            </a:r>
-            <a:r>
-              <a:rPr lang="en-US" altLang="lv-LV" sz="2000" dirty="0">
-                <a:latin typeface="Times New Roman" panose="02020603050405020304" pitchFamily="18" charset="0"/>
-              </a:rPr>
-              <a:t>)</a:t>
-            </a:r>
-            <a:r>
-              <a:rPr lang="en-US" altLang="lv-LV" sz="2000" b="1" i="1" dirty="0">
-                <a:latin typeface="Times New Roman" panose="02020603050405020304" pitchFamily="18" charset="0"/>
-              </a:rPr>
-              <a:t> </a:t>
-            </a:r>
-            <a:r>
-              <a:rPr lang="en-US" altLang="lv-LV" sz="2000" dirty="0">
-                <a:latin typeface="Symbol" panose="05050102010706020507" pitchFamily="18" charset="2"/>
-              </a:rPr>
-              <a:t>=</a:t>
-            </a:r>
-            <a:r>
-              <a:rPr lang="en-US" altLang="lv-LV" sz="2000" b="1" i="1" dirty="0">
-                <a:latin typeface="Times New Roman" panose="02020603050405020304" pitchFamily="18" charset="0"/>
-              </a:rPr>
-              <a:t> a</a:t>
-            </a:r>
-            <a:r>
-              <a:rPr lang="en-US" altLang="lv-LV" sz="2000" b="1" i="1" baseline="-25000" dirty="0">
-                <a:latin typeface="Times New Roman" panose="02020603050405020304" pitchFamily="18" charset="0"/>
-              </a:rPr>
-              <a:t>n</a:t>
-            </a:r>
-            <a:r>
-              <a:rPr lang="en-US" altLang="lv-LV" sz="2000" baseline="-25000" dirty="0">
-                <a:latin typeface="Symbol" panose="05050102010706020507" pitchFamily="18" charset="2"/>
-              </a:rPr>
-              <a:t>-</a:t>
-            </a:r>
-            <a:r>
-              <a:rPr lang="en-US" altLang="lv-LV" sz="2000" baseline="-25000" dirty="0">
-                <a:latin typeface="Times New Roman" panose="02020603050405020304" pitchFamily="18" charset="0"/>
-              </a:rPr>
-              <a:t>1</a:t>
-            </a:r>
-          </a:p>
-          <a:p>
-            <a:pPr lvl="1" eaLnBrk="1" hangingPunct="1">
-              <a:buFont typeface="Wingdings" panose="05000000000000000000" pitchFamily="2" charset="2"/>
-              <a:buNone/>
-            </a:pPr>
-            <a:r>
-              <a:rPr lang="en-US" altLang="lv-LV" sz="2000" b="1" i="1" dirty="0">
-                <a:latin typeface="Times New Roman" panose="02020603050405020304" pitchFamily="18" charset="0"/>
-              </a:rPr>
-              <a:t>		p</a:t>
-            </a:r>
-            <a:r>
-              <a:rPr lang="en-US" altLang="lv-LV" sz="2000" b="1" i="1" baseline="-25000" dirty="0">
-                <a:latin typeface="Times New Roman" panose="02020603050405020304" pitchFamily="18" charset="0"/>
-              </a:rPr>
-              <a:t>i</a:t>
-            </a:r>
-            <a:r>
-              <a:rPr lang="en-US" altLang="lv-LV" sz="2000" baseline="-25000" dirty="0">
-                <a:latin typeface="Times New Roman" panose="02020603050405020304" pitchFamily="18" charset="0"/>
-              </a:rPr>
-              <a:t> </a:t>
-            </a:r>
-            <a:r>
-              <a:rPr lang="en-US" altLang="lv-LV" sz="2000" dirty="0">
-                <a:latin typeface="Times New Roman" panose="02020603050405020304" pitchFamily="18" charset="0"/>
-              </a:rPr>
-              <a:t>(</a:t>
-            </a:r>
-            <a:r>
-              <a:rPr lang="en-US" altLang="lv-LV" sz="2000" b="1" i="1" dirty="0">
-                <a:latin typeface="Times New Roman" panose="02020603050405020304" pitchFamily="18" charset="0"/>
-              </a:rPr>
-              <a:t>z</a:t>
-            </a:r>
-            <a:r>
-              <a:rPr lang="en-US" altLang="lv-LV" sz="2000" dirty="0">
-                <a:latin typeface="Times New Roman" panose="02020603050405020304" pitchFamily="18" charset="0"/>
-              </a:rPr>
-              <a:t>)</a:t>
-            </a:r>
-            <a:r>
-              <a:rPr lang="en-US" altLang="lv-LV" sz="2000" b="1" i="1" dirty="0">
-                <a:latin typeface="Times New Roman" panose="02020603050405020304" pitchFamily="18" charset="0"/>
-              </a:rPr>
-              <a:t> </a:t>
-            </a:r>
-            <a:r>
-              <a:rPr lang="en-US" altLang="lv-LV" sz="2000" dirty="0">
-                <a:latin typeface="Symbol" panose="05050102010706020507" pitchFamily="18" charset="2"/>
-              </a:rPr>
-              <a:t>=</a:t>
-            </a:r>
-            <a:r>
-              <a:rPr lang="en-US" altLang="lv-LV" sz="2000" b="1" i="1" dirty="0">
-                <a:latin typeface="Times New Roman" panose="02020603050405020304" pitchFamily="18" charset="0"/>
-              </a:rPr>
-              <a:t> a</a:t>
-            </a:r>
-            <a:r>
-              <a:rPr lang="en-US" altLang="lv-LV" sz="2000" b="1" i="1" baseline="-25000" dirty="0">
-                <a:latin typeface="Times New Roman" panose="02020603050405020304" pitchFamily="18" charset="0"/>
-              </a:rPr>
-              <a:t>n</a:t>
-            </a:r>
-            <a:r>
-              <a:rPr lang="en-US" altLang="lv-LV" sz="2000" baseline="-25000" dirty="0">
-                <a:latin typeface="Symbol" panose="05050102010706020507" pitchFamily="18" charset="2"/>
-              </a:rPr>
-              <a:t>-</a:t>
-            </a:r>
-            <a:r>
-              <a:rPr lang="en-US" altLang="lv-LV" sz="2000" b="1" i="1" baseline="-25000" dirty="0">
-                <a:latin typeface="Times New Roman" panose="02020603050405020304" pitchFamily="18" charset="0"/>
-              </a:rPr>
-              <a:t>i</a:t>
-            </a:r>
-            <a:r>
-              <a:rPr lang="en-US" altLang="lv-LV" sz="2000" baseline="-25000" dirty="0">
-                <a:latin typeface="Symbol" panose="05050102010706020507" pitchFamily="18" charset="2"/>
-              </a:rPr>
-              <a:t>-</a:t>
-            </a:r>
-            <a:r>
-              <a:rPr lang="en-US" altLang="lv-LV" sz="2000" baseline="-25000" dirty="0">
-                <a:latin typeface="Times New Roman" panose="02020603050405020304" pitchFamily="18" charset="0"/>
-              </a:rPr>
-              <a:t>1 </a:t>
-            </a:r>
-            <a:r>
-              <a:rPr lang="en-US" altLang="lv-LV" sz="2000" dirty="0">
-                <a:latin typeface="Symbol" panose="05050102010706020507" pitchFamily="18" charset="2"/>
-              </a:rPr>
-              <a:t>+</a:t>
-            </a:r>
-            <a:r>
-              <a:rPr lang="en-US" altLang="lv-LV" sz="2000" dirty="0">
-                <a:latin typeface="Times New Roman" panose="02020603050405020304" pitchFamily="18" charset="0"/>
-              </a:rPr>
-              <a:t> </a:t>
-            </a:r>
-            <a:r>
-              <a:rPr lang="en-US" altLang="lv-LV" sz="2000" b="1" i="1" dirty="0">
-                <a:latin typeface="Times New Roman" panose="02020603050405020304" pitchFamily="18" charset="0"/>
-              </a:rPr>
-              <a:t>zp</a:t>
-            </a:r>
-            <a:r>
-              <a:rPr lang="en-US" altLang="lv-LV" sz="2000" b="1" i="1" baseline="-25000" dirty="0">
-                <a:latin typeface="Times New Roman" panose="02020603050405020304" pitchFamily="18" charset="0"/>
-              </a:rPr>
-              <a:t>i</a:t>
-            </a:r>
-            <a:r>
-              <a:rPr lang="en-US" altLang="lv-LV" sz="2000" baseline="-25000" dirty="0">
-                <a:latin typeface="Symbol" panose="05050102010706020507" pitchFamily="18" charset="2"/>
-              </a:rPr>
-              <a:t>-</a:t>
-            </a:r>
-            <a:r>
-              <a:rPr lang="en-US" altLang="lv-LV" sz="2000" baseline="-25000" dirty="0">
-                <a:latin typeface="Times New Roman" panose="02020603050405020304" pitchFamily="18" charset="0"/>
-              </a:rPr>
-              <a:t>1</a:t>
-            </a:r>
-            <a:r>
-              <a:rPr lang="en-US" altLang="lv-LV" sz="2000" dirty="0">
-                <a:latin typeface="Times New Roman" panose="02020603050405020304" pitchFamily="18" charset="0"/>
-              </a:rPr>
-              <a:t>(</a:t>
-            </a:r>
-            <a:r>
-              <a:rPr lang="en-US" altLang="lv-LV" sz="2000" b="1" i="1" dirty="0">
-                <a:latin typeface="Times New Roman" panose="02020603050405020304" pitchFamily="18" charset="0"/>
-              </a:rPr>
-              <a:t>z</a:t>
-            </a:r>
-            <a:r>
-              <a:rPr lang="en-US" altLang="lv-LV" sz="2000" dirty="0">
-                <a:latin typeface="Times New Roman" panose="02020603050405020304" pitchFamily="18" charset="0"/>
-              </a:rPr>
-              <a:t>)</a:t>
-            </a:r>
-            <a:br>
-              <a:rPr lang="en-US" altLang="lv-LV" sz="2000" dirty="0">
-                <a:latin typeface="Times New Roman" panose="02020603050405020304" pitchFamily="18" charset="0"/>
-              </a:rPr>
-            </a:br>
-            <a:r>
-              <a:rPr lang="en-US" altLang="lv-LV" sz="2000" dirty="0">
-                <a:latin typeface="Times New Roman" panose="02020603050405020304" pitchFamily="18" charset="0"/>
-              </a:rPr>
-              <a:t> 	(</a:t>
-            </a:r>
-            <a:r>
-              <a:rPr lang="en-US" altLang="lv-LV" sz="2000" b="1" i="1" dirty="0" err="1">
-                <a:latin typeface="Times New Roman" panose="02020603050405020304" pitchFamily="18" charset="0"/>
-              </a:rPr>
-              <a:t>i</a:t>
-            </a:r>
-            <a:r>
-              <a:rPr lang="en-US" altLang="lv-LV" sz="2000" b="1" i="1" dirty="0">
-                <a:latin typeface="Times New Roman" panose="02020603050405020304" pitchFamily="18" charset="0"/>
-              </a:rPr>
-              <a:t> </a:t>
-            </a:r>
-            <a:r>
-              <a:rPr lang="en-US" altLang="lv-LV" sz="2000" dirty="0">
-                <a:latin typeface="Symbol" panose="05050102010706020507" pitchFamily="18" charset="2"/>
-              </a:rPr>
-              <a:t>=</a:t>
-            </a:r>
-            <a:r>
-              <a:rPr lang="en-US" altLang="lv-LV" sz="2000" b="1" i="1" dirty="0">
-                <a:latin typeface="Times New Roman" panose="02020603050405020304" pitchFamily="18" charset="0"/>
-              </a:rPr>
-              <a:t> </a:t>
-            </a:r>
-            <a:r>
-              <a:rPr lang="en-US" altLang="lv-LV" sz="2000" dirty="0">
-                <a:latin typeface="Times New Roman" panose="02020603050405020304" pitchFamily="18" charset="0"/>
-              </a:rPr>
-              <a:t>1, 2, …, </a:t>
-            </a:r>
-            <a:r>
-              <a:rPr lang="en-US" altLang="lv-LV" sz="2000" b="1" i="1" dirty="0">
-                <a:latin typeface="Times New Roman" panose="02020603050405020304" pitchFamily="18" charset="0"/>
-              </a:rPr>
-              <a:t>n </a:t>
-            </a:r>
-            <a:r>
-              <a:rPr lang="en-US" altLang="lv-LV" sz="2000" dirty="0">
-                <a:latin typeface="Symbol" panose="05050102010706020507" pitchFamily="18" charset="2"/>
-              </a:rPr>
-              <a:t>-</a:t>
-            </a:r>
-            <a:r>
-              <a:rPr lang="en-US" altLang="lv-LV" sz="2000" dirty="0">
-                <a:latin typeface="Times New Roman" panose="02020603050405020304" pitchFamily="18" charset="0"/>
-              </a:rPr>
-              <a:t>1)</a:t>
-            </a:r>
-          </a:p>
-          <a:p>
-            <a:pPr eaLnBrk="1" hangingPunct="1"/>
-            <a:r>
-              <a:rPr lang="en-US" altLang="lv-LV" sz="2400" dirty="0"/>
-              <a:t>We have </a:t>
-            </a:r>
-            <a:r>
-              <a:rPr lang="en-US" altLang="lv-LV" sz="2400" b="1" i="1" dirty="0">
-                <a:latin typeface="Times New Roman" panose="02020603050405020304" pitchFamily="18" charset="0"/>
-              </a:rPr>
-              <a:t>p</a:t>
-            </a:r>
-            <a:r>
-              <a:rPr lang="en-US" altLang="lv-LV" sz="2400" dirty="0">
-                <a:latin typeface="Times New Roman" panose="02020603050405020304" pitchFamily="18" charset="0"/>
-              </a:rPr>
-              <a:t>(</a:t>
-            </a:r>
-            <a:r>
-              <a:rPr lang="en-US" altLang="lv-LV" sz="2400" b="1" i="1" dirty="0">
-                <a:latin typeface="Times New Roman" panose="02020603050405020304" pitchFamily="18" charset="0"/>
-              </a:rPr>
-              <a:t>z</a:t>
-            </a:r>
-            <a:r>
-              <a:rPr lang="en-US" altLang="lv-LV" sz="2400" dirty="0">
-                <a:latin typeface="Times New Roman" panose="02020603050405020304" pitchFamily="18" charset="0"/>
-              </a:rPr>
-              <a:t>) </a:t>
-            </a:r>
-            <a:r>
-              <a:rPr lang="en-US" altLang="lv-LV" sz="2400" dirty="0">
-                <a:latin typeface="Symbol" panose="05050102010706020507" pitchFamily="18" charset="2"/>
-              </a:rPr>
-              <a:t>=</a:t>
-            </a:r>
-            <a:r>
-              <a:rPr lang="en-US" altLang="lv-LV" sz="2400" b="1" i="1" dirty="0">
-                <a:latin typeface="Times New Roman" panose="02020603050405020304" pitchFamily="18" charset="0"/>
-              </a:rPr>
-              <a:t> p</a:t>
-            </a:r>
-            <a:r>
-              <a:rPr lang="en-US" altLang="lv-LV" sz="2400" b="1" i="1" baseline="-25000" dirty="0">
-                <a:latin typeface="Times New Roman" panose="02020603050405020304" pitchFamily="18" charset="0"/>
-              </a:rPr>
-              <a:t>n</a:t>
-            </a:r>
-            <a:r>
-              <a:rPr lang="en-US" altLang="lv-LV" sz="2400" baseline="-25000" dirty="0">
-                <a:latin typeface="Symbol" panose="05050102010706020507" pitchFamily="18" charset="2"/>
-              </a:rPr>
-              <a:t>-</a:t>
-            </a:r>
-            <a:r>
-              <a:rPr lang="en-US" altLang="lv-LV" sz="2400" baseline="-25000" dirty="0">
-                <a:latin typeface="Times New Roman" panose="02020603050405020304" pitchFamily="18" charset="0"/>
-              </a:rPr>
-              <a:t>1</a:t>
-            </a:r>
-            <a:r>
-              <a:rPr lang="en-US" altLang="lv-LV" sz="2400" dirty="0">
-                <a:latin typeface="Times New Roman" panose="02020603050405020304" pitchFamily="18" charset="0"/>
-              </a:rPr>
-              <a:t>(</a:t>
-            </a:r>
-            <a:r>
-              <a:rPr lang="en-US" altLang="lv-LV" sz="2400" b="1" i="1" dirty="0">
-                <a:latin typeface="Times New Roman" panose="02020603050405020304" pitchFamily="18" charset="0"/>
-              </a:rPr>
-              <a:t>z</a:t>
-            </a:r>
-            <a:r>
-              <a:rPr lang="en-US" altLang="lv-LV" sz="2400" dirty="0">
-                <a:latin typeface="Times New Roman" panose="02020603050405020304" pitchFamily="18" charset="0"/>
-              </a:rPr>
-              <a:t>) </a:t>
+              <a:t>Suitable for numeric keys of fixed length greater than or equal to the number of bits of the integer type (e.g., long and double in C++)</a:t>
             </a:r>
           </a:p>
           <a:p>
             <a:endParaRPr lang="lv-LV" dirty="0"/>
-          </a:p>
-        </p:txBody>
-      </p:sp>
-      <p:sp>
-        <p:nvSpPr>
-          <p:cNvPr id="15363" name="Slide Number Placeholder 6"/>
-          <p:cNvSpPr>
-            <a:spLocks noGrp="1"/>
-          </p:cNvSpPr>
-          <p:nvPr>
-            <p:ph type="sldNum" sz="quarter" idx="12"/>
-          </p:nvPr>
-        </p:nvSpPr>
-        <p:spPr>
-          <a:noFill/>
-          <a:ln/>
-          <a:extLst>
-            <a:ext uri="{909E8E84-426E-40DD-AFC4-6F175D3DCCD1}">
-              <a14:hiddenFill xmlns:a14="http://schemas.microsoft.com/office/drawing/2010/main">
-                <a:solidFill>
-                  <a:srgbClr val="FFFFFF"/>
-                </a:solidFill>
-              </a14:hiddenFill>
-            </a:ext>
-            <a:ext uri="{91240B29-F687-4F45-9708-019B960494DF}">
-              <a14:hiddenLine xmlns:a14="http://schemas.microsoft.com/office/drawing/2010/main" w="9525">
-                <a:solidFill>
-                  <a:srgbClr val="000000"/>
-                </a:solidFill>
-                <a:miter lim="800000"/>
-                <a:headEnd/>
-                <a:tailEnd/>
-              </a14:hiddenLine>
-            </a:ext>
-          </a:extLst>
-        </p:spPr>
-        <p:txBody>
-          <a:bodyPr/>
-          <a:lstStyle>
-            <a:lvl1pPr eaLnBrk="0" hangingPunct="0">
-              <a:defRPr sz="2400">
-                <a:solidFill>
-                  <a:schemeClr val="tx1"/>
-                </a:solidFill>
-                <a:latin typeface="Tahoma" panose="020B0604030504040204" pitchFamily="34" charset="0"/>
-              </a:defRPr>
-            </a:lvl1pPr>
-            <a:lvl2pPr marL="742950" indent="-285750" eaLnBrk="0" hangingPunct="0">
-              <a:defRPr sz="2400">
-                <a:solidFill>
-                  <a:schemeClr val="tx1"/>
-                </a:solidFill>
-                <a:latin typeface="Tahoma" panose="020B0604030504040204" pitchFamily="34" charset="0"/>
-              </a:defRPr>
-            </a:lvl2pPr>
-            <a:lvl3pPr marL="1143000" indent="-228600" eaLnBrk="0" hangingPunct="0">
-              <a:defRPr sz="2400">
-                <a:solidFill>
-                  <a:schemeClr val="tx1"/>
-                </a:solidFill>
-                <a:latin typeface="Tahoma" panose="020B0604030504040204" pitchFamily="34" charset="0"/>
-              </a:defRPr>
-            </a:lvl3pPr>
-            <a:lvl4pPr marL="1600200" indent="-228600" eaLnBrk="0" hangingPunct="0">
-              <a:defRPr sz="2400">
-                <a:solidFill>
-                  <a:schemeClr val="tx1"/>
-                </a:solidFill>
-                <a:latin typeface="Tahoma" panose="020B0604030504040204" pitchFamily="34" charset="0"/>
-              </a:defRPr>
-            </a:lvl4pPr>
-            <a:lvl5pPr marL="2057400" indent="-228600" eaLnBrk="0" hangingPunct="0">
-              <a:defRPr sz="2400">
-                <a:solidFill>
-                  <a:schemeClr val="tx1"/>
-                </a:solidFill>
-                <a:latin typeface="Tahoma" panose="020B0604030504040204" pitchFamily="34" charset="0"/>
-              </a:defRPr>
-            </a:lvl5pPr>
-            <a:lvl6pPr marL="2514600" indent="-228600" algn="ctr" eaLnBrk="0" fontAlgn="base" hangingPunct="0">
-              <a:spcBef>
-                <a:spcPct val="0"/>
-              </a:spcBef>
-              <a:spcAft>
-                <a:spcPct val="0"/>
-              </a:spcAft>
-              <a:defRPr sz="2400">
-                <a:solidFill>
-                  <a:schemeClr val="tx1"/>
-                </a:solidFill>
-                <a:latin typeface="Tahoma" panose="020B0604030504040204" pitchFamily="34" charset="0"/>
-              </a:defRPr>
-            </a:lvl6pPr>
-            <a:lvl7pPr marL="2971800" indent="-228600" algn="ctr" eaLnBrk="0" fontAlgn="base" hangingPunct="0">
-              <a:spcBef>
-                <a:spcPct val="0"/>
-              </a:spcBef>
-              <a:spcAft>
-                <a:spcPct val="0"/>
-              </a:spcAft>
-              <a:defRPr sz="2400">
-                <a:solidFill>
-                  <a:schemeClr val="tx1"/>
-                </a:solidFill>
-                <a:latin typeface="Tahoma" panose="020B0604030504040204" pitchFamily="34" charset="0"/>
-              </a:defRPr>
-            </a:lvl7pPr>
-            <a:lvl8pPr marL="3429000" indent="-228600" algn="ctr" eaLnBrk="0" fontAlgn="base" hangingPunct="0">
-              <a:spcBef>
-                <a:spcPct val="0"/>
-              </a:spcBef>
-              <a:spcAft>
-                <a:spcPct val="0"/>
-              </a:spcAft>
-              <a:defRPr sz="2400">
-                <a:solidFill>
-                  <a:schemeClr val="tx1"/>
-                </a:solidFill>
-                <a:latin typeface="Tahoma" panose="020B0604030504040204" pitchFamily="34" charset="0"/>
-              </a:defRPr>
-            </a:lvl8pPr>
-            <a:lvl9pPr marL="3886200" indent="-228600" algn="ctr" eaLnBrk="0" fontAlgn="base" hangingPunct="0">
-              <a:spcBef>
-                <a:spcPct val="0"/>
-              </a:spcBef>
-              <a:spcAft>
-                <a:spcPct val="0"/>
-              </a:spcAft>
-              <a:defRPr sz="2400">
-                <a:solidFill>
-                  <a:schemeClr val="tx1"/>
-                </a:solidFill>
-                <a:latin typeface="Tahoma" panose="020B0604030504040204" pitchFamily="34" charset="0"/>
-              </a:defRPr>
-            </a:lvl9pPr>
-          </a:lstStyle>
-          <a:p>
-            <a:pPr eaLnBrk="1" hangingPunct="1"/>
-            <a:fld id="{23DBDA21-E63C-44CA-8FEE-E76FC03EC109}" type="slidenum">
-              <a:rPr lang="en-US" altLang="lv-LV" sz="1400"/>
-              <a:pPr eaLnBrk="1" hangingPunct="1"/>
-              <a:t>31</a:t>
-            </a:fld>
-            <a:endParaRPr lang="en-US" altLang="lv-LV" sz="1400"/>
           </a:p>
         </p:txBody>
       </p:sp>
     </p:spTree>
     <p:extLst>
       <p:ext uri="{BB962C8B-B14F-4D97-AF65-F5344CB8AC3E}">
-        <p14:creationId xmlns:p14="http://schemas.microsoft.com/office/powerpoint/2010/main" val="2460526156"/>
+        <p14:creationId xmlns:p14="http://schemas.microsoft.com/office/powerpoint/2010/main" val="64514391"/>
       </p:ext>
     </p:extLst>
   </p:cSld>
@@ -30552,7 +29615,7 @@
       </p:grpSpPr>
       <p:sp>
         <p:nvSpPr>
-          <p:cNvPr id="4101" name="Rectangle 2"/>
+          <p:cNvPr id="15364" name="Rectangle 2"/>
           <p:cNvSpPr>
             <a:spLocks noGrp="1" noChangeArrowheads="1"/>
           </p:cNvSpPr>
@@ -30568,14 +29631,14 @@
             <a:pPr eaLnBrk="1" hangingPunct="1"/>
             <a:r>
               <a:rPr lang="en-US" altLang="lv-LV" smtClean="0"/>
-              <a:t>Compression Functions</a:t>
+              <a:t>Hash Codes (cont.)</a:t>
             </a:r>
           </a:p>
         </p:txBody>
       </p:sp>
       <p:sp>
         <p:nvSpPr>
-          <p:cNvPr id="4102" name="Rectangle 3" descr="Rectangle: Click to edit Master text styles&#10;Second level&#10;Third level&#10;Fourth level&#10;Fifth level"/>
+          <p:cNvPr id="15365" name="Rectangle 3" descr="Rectangle: Click to edit Master text styles&#10;Second level&#10;Third level&#10;Fourth level&#10;Fifth level"/>
           <p:cNvSpPr>
             <a:spLocks noGrp="1" noChangeArrowheads="1"/>
           </p:cNvSpPr>
@@ -30588,100 +29651,402 @@
           <a:bodyPr/>
           <a:lstStyle/>
           <a:p>
-            <a:pPr eaLnBrk="1" hangingPunct="1"/>
-            <a:r>
-              <a:rPr lang="en-US" altLang="lv-LV" smtClean="0">
+            <a:pPr eaLnBrk="1" hangingPunct="1">
+              <a:lnSpc>
+                <a:spcPct val="90000"/>
+              </a:lnSpc>
+            </a:pPr>
+            <a:r>
+              <a:rPr lang="en-US" altLang="lv-LV" sz="2400">
                 <a:solidFill>
                   <a:schemeClr val="tx2"/>
                 </a:solidFill>
               </a:rPr>
-              <a:t>Division</a:t>
-            </a:r>
-            <a:r>
-              <a:rPr lang="en-US" altLang="lv-LV" smtClean="0"/>
+              <a:t>Polynomial accumulation</a:t>
+            </a:r>
+            <a:r>
+              <a:rPr lang="en-US" altLang="lv-LV" sz="2400"/>
               <a:t>:</a:t>
             </a:r>
           </a:p>
           <a:p>
-            <a:pPr lvl="1" eaLnBrk="1" hangingPunct="1"/>
-            <a:r>
-              <a:rPr lang="en-US" altLang="lv-LV" b="1" i="1" smtClean="0">
+            <a:pPr lvl="1" eaLnBrk="1" hangingPunct="1">
+              <a:lnSpc>
+                <a:spcPct val="90000"/>
+              </a:lnSpc>
+            </a:pPr>
+            <a:r>
+              <a:rPr lang="en-US" altLang="lv-LV" sz="2000"/>
+              <a:t>We partition the bits of the key into a sequence of components of fixed length (e.g., 8, 16 or 32 bits)</a:t>
+            </a:r>
+            <a:br>
+              <a:rPr lang="en-US" altLang="lv-LV" sz="2000"/>
+            </a:br>
+            <a:r>
+              <a:rPr lang="en-US" altLang="lv-LV" sz="2000"/>
+              <a:t> 		</a:t>
+            </a:r>
+            <a:r>
+              <a:rPr lang="en-US" altLang="lv-LV" sz="2000" b="1" i="1">
                 <a:latin typeface="Times New Roman" panose="02020603050405020304" pitchFamily="18" charset="0"/>
               </a:rPr>
-              <a:t>h</a:t>
-            </a:r>
-            <a:r>
-              <a:rPr lang="en-US" altLang="lv-LV" baseline="-25000" smtClean="0">
+              <a:t>a</a:t>
+            </a:r>
+            <a:r>
+              <a:rPr lang="en-US" altLang="lv-LV" sz="2000" baseline="-25000">
                 <a:latin typeface="Times New Roman" panose="02020603050405020304" pitchFamily="18" charset="0"/>
               </a:rPr>
+              <a:t>0 </a:t>
+            </a:r>
+            <a:r>
+              <a:rPr lang="en-US" altLang="lv-LV" sz="2000" b="1" i="1">
+                <a:latin typeface="Times New Roman" panose="02020603050405020304" pitchFamily="18" charset="0"/>
+              </a:rPr>
+              <a:t>a</a:t>
+            </a:r>
+            <a:r>
+              <a:rPr lang="en-US" altLang="lv-LV" sz="2000" baseline="-25000">
+                <a:latin typeface="Times New Roman" panose="02020603050405020304" pitchFamily="18" charset="0"/>
+              </a:rPr>
+              <a:t>1</a:t>
+            </a:r>
+            <a:r>
+              <a:rPr lang="en-US" altLang="lv-LV" sz="2000">
+                <a:latin typeface="Times New Roman" panose="02020603050405020304" pitchFamily="18" charset="0"/>
+              </a:rPr>
+              <a:t> … </a:t>
+            </a:r>
+            <a:r>
+              <a:rPr lang="en-US" altLang="lv-LV" sz="2000" b="1" i="1">
+                <a:latin typeface="Times New Roman" panose="02020603050405020304" pitchFamily="18" charset="0"/>
+              </a:rPr>
+              <a:t>a</a:t>
+            </a:r>
+            <a:r>
+              <a:rPr lang="en-US" altLang="lv-LV" sz="2000" b="1" i="1" baseline="-25000">
+                <a:latin typeface="Times New Roman" panose="02020603050405020304" pitchFamily="18" charset="0"/>
+              </a:rPr>
+              <a:t>n</a:t>
+            </a:r>
+            <a:r>
+              <a:rPr lang="en-US" altLang="lv-LV" sz="2000" baseline="-25000">
+                <a:latin typeface="Symbol" panose="05050102010706020507" pitchFamily="18" charset="2"/>
+              </a:rPr>
+              <a:t>-</a:t>
+            </a:r>
+            <a:r>
+              <a:rPr lang="en-US" altLang="lv-LV" sz="2000" baseline="-25000">
+                <a:latin typeface="Times New Roman" panose="02020603050405020304" pitchFamily="18" charset="0"/>
+              </a:rPr>
+              <a:t>1</a:t>
+            </a:r>
+            <a:endParaRPr lang="en-US" altLang="lv-LV" sz="2000"/>
+          </a:p>
+          <a:p>
+            <a:pPr lvl="1" eaLnBrk="1" hangingPunct="1">
+              <a:lnSpc>
+                <a:spcPct val="90000"/>
+              </a:lnSpc>
+            </a:pPr>
+            <a:r>
+              <a:rPr lang="en-US" altLang="lv-LV" sz="2000"/>
+              <a:t>We evaluate the polynomial</a:t>
+            </a:r>
+          </a:p>
+          <a:p>
+            <a:pPr lvl="1" eaLnBrk="1" hangingPunct="1">
+              <a:lnSpc>
+                <a:spcPct val="90000"/>
+              </a:lnSpc>
+              <a:buFont typeface="Wingdings" panose="05000000000000000000" pitchFamily="2" charset="2"/>
+              <a:buNone/>
+            </a:pPr>
+            <a:r>
+              <a:rPr lang="en-US" altLang="lv-LV" sz="2000" b="1" i="1">
+                <a:latin typeface="Times New Roman" panose="02020603050405020304" pitchFamily="18" charset="0"/>
+              </a:rPr>
+              <a:t>	p</a:t>
+            </a:r>
+            <a:r>
+              <a:rPr lang="en-US" altLang="lv-LV" sz="2000">
+                <a:latin typeface="Times New Roman" panose="02020603050405020304" pitchFamily="18" charset="0"/>
+              </a:rPr>
+              <a:t>(</a:t>
+            </a:r>
+            <a:r>
+              <a:rPr lang="en-US" altLang="lv-LV" sz="2000" b="1" i="1">
+                <a:latin typeface="Times New Roman" panose="02020603050405020304" pitchFamily="18" charset="0"/>
+              </a:rPr>
+              <a:t>z</a:t>
+            </a:r>
+            <a:r>
+              <a:rPr lang="en-US" altLang="lv-LV" sz="2000">
+                <a:latin typeface="Times New Roman" panose="02020603050405020304" pitchFamily="18" charset="0"/>
+              </a:rPr>
+              <a:t>)</a:t>
+            </a:r>
+            <a:r>
+              <a:rPr lang="en-US" altLang="lv-LV" sz="2000" b="1" i="1">
+                <a:latin typeface="Times New Roman" panose="02020603050405020304" pitchFamily="18" charset="0"/>
+              </a:rPr>
+              <a:t> </a:t>
+            </a:r>
+            <a:r>
+              <a:rPr lang="en-US" altLang="lv-LV" sz="2000">
+                <a:latin typeface="Symbol" panose="05050102010706020507" pitchFamily="18" charset="2"/>
+              </a:rPr>
+              <a:t>=</a:t>
+            </a:r>
+            <a:r>
+              <a:rPr lang="en-US" altLang="lv-LV" sz="2000" b="1" i="1">
+                <a:latin typeface="Times New Roman" panose="02020603050405020304" pitchFamily="18" charset="0"/>
+              </a:rPr>
+              <a:t> a</a:t>
+            </a:r>
+            <a:r>
+              <a:rPr lang="en-US" altLang="lv-LV" sz="2000" baseline="-25000">
+                <a:latin typeface="Times New Roman" panose="02020603050405020304" pitchFamily="18" charset="0"/>
+              </a:rPr>
+              <a:t>0</a:t>
+            </a:r>
+            <a:r>
+              <a:rPr lang="en-US" altLang="lv-LV" sz="2000">
+                <a:latin typeface="Times New Roman" panose="02020603050405020304" pitchFamily="18" charset="0"/>
+              </a:rPr>
+              <a:t> </a:t>
+            </a:r>
+            <a:r>
+              <a:rPr lang="en-US" altLang="lv-LV" sz="2000">
+                <a:latin typeface="Symbol" panose="05050102010706020507" pitchFamily="18" charset="2"/>
+              </a:rPr>
+              <a:t>+</a:t>
+            </a:r>
+            <a:r>
+              <a:rPr lang="en-US" altLang="lv-LV" sz="2000">
+                <a:latin typeface="Times New Roman" panose="02020603050405020304" pitchFamily="18" charset="0"/>
+              </a:rPr>
+              <a:t> </a:t>
+            </a:r>
+            <a:r>
+              <a:rPr lang="en-US" altLang="lv-LV" sz="2000" b="1" i="1">
+                <a:latin typeface="Times New Roman" panose="02020603050405020304" pitchFamily="18" charset="0"/>
+              </a:rPr>
+              <a:t>a</a:t>
+            </a:r>
+            <a:r>
+              <a:rPr lang="en-US" altLang="lv-LV" sz="2000" baseline="-25000">
+                <a:latin typeface="Times New Roman" panose="02020603050405020304" pitchFamily="18" charset="0"/>
+              </a:rPr>
+              <a:t>1 </a:t>
+            </a:r>
+            <a:r>
+              <a:rPr lang="en-US" altLang="lv-LV" sz="2000" b="1" i="1">
+                <a:latin typeface="Times New Roman" panose="02020603050405020304" pitchFamily="18" charset="0"/>
+              </a:rPr>
+              <a:t>z</a:t>
+            </a:r>
+            <a:r>
+              <a:rPr lang="en-US" altLang="lv-LV" sz="2000" baseline="-25000">
+                <a:latin typeface="Times New Roman" panose="02020603050405020304" pitchFamily="18" charset="0"/>
+              </a:rPr>
+              <a:t> </a:t>
+            </a:r>
+            <a:r>
+              <a:rPr lang="en-US" altLang="lv-LV" sz="2000">
+                <a:latin typeface="Times New Roman" panose="02020603050405020304" pitchFamily="18" charset="0"/>
+              </a:rPr>
+              <a:t> </a:t>
+            </a:r>
+            <a:r>
+              <a:rPr lang="en-US" altLang="lv-LV" sz="2000">
+                <a:latin typeface="Symbol" panose="05050102010706020507" pitchFamily="18" charset="2"/>
+              </a:rPr>
+              <a:t>+</a:t>
+            </a:r>
+            <a:r>
+              <a:rPr lang="en-US" altLang="lv-LV" sz="2000">
+                <a:latin typeface="Times New Roman" panose="02020603050405020304" pitchFamily="18" charset="0"/>
+              </a:rPr>
+              <a:t> </a:t>
+            </a:r>
+            <a:r>
+              <a:rPr lang="en-US" altLang="lv-LV" sz="2000" b="1" i="1">
+                <a:latin typeface="Times New Roman" panose="02020603050405020304" pitchFamily="18" charset="0"/>
+              </a:rPr>
+              <a:t>a</a:t>
+            </a:r>
+            <a:r>
+              <a:rPr lang="en-US" altLang="lv-LV" sz="2000" baseline="-25000">
+                <a:latin typeface="Times New Roman" panose="02020603050405020304" pitchFamily="18" charset="0"/>
+              </a:rPr>
               <a:t>2 </a:t>
             </a:r>
             <a:r>
-              <a:rPr lang="en-US" altLang="lv-LV" smtClean="0">
+              <a:rPr lang="en-US" altLang="lv-LV" sz="2000" b="1" i="1">
                 <a:latin typeface="Times New Roman" panose="02020603050405020304" pitchFamily="18" charset="0"/>
               </a:rPr>
-              <a:t>(</a:t>
-            </a:r>
-            <a:r>
-              <a:rPr lang="en-US" altLang="lv-LV" b="1" i="1" smtClean="0">
+              <a:t>z</a:t>
+            </a:r>
+            <a:r>
+              <a:rPr lang="en-US" altLang="lv-LV" sz="2000" baseline="30000">
                 <a:latin typeface="Times New Roman" panose="02020603050405020304" pitchFamily="18" charset="0"/>
               </a:rPr>
-              <a:t>y</a:t>
-            </a:r>
-            <a:r>
-              <a:rPr lang="en-US" altLang="lv-LV" smtClean="0">
+              <a:t>2</a:t>
+            </a:r>
+            <a:r>
+              <a:rPr lang="en-US" altLang="lv-LV" sz="2000">
                 <a:latin typeface="Times New Roman" panose="02020603050405020304" pitchFamily="18" charset="0"/>
               </a:rPr>
-              <a:t>) </a:t>
-            </a:r>
-            <a:r>
-              <a:rPr lang="en-US" altLang="lv-LV" smtClean="0">
+              <a:t> </a:t>
+            </a:r>
+            <a:r>
+              <a:rPr lang="en-US" altLang="lv-LV" sz="2000">
                 <a:latin typeface="Symbol" panose="05050102010706020507" pitchFamily="18" charset="2"/>
               </a:rPr>
+              <a:t>+</a:t>
+            </a:r>
+            <a:r>
+              <a:rPr lang="en-US" altLang="lv-LV" sz="2000">
+                <a:latin typeface="Times New Roman" panose="02020603050405020304" pitchFamily="18" charset="0"/>
+              </a:rPr>
+              <a:t> … </a:t>
+            </a:r>
+            <a:br>
+              <a:rPr lang="en-US" altLang="lv-LV" sz="2000">
+                <a:latin typeface="Times New Roman" panose="02020603050405020304" pitchFamily="18" charset="0"/>
+              </a:rPr>
+            </a:br>
+            <a:r>
+              <a:rPr lang="en-US" altLang="lv-LV" sz="2000">
+                <a:latin typeface="Times New Roman" panose="02020603050405020304" pitchFamily="18" charset="0"/>
+              </a:rPr>
+              <a:t>			 … </a:t>
+            </a:r>
+            <a:r>
+              <a:rPr lang="en-US" altLang="lv-LV" sz="2000">
+                <a:latin typeface="Symbol" panose="05050102010706020507" pitchFamily="18" charset="2"/>
+              </a:rPr>
+              <a:t>+</a:t>
+            </a:r>
+            <a:r>
+              <a:rPr lang="en-US" altLang="lv-LV" sz="2000">
+                <a:latin typeface="Times New Roman" panose="02020603050405020304" pitchFamily="18" charset="0"/>
+              </a:rPr>
+              <a:t> </a:t>
+            </a:r>
+            <a:r>
+              <a:rPr lang="en-US" altLang="lv-LV" sz="2000" b="1" i="1">
+                <a:latin typeface="Times New Roman" panose="02020603050405020304" pitchFamily="18" charset="0"/>
+              </a:rPr>
+              <a:t>a</a:t>
+            </a:r>
+            <a:r>
+              <a:rPr lang="en-US" altLang="lv-LV" sz="2000" b="1" i="1" baseline="-25000">
+                <a:latin typeface="Times New Roman" panose="02020603050405020304" pitchFamily="18" charset="0"/>
+              </a:rPr>
+              <a:t>n</a:t>
+            </a:r>
+            <a:r>
+              <a:rPr lang="en-US" altLang="lv-LV" sz="2000" baseline="-25000">
+                <a:latin typeface="Symbol" panose="05050102010706020507" pitchFamily="18" charset="2"/>
+              </a:rPr>
+              <a:t>-</a:t>
+            </a:r>
+            <a:r>
+              <a:rPr lang="en-US" altLang="lv-LV" sz="2000" baseline="-25000">
+                <a:latin typeface="Times New Roman" panose="02020603050405020304" pitchFamily="18" charset="0"/>
+              </a:rPr>
+              <a:t>1</a:t>
+            </a:r>
+            <a:r>
+              <a:rPr lang="en-US" altLang="lv-LV" sz="2000" b="1" i="1">
+                <a:latin typeface="Times New Roman" panose="02020603050405020304" pitchFamily="18" charset="0"/>
+              </a:rPr>
+              <a:t>z</a:t>
+            </a:r>
+            <a:r>
+              <a:rPr lang="en-US" altLang="lv-LV" sz="2000" b="1" i="1" baseline="30000">
+                <a:latin typeface="Times New Roman" panose="02020603050405020304" pitchFamily="18" charset="0"/>
+              </a:rPr>
+              <a:t>n</a:t>
+            </a:r>
+            <a:r>
+              <a:rPr lang="en-US" altLang="lv-LV" sz="2000" baseline="30000">
+                <a:latin typeface="Symbol" panose="05050102010706020507" pitchFamily="18" charset="2"/>
+              </a:rPr>
+              <a:t>-</a:t>
+            </a:r>
+            <a:r>
+              <a:rPr lang="en-US" altLang="lv-LV" sz="2000" baseline="30000">
+                <a:latin typeface="Times New Roman" panose="02020603050405020304" pitchFamily="18" charset="0"/>
+              </a:rPr>
+              <a:t>1</a:t>
+            </a:r>
+          </a:p>
+          <a:p>
+            <a:pPr lvl="1" eaLnBrk="1" hangingPunct="1">
+              <a:lnSpc>
+                <a:spcPct val="90000"/>
+              </a:lnSpc>
+              <a:buFont typeface="Wingdings" panose="05000000000000000000" pitchFamily="2" charset="2"/>
+              <a:buNone/>
+            </a:pPr>
+            <a:r>
+              <a:rPr lang="en-US" altLang="lv-LV" sz="2000"/>
+              <a:t>	at a fixed value </a:t>
+            </a:r>
+            <a:r>
+              <a:rPr lang="en-US" altLang="lv-LV" sz="2000" b="1" i="1">
+                <a:latin typeface="Times New Roman" panose="02020603050405020304" pitchFamily="18" charset="0"/>
+              </a:rPr>
+              <a:t>z</a:t>
+            </a:r>
+            <a:r>
+              <a:rPr lang="en-US" altLang="lv-LV" sz="2000"/>
+              <a:t>, ignoring overflows</a:t>
+            </a:r>
+          </a:p>
+          <a:p>
+            <a:pPr lvl="1" eaLnBrk="1" hangingPunct="1">
+              <a:lnSpc>
+                <a:spcPct val="90000"/>
+              </a:lnSpc>
+            </a:pPr>
+            <a:r>
+              <a:rPr lang="en-US" altLang="lv-LV" sz="2000"/>
+              <a:t>Especially suitable for strings (e.g., the choice </a:t>
+            </a:r>
+            <a:r>
+              <a:rPr lang="en-US" altLang="lv-LV" sz="2000" b="1" i="1">
+                <a:latin typeface="Times New Roman" panose="02020603050405020304" pitchFamily="18" charset="0"/>
+              </a:rPr>
+              <a:t>z </a:t>
+            </a:r>
+            <a:r>
+              <a:rPr lang="en-US" altLang="lv-LV" sz="2000">
+                <a:latin typeface="Symbol" panose="05050102010706020507" pitchFamily="18" charset="2"/>
+              </a:rPr>
               <a:t>=</a:t>
             </a:r>
             <a:r>
-              <a:rPr lang="en-US" altLang="lv-LV" b="1" i="1" smtClean="0">
+              <a:rPr lang="en-US" altLang="lv-LV" sz="2000">
                 <a:latin typeface="Times New Roman" panose="02020603050405020304" pitchFamily="18" charset="0"/>
               </a:rPr>
-              <a:t> y </a:t>
-            </a:r>
-            <a:r>
-              <a:rPr lang="en-US" altLang="lv-LV" smtClean="0">
+              <a:t> </a:t>
+            </a:r>
+            <a:r>
+              <a:rPr lang="en-US" altLang="lv-LV" sz="2000"/>
+              <a:t>33</a:t>
+            </a:r>
+            <a:r>
+              <a:rPr lang="en-US" altLang="lv-LV" sz="2000">
                 <a:latin typeface="Times New Roman" panose="02020603050405020304" pitchFamily="18" charset="0"/>
               </a:rPr>
-              <a:t>mod</a:t>
-            </a:r>
-            <a:r>
-              <a:rPr lang="en-US" altLang="lv-LV" b="1" i="1" smtClean="0">
-                <a:latin typeface="Times New Roman" panose="02020603050405020304" pitchFamily="18" charset="0"/>
-              </a:rPr>
-              <a:t> N</a:t>
-            </a:r>
-            <a:endParaRPr lang="en-US" altLang="lv-LV" smtClean="0"/>
-          </a:p>
-          <a:p>
-            <a:pPr lvl="1" eaLnBrk="1" hangingPunct="1"/>
-            <a:r>
-              <a:rPr lang="en-US" altLang="lv-LV" smtClean="0"/>
-              <a:t>The size </a:t>
-            </a:r>
-            <a:r>
-              <a:rPr lang="en-US" altLang="lv-LV" b="1" i="1" smtClean="0">
-                <a:latin typeface="Times New Roman" panose="02020603050405020304" pitchFamily="18" charset="0"/>
-              </a:rPr>
-              <a:t>N</a:t>
-            </a:r>
-            <a:r>
-              <a:rPr lang="en-US" altLang="lv-LV" smtClean="0"/>
-              <a:t> of the hash table is usually chosen to be a prime </a:t>
-            </a:r>
-          </a:p>
-          <a:p>
-            <a:pPr lvl="1" eaLnBrk="1" hangingPunct="1"/>
-            <a:r>
-              <a:rPr lang="en-US" altLang="lv-LV" smtClean="0"/>
-              <a:t>The reason has to do with number theory and is beyond the scope of this course</a:t>
+              <a:t> </a:t>
+            </a:r>
+            <a:r>
+              <a:rPr lang="en-US" altLang="lv-LV" sz="2000"/>
+              <a:t>gives at most 6 collisions on a set of 50,000 English words)</a:t>
             </a:r>
           </a:p>
         </p:txBody>
@@ -30703,206 +30068,596 @@
           <a:p>
             <a:pPr eaLnBrk="1" hangingPunct="1"/>
             <a:r>
-              <a:rPr lang="en-US" altLang="lv-LV" dirty="0">
-                <a:solidFill>
-                  <a:schemeClr val="tx2"/>
-                </a:solidFill>
-              </a:rPr>
-              <a:t>Multiply, Add and Divide (MAD)</a:t>
-            </a:r>
-            <a:r>
-              <a:rPr lang="en-US" altLang="lv-LV" dirty="0"/>
-              <a:t>:</a:t>
+              <a:rPr lang="en-US" altLang="lv-LV" sz="2400" dirty="0"/>
+              <a:t>Polynomial </a:t>
+            </a:r>
+            <a:r>
+              <a:rPr lang="en-US" altLang="lv-LV" sz="2400" b="1" i="1" dirty="0">
+                <a:latin typeface="Times New Roman" panose="02020603050405020304" pitchFamily="18" charset="0"/>
+              </a:rPr>
+              <a:t>p</a:t>
+            </a:r>
+            <a:r>
+              <a:rPr lang="en-US" altLang="lv-LV" sz="2400" dirty="0">
+                <a:latin typeface="Times New Roman" panose="02020603050405020304" pitchFamily="18" charset="0"/>
+              </a:rPr>
+              <a:t>(</a:t>
+            </a:r>
+            <a:r>
+              <a:rPr lang="en-US" altLang="lv-LV" sz="2400" b="1" i="1" dirty="0">
+                <a:latin typeface="Times New Roman" panose="02020603050405020304" pitchFamily="18" charset="0"/>
+              </a:rPr>
+              <a:t>z</a:t>
+            </a:r>
+            <a:r>
+              <a:rPr lang="en-US" altLang="lv-LV" sz="2400" dirty="0">
+                <a:latin typeface="Times New Roman" panose="02020603050405020304" pitchFamily="18" charset="0"/>
+              </a:rPr>
+              <a:t>)</a:t>
+            </a:r>
+            <a:r>
+              <a:rPr lang="en-US" altLang="lv-LV" sz="2400" dirty="0"/>
+              <a:t> can be evaluated in </a:t>
+            </a:r>
+            <a:r>
+              <a:rPr lang="en-US" altLang="lv-LV" sz="2400" b="1" i="1" dirty="0">
+                <a:latin typeface="Times New Roman" panose="02020603050405020304" pitchFamily="18" charset="0"/>
+              </a:rPr>
+              <a:t>O</a:t>
+            </a:r>
+            <a:r>
+              <a:rPr lang="en-US" altLang="lv-LV" sz="2400" dirty="0">
+                <a:latin typeface="Times New Roman" panose="02020603050405020304" pitchFamily="18" charset="0"/>
+              </a:rPr>
+              <a:t>(</a:t>
+            </a:r>
+            <a:r>
+              <a:rPr lang="en-US" altLang="lv-LV" sz="2400" b="1" i="1" dirty="0">
+                <a:latin typeface="Times New Roman" panose="02020603050405020304" pitchFamily="18" charset="0"/>
+              </a:rPr>
+              <a:t>n</a:t>
+            </a:r>
+            <a:r>
+              <a:rPr lang="en-US" altLang="lv-LV" sz="2400" dirty="0">
+                <a:latin typeface="Times New Roman" panose="02020603050405020304" pitchFamily="18" charset="0"/>
+              </a:rPr>
+              <a:t>)</a:t>
+            </a:r>
+            <a:r>
+              <a:rPr lang="en-US" altLang="lv-LV" sz="2400" dirty="0"/>
+              <a:t> time using Horner’s rule:</a:t>
             </a:r>
           </a:p>
           <a:p>
             <a:pPr lvl="1" eaLnBrk="1" hangingPunct="1"/>
             <a:r>
-              <a:rPr lang="en-US" altLang="lv-LV" b="1" i="1" dirty="0">
+              <a:rPr lang="en-US" altLang="lv-LV" sz="2000" dirty="0"/>
+              <a:t>The following polynomials are successively computed, each from the previous one in </a:t>
+            </a:r>
+            <a:r>
+              <a:rPr lang="en-US" altLang="lv-LV" sz="2000" b="1" i="1" dirty="0">
                 <a:latin typeface="Times New Roman" panose="02020603050405020304" pitchFamily="18" charset="0"/>
               </a:rPr>
-              <a:t>h</a:t>
-            </a:r>
-            <a:r>
-              <a:rPr lang="en-US" altLang="lv-LV" baseline="-25000" dirty="0">
+              <a:t>O</a:t>
+            </a:r>
+            <a:r>
+              <a:rPr lang="en-US" altLang="lv-LV" sz="2000" dirty="0">
                 <a:latin typeface="Times New Roman" panose="02020603050405020304" pitchFamily="18" charset="0"/>
               </a:rPr>
-              <a:t>2 </a:t>
-            </a:r>
-            <a:r>
-              <a:rPr lang="en-US" altLang="lv-LV" dirty="0">
+              <a:t>(1)</a:t>
+            </a:r>
+            <a:r>
+              <a:rPr lang="en-US" altLang="lv-LV" sz="2000" dirty="0"/>
+              <a:t> time</a:t>
+            </a:r>
+          </a:p>
+          <a:p>
+            <a:pPr lvl="1" eaLnBrk="1" hangingPunct="1">
+              <a:buFont typeface="Wingdings" panose="05000000000000000000" pitchFamily="2" charset="2"/>
+              <a:buNone/>
+            </a:pPr>
+            <a:r>
+              <a:rPr lang="en-US" altLang="lv-LV" sz="2000" b="1" i="1" dirty="0">
                 <a:latin typeface="Times New Roman" panose="02020603050405020304" pitchFamily="18" charset="0"/>
               </a:rPr>
+              <a:t>		p</a:t>
+            </a:r>
+            <a:r>
+              <a:rPr lang="en-US" altLang="lv-LV" sz="2000" baseline="-25000" dirty="0">
+                <a:latin typeface="Times New Roman" panose="02020603050405020304" pitchFamily="18" charset="0"/>
+              </a:rPr>
+              <a:t>0</a:t>
+            </a:r>
+            <a:r>
+              <a:rPr lang="en-US" altLang="lv-LV" sz="2000" dirty="0">
+                <a:latin typeface="Times New Roman" panose="02020603050405020304" pitchFamily="18" charset="0"/>
+              </a:rPr>
               <a:t>(</a:t>
             </a:r>
             <a:r>
-              <a:rPr lang="en-US" altLang="lv-LV" b="1" i="1" dirty="0">
+              <a:rPr lang="en-US" altLang="lv-LV" sz="2000" b="1" i="1" dirty="0">
                 <a:latin typeface="Times New Roman" panose="02020603050405020304" pitchFamily="18" charset="0"/>
               </a:rPr>
-              <a:t>y</a:t>
-            </a:r>
-            <a:r>
-              <a:rPr lang="en-US" altLang="lv-LV" dirty="0">
+              <a:t>z</a:t>
+            </a:r>
+            <a:r>
+              <a:rPr lang="en-US" altLang="lv-LV" sz="2000" dirty="0">
                 <a:latin typeface="Times New Roman" panose="02020603050405020304" pitchFamily="18" charset="0"/>
               </a:rPr>
+              <a:t>)</a:t>
+            </a:r>
+            <a:r>
+              <a:rPr lang="en-US" altLang="lv-LV" sz="2000" b="1" i="1" dirty="0">
+                <a:latin typeface="Times New Roman" panose="02020603050405020304" pitchFamily="18" charset="0"/>
+              </a:rPr>
+              <a:t> </a:t>
+            </a:r>
+            <a:r>
+              <a:rPr lang="en-US" altLang="lv-LV" sz="2000" dirty="0">
+                <a:latin typeface="Symbol" panose="05050102010706020507" pitchFamily="18" charset="2"/>
+              </a:rPr>
+              <a:t>=</a:t>
+            </a:r>
+            <a:r>
+              <a:rPr lang="en-US" altLang="lv-LV" sz="2000" b="1" i="1" dirty="0">
+                <a:latin typeface="Times New Roman" panose="02020603050405020304" pitchFamily="18" charset="0"/>
+              </a:rPr>
+              <a:t> a</a:t>
+            </a:r>
+            <a:r>
+              <a:rPr lang="en-US" altLang="lv-LV" sz="2000" b="1" i="1" baseline="-25000" dirty="0">
+                <a:latin typeface="Times New Roman" panose="02020603050405020304" pitchFamily="18" charset="0"/>
+              </a:rPr>
+              <a:t>n</a:t>
+            </a:r>
+            <a:r>
+              <a:rPr lang="en-US" altLang="lv-LV" sz="2000" baseline="-25000" dirty="0">
+                <a:latin typeface="Symbol" panose="05050102010706020507" pitchFamily="18" charset="2"/>
+              </a:rPr>
+              <a:t>-</a:t>
+            </a:r>
+            <a:r>
+              <a:rPr lang="en-US" altLang="lv-LV" sz="2000" baseline="-25000" dirty="0">
+                <a:latin typeface="Times New Roman" panose="02020603050405020304" pitchFamily="18" charset="0"/>
+              </a:rPr>
+              <a:t>1</a:t>
+            </a:r>
+          </a:p>
+          <a:p>
+            <a:pPr lvl="1" eaLnBrk="1" hangingPunct="1">
+              <a:buFont typeface="Wingdings" panose="05000000000000000000" pitchFamily="2" charset="2"/>
+              <a:buNone/>
+            </a:pPr>
+            <a:r>
+              <a:rPr lang="en-US" altLang="lv-LV" sz="2000" b="1" i="1" dirty="0">
+                <a:latin typeface="Times New Roman" panose="02020603050405020304" pitchFamily="18" charset="0"/>
+              </a:rPr>
+              <a:t>		p</a:t>
+            </a:r>
+            <a:r>
+              <a:rPr lang="en-US" altLang="lv-LV" sz="2000" b="1" i="1" baseline="-25000" dirty="0">
+                <a:latin typeface="Times New Roman" panose="02020603050405020304" pitchFamily="18" charset="0"/>
+              </a:rPr>
+              <a:t>i</a:t>
+            </a:r>
+            <a:r>
+              <a:rPr lang="en-US" altLang="lv-LV" sz="2000" baseline="-25000" dirty="0">
+                <a:latin typeface="Times New Roman" panose="02020603050405020304" pitchFamily="18" charset="0"/>
+              </a:rPr>
+              <a:t> </a:t>
+            </a:r>
+            <a:r>
+              <a:rPr lang="en-US" altLang="lv-LV" sz="2000" dirty="0">
+                <a:latin typeface="Times New Roman" panose="02020603050405020304" pitchFamily="18" charset="0"/>
+              </a:rPr>
+              <a:t>(</a:t>
+            </a:r>
+            <a:r>
+              <a:rPr lang="en-US" altLang="lv-LV" sz="2000" b="1" i="1" dirty="0">
+                <a:latin typeface="Times New Roman" panose="02020603050405020304" pitchFamily="18" charset="0"/>
+              </a:rPr>
+              <a:t>z</a:t>
+            </a:r>
+            <a:r>
+              <a:rPr lang="en-US" altLang="lv-LV" sz="2000" dirty="0">
+                <a:latin typeface="Times New Roman" panose="02020603050405020304" pitchFamily="18" charset="0"/>
+              </a:rPr>
+              <a:t>)</a:t>
+            </a:r>
+            <a:r>
+              <a:rPr lang="en-US" altLang="lv-LV" sz="2000" b="1" i="1" dirty="0">
+                <a:latin typeface="Times New Roman" panose="02020603050405020304" pitchFamily="18" charset="0"/>
+              </a:rPr>
+              <a:t> </a:t>
+            </a:r>
+            <a:r>
+              <a:rPr lang="en-US" altLang="lv-LV" sz="2000" dirty="0">
+                <a:latin typeface="Symbol" panose="05050102010706020507" pitchFamily="18" charset="2"/>
+              </a:rPr>
+              <a:t>=</a:t>
+            </a:r>
+            <a:r>
+              <a:rPr lang="en-US" altLang="lv-LV" sz="2000" b="1" i="1" dirty="0">
+                <a:latin typeface="Times New Roman" panose="02020603050405020304" pitchFamily="18" charset="0"/>
+              </a:rPr>
+              <a:t> a</a:t>
+            </a:r>
+            <a:r>
+              <a:rPr lang="en-US" altLang="lv-LV" sz="2000" b="1" i="1" baseline="-25000" dirty="0">
+                <a:latin typeface="Times New Roman" panose="02020603050405020304" pitchFamily="18" charset="0"/>
+              </a:rPr>
+              <a:t>n</a:t>
+            </a:r>
+            <a:r>
+              <a:rPr lang="en-US" altLang="lv-LV" sz="2000" baseline="-25000" dirty="0">
+                <a:latin typeface="Symbol" panose="05050102010706020507" pitchFamily="18" charset="2"/>
+              </a:rPr>
+              <a:t>-</a:t>
+            </a:r>
+            <a:r>
+              <a:rPr lang="en-US" altLang="lv-LV" sz="2000" b="1" i="1" baseline="-25000" dirty="0">
+                <a:latin typeface="Times New Roman" panose="02020603050405020304" pitchFamily="18" charset="0"/>
+              </a:rPr>
+              <a:t>i</a:t>
+            </a:r>
+            <a:r>
+              <a:rPr lang="en-US" altLang="lv-LV" sz="2000" baseline="-25000" dirty="0">
+                <a:latin typeface="Symbol" panose="05050102010706020507" pitchFamily="18" charset="2"/>
+              </a:rPr>
+              <a:t>-</a:t>
+            </a:r>
+            <a:r>
+              <a:rPr lang="en-US" altLang="lv-LV" sz="2000" baseline="-25000" dirty="0">
+                <a:latin typeface="Times New Roman" panose="02020603050405020304" pitchFamily="18" charset="0"/>
+              </a:rPr>
+              <a:t>1 </a:t>
+            </a:r>
+            <a:r>
+              <a:rPr lang="en-US" altLang="lv-LV" sz="2000" dirty="0">
+                <a:latin typeface="Symbol" panose="05050102010706020507" pitchFamily="18" charset="2"/>
+              </a:rPr>
+              <a:t>+</a:t>
+            </a:r>
+            <a:r>
+              <a:rPr lang="en-US" altLang="lv-LV" sz="2000" dirty="0">
+                <a:latin typeface="Times New Roman" panose="02020603050405020304" pitchFamily="18" charset="0"/>
+              </a:rPr>
+              <a:t> </a:t>
+            </a:r>
+            <a:r>
+              <a:rPr lang="en-US" altLang="lv-LV" sz="2000" b="1" i="1" dirty="0">
+                <a:latin typeface="Times New Roman" panose="02020603050405020304" pitchFamily="18" charset="0"/>
+              </a:rPr>
+              <a:t>zp</a:t>
+            </a:r>
+            <a:r>
+              <a:rPr lang="en-US" altLang="lv-LV" sz="2000" b="1" i="1" baseline="-25000" dirty="0">
+                <a:latin typeface="Times New Roman" panose="02020603050405020304" pitchFamily="18" charset="0"/>
+              </a:rPr>
+              <a:t>i</a:t>
+            </a:r>
+            <a:r>
+              <a:rPr lang="en-US" altLang="lv-LV" sz="2000" baseline="-25000" dirty="0">
+                <a:latin typeface="Symbol" panose="05050102010706020507" pitchFamily="18" charset="2"/>
+              </a:rPr>
+              <a:t>-</a:t>
+            </a:r>
+            <a:r>
+              <a:rPr lang="en-US" altLang="lv-LV" sz="2000" baseline="-25000" dirty="0">
+                <a:latin typeface="Times New Roman" panose="02020603050405020304" pitchFamily="18" charset="0"/>
+              </a:rPr>
+              <a:t>1</a:t>
+            </a:r>
+            <a:r>
+              <a:rPr lang="en-US" altLang="lv-LV" sz="2000" dirty="0">
+                <a:latin typeface="Times New Roman" panose="02020603050405020304" pitchFamily="18" charset="0"/>
+              </a:rPr>
+              <a:t>(</a:t>
+            </a:r>
+            <a:r>
+              <a:rPr lang="en-US" altLang="lv-LV" sz="2000" b="1" i="1" dirty="0">
+                <a:latin typeface="Times New Roman" panose="02020603050405020304" pitchFamily="18" charset="0"/>
+              </a:rPr>
+              <a:t>z</a:t>
+            </a:r>
+            <a:r>
+              <a:rPr lang="en-US" altLang="lv-LV" sz="2000" dirty="0">
+                <a:latin typeface="Times New Roman" panose="02020603050405020304" pitchFamily="18" charset="0"/>
+              </a:rPr>
+              <a:t>)</a:t>
+            </a:r>
+            <a:br>
+              <a:rPr lang="en-US" altLang="lv-LV" sz="2000" dirty="0">
+                <a:latin typeface="Times New Roman" panose="02020603050405020304" pitchFamily="18" charset="0"/>
+              </a:rPr>
+            </a:br>
+            <a:r>
+              <a:rPr lang="en-US" altLang="lv-LV" sz="2000" dirty="0">
+                <a:latin typeface="Times New Roman" panose="02020603050405020304" pitchFamily="18" charset="0"/>
+              </a:rPr>
+              <a:t> 	(</a:t>
+            </a:r>
+            <a:r>
+              <a:rPr lang="en-US" altLang="lv-LV" sz="2000" b="1" i="1" dirty="0" err="1">
+                <a:latin typeface="Times New Roman" panose="02020603050405020304" pitchFamily="18" charset="0"/>
+              </a:rPr>
+              <a:t>i</a:t>
+            </a:r>
+            <a:r>
+              <a:rPr lang="en-US" altLang="lv-LV" sz="2000" b="1" i="1" dirty="0">
+                <a:latin typeface="Times New Roman" panose="02020603050405020304" pitchFamily="18" charset="0"/>
+              </a:rPr>
+              <a:t> </a:t>
+            </a:r>
+            <a:r>
+              <a:rPr lang="en-US" altLang="lv-LV" sz="2000" dirty="0">
+                <a:latin typeface="Symbol" panose="05050102010706020507" pitchFamily="18" charset="2"/>
+              </a:rPr>
+              <a:t>=</a:t>
+            </a:r>
+            <a:r>
+              <a:rPr lang="en-US" altLang="lv-LV" sz="2000" b="1" i="1" dirty="0">
+                <a:latin typeface="Times New Roman" panose="02020603050405020304" pitchFamily="18" charset="0"/>
+              </a:rPr>
+              <a:t> </a:t>
+            </a:r>
+            <a:r>
+              <a:rPr lang="en-US" altLang="lv-LV" sz="2000" dirty="0">
+                <a:latin typeface="Times New Roman" panose="02020603050405020304" pitchFamily="18" charset="0"/>
+              </a:rPr>
+              <a:t>1, 2, …, </a:t>
+            </a:r>
+            <a:r>
+              <a:rPr lang="en-US" altLang="lv-LV" sz="2000" b="1" i="1" dirty="0">
+                <a:latin typeface="Times New Roman" panose="02020603050405020304" pitchFamily="18" charset="0"/>
+              </a:rPr>
+              <a:t>n </a:t>
+            </a:r>
+            <a:r>
+              <a:rPr lang="en-US" altLang="lv-LV" sz="2000" dirty="0">
+                <a:latin typeface="Symbol" panose="05050102010706020507" pitchFamily="18" charset="2"/>
+              </a:rPr>
+              <a:t>-</a:t>
+            </a:r>
+            <a:r>
+              <a:rPr lang="en-US" altLang="lv-LV" sz="2000" dirty="0">
+                <a:latin typeface="Times New Roman" panose="02020603050405020304" pitchFamily="18" charset="0"/>
+              </a:rPr>
+              <a:t>1)</a:t>
+            </a:r>
+          </a:p>
+          <a:p>
+            <a:pPr eaLnBrk="1" hangingPunct="1"/>
+            <a:r>
+              <a:rPr lang="en-US" altLang="lv-LV" sz="2400" dirty="0"/>
+              <a:t>We have </a:t>
+            </a:r>
+            <a:r>
+              <a:rPr lang="en-US" altLang="lv-LV" sz="2400" b="1" i="1" dirty="0">
+                <a:latin typeface="Times New Roman" panose="02020603050405020304" pitchFamily="18" charset="0"/>
+              </a:rPr>
+              <a:t>p</a:t>
+            </a:r>
+            <a:r>
+              <a:rPr lang="en-US" altLang="lv-LV" sz="2400" dirty="0">
+                <a:latin typeface="Times New Roman" panose="02020603050405020304" pitchFamily="18" charset="0"/>
+              </a:rPr>
+              <a:t>(</a:t>
+            </a:r>
+            <a:r>
+              <a:rPr lang="en-US" altLang="lv-LV" sz="2400" b="1" i="1" dirty="0">
+                <a:latin typeface="Times New Roman" panose="02020603050405020304" pitchFamily="18" charset="0"/>
+              </a:rPr>
+              <a:t>z</a:t>
+            </a:r>
+            <a:r>
+              <a:rPr lang="en-US" altLang="lv-LV" sz="2400" dirty="0">
+                <a:latin typeface="Times New Roman" panose="02020603050405020304" pitchFamily="18" charset="0"/>
+              </a:rPr>
               <a:t>) </a:t>
             </a:r>
             <a:r>
-              <a:rPr lang="en-US" altLang="lv-LV" dirty="0">
+              <a:rPr lang="en-US" altLang="lv-LV" sz="2400" dirty="0">
                 <a:latin typeface="Symbol" panose="05050102010706020507" pitchFamily="18" charset="2"/>
               </a:rPr>
               <a:t>=</a:t>
             </a:r>
             <a:r>
-              <a:rPr lang="en-US" altLang="lv-LV" b="1" i="1" dirty="0">
+              <a:rPr lang="en-US" altLang="lv-LV" sz="2400" b="1" i="1" dirty="0">
                 <a:latin typeface="Times New Roman" panose="02020603050405020304" pitchFamily="18" charset="0"/>
               </a:rPr>
-              <a:t> </a:t>
-            </a:r>
-            <a:r>
-              <a:rPr lang="en-US" altLang="lv-LV" dirty="0">
+              <a:t> p</a:t>
+            </a:r>
+            <a:r>
+              <a:rPr lang="en-US" altLang="lv-LV" sz="2400" b="1" i="1" baseline="-25000" dirty="0">
                 <a:latin typeface="Times New Roman" panose="02020603050405020304" pitchFamily="18" charset="0"/>
               </a:rPr>
+              <a:t>n</a:t>
+            </a:r>
+            <a:r>
+              <a:rPr lang="en-US" altLang="lv-LV" sz="2400" baseline="-25000" dirty="0">
+                <a:latin typeface="Symbol" panose="05050102010706020507" pitchFamily="18" charset="2"/>
+              </a:rPr>
+              <a:t>-</a:t>
+            </a:r>
+            <a:r>
+              <a:rPr lang="en-US" altLang="lv-LV" sz="2400" baseline="-25000" dirty="0">
+                <a:latin typeface="Times New Roman" panose="02020603050405020304" pitchFamily="18" charset="0"/>
+              </a:rPr>
+              <a:t>1</a:t>
+            </a:r>
+            <a:r>
+              <a:rPr lang="en-US" altLang="lv-LV" sz="2400" dirty="0">
+                <a:latin typeface="Times New Roman" panose="02020603050405020304" pitchFamily="18" charset="0"/>
+              </a:rPr>
               <a:t>(</a:t>
             </a:r>
             <a:r>
-              <a:rPr lang="en-US" altLang="lv-LV" b="1" i="1" dirty="0">
+              <a:rPr lang="en-US" altLang="lv-LV" sz="2400" b="1" i="1" dirty="0">
                 <a:latin typeface="Times New Roman" panose="02020603050405020304" pitchFamily="18" charset="0"/>
               </a:rPr>
-              <a:t>ay </a:t>
-            </a:r>
-            <a:r>
-              <a:rPr lang="en-US" altLang="lv-LV" dirty="0">
-                <a:latin typeface="Symbol" panose="05050102010706020507" pitchFamily="18" charset="2"/>
-              </a:rPr>
-              <a:t>+</a:t>
-            </a:r>
-            <a:r>
-              <a:rPr lang="en-US" altLang="lv-LV" b="1" i="1" dirty="0">
+              <a:t>z</a:t>
+            </a:r>
+            <a:r>
+              <a:rPr lang="en-US" altLang="lv-LV" sz="2400" dirty="0">
                 <a:latin typeface="Times New Roman" panose="02020603050405020304" pitchFamily="18" charset="0"/>
               </a:rPr>
-              <a:t> b</a:t>
-            </a:r>
-            <a:r>
-              <a:rPr lang="en-US" altLang="lv-LV" dirty="0">
-                <a:latin typeface="Times New Roman" panose="02020603050405020304" pitchFamily="18" charset="0"/>
-              </a:rPr>
-              <a:t>)</a:t>
-            </a:r>
-            <a:r>
-              <a:rPr lang="en-US" altLang="lv-LV" b="1" i="1" dirty="0">
-                <a:latin typeface="Times New Roman" panose="02020603050405020304" pitchFamily="18" charset="0"/>
-              </a:rPr>
-              <a:t> </a:t>
-            </a:r>
-            <a:r>
-              <a:rPr lang="en-US" altLang="lv-LV" dirty="0">
-                <a:latin typeface="Times New Roman" panose="02020603050405020304" pitchFamily="18" charset="0"/>
-              </a:rPr>
-              <a:t>mod</a:t>
-            </a:r>
-            <a:r>
-              <a:rPr lang="en-US" altLang="lv-LV" b="1" i="1" dirty="0">
-                <a:latin typeface="Times New Roman" panose="02020603050405020304" pitchFamily="18" charset="0"/>
-              </a:rPr>
-              <a:t> N</a:t>
-            </a:r>
-          </a:p>
-          <a:p>
-            <a:pPr lvl="1" eaLnBrk="1" hangingPunct="1"/>
-            <a:r>
-              <a:rPr lang="en-US" altLang="lv-LV" b="1" i="1" dirty="0">
-                <a:latin typeface="Times New Roman" panose="02020603050405020304" pitchFamily="18" charset="0"/>
-              </a:rPr>
-              <a:t>a</a:t>
-            </a:r>
-            <a:r>
-              <a:rPr lang="en-US" altLang="lv-LV" dirty="0"/>
-              <a:t> and </a:t>
-            </a:r>
-            <a:r>
-              <a:rPr lang="en-US" altLang="lv-LV" b="1" i="1" dirty="0">
-                <a:latin typeface="Times New Roman" panose="02020603050405020304" pitchFamily="18" charset="0"/>
-              </a:rPr>
-              <a:t>b</a:t>
-            </a:r>
-            <a:r>
-              <a:rPr lang="en-US" altLang="lv-LV" dirty="0"/>
-              <a:t> are nonnegative integers such that</a:t>
-            </a:r>
-            <a:br>
-              <a:rPr lang="en-US" altLang="lv-LV" dirty="0"/>
-            </a:br>
-            <a:r>
-              <a:rPr lang="en-US" altLang="lv-LV" dirty="0"/>
-              <a:t>	 </a:t>
-            </a:r>
-            <a:r>
-              <a:rPr lang="en-US" altLang="lv-LV" b="1" i="1" dirty="0">
-                <a:latin typeface="Times New Roman" panose="02020603050405020304" pitchFamily="18" charset="0"/>
-              </a:rPr>
-              <a:t>a </a:t>
-            </a:r>
-            <a:r>
-              <a:rPr lang="en-US" altLang="lv-LV" dirty="0">
-                <a:latin typeface="Times New Roman" panose="02020603050405020304" pitchFamily="18" charset="0"/>
-              </a:rPr>
-              <a:t>mod</a:t>
-            </a:r>
-            <a:r>
-              <a:rPr lang="en-US" altLang="lv-LV" b="1" i="1" dirty="0">
-                <a:latin typeface="Times New Roman" panose="02020603050405020304" pitchFamily="18" charset="0"/>
-              </a:rPr>
-              <a:t> N</a:t>
-            </a:r>
-            <a:r>
-              <a:rPr lang="en-US" altLang="lv-LV" i="1" dirty="0">
-                <a:latin typeface="Times New Roman" panose="02020603050405020304" pitchFamily="18" charset="0"/>
-              </a:rPr>
-              <a:t> </a:t>
-            </a:r>
-            <a:r>
-              <a:rPr lang="en-US" altLang="lv-LV" dirty="0">
-                <a:latin typeface="Symbol" panose="05050102010706020507" pitchFamily="18" charset="2"/>
-                <a:sym typeface="Symbol" panose="05050102010706020507" pitchFamily="18" charset="2"/>
-              </a:rPr>
-              <a:t></a:t>
-            </a:r>
-            <a:r>
-              <a:rPr lang="en-US" altLang="lv-LV" dirty="0">
-                <a:latin typeface="Times New Roman" panose="02020603050405020304" pitchFamily="18" charset="0"/>
-                <a:sym typeface="Symbol" panose="05050102010706020507" pitchFamily="18" charset="2"/>
-              </a:rPr>
-              <a:t> 0</a:t>
-            </a:r>
-          </a:p>
-          <a:p>
-            <a:pPr lvl="1" eaLnBrk="1" hangingPunct="1"/>
-            <a:r>
-              <a:rPr lang="en-US" altLang="lv-LV" dirty="0">
-                <a:sym typeface="Symbol" panose="05050102010706020507" pitchFamily="18" charset="2"/>
-              </a:rPr>
-              <a:t>Otherwise, every integer would map to the same value </a:t>
-            </a:r>
-            <a:r>
-              <a:rPr lang="en-US" altLang="lv-LV" b="1" i="1" dirty="0">
-                <a:latin typeface="Times New Roman" panose="02020603050405020304" pitchFamily="18" charset="0"/>
-              </a:rPr>
-              <a:t>b</a:t>
-            </a:r>
-            <a:r>
-              <a:rPr lang="en-US" altLang="lv-LV" dirty="0">
-                <a:sym typeface="Symbol" panose="05050102010706020507" pitchFamily="18" charset="2"/>
-              </a:rPr>
-              <a:t> </a:t>
-            </a:r>
+              <a:t>) </a:t>
+            </a:r>
+          </a:p>
+          <a:p>
+            <a:endParaRPr lang="lv-LV" dirty="0"/>
+          </a:p>
+        </p:txBody>
+      </p:sp>
+      <p:sp>
+        <p:nvSpPr>
+          <p:cNvPr id="15363" name="Slide Number Placeholder 6"/>
+          <p:cNvSpPr>
+            <a:spLocks noGrp="1"/>
+          </p:cNvSpPr>
+          <p:nvPr>
+            <p:ph type="sldNum" sz="quarter" idx="12"/>
+          </p:nvPr>
+        </p:nvSpPr>
+        <p:spPr>
+          <a:noFill/>
+          <a:ln/>
+          <a:extLst>
+            <a:ext uri="{909E8E84-426E-40DD-AFC4-6F175D3DCCD1}">
+              <a14:hiddenFill xmlns:a14="http://schemas.microsoft.com/office/drawing/2010/main">
+                <a:solidFill>
+                  <a:srgbClr val="FFFFFF"/>
+                </a:solidFill>
+              </a14:hiddenFill>
+            </a:ext>
+            <a:ext uri="{91240B29-F687-4F45-9708-019B960494DF}">
+              <a14:hiddenLine xmlns:a14="http://schemas.microsoft.com/office/drawing/2010/main" w="9525">
+                <a:solidFill>
+                  <a:srgbClr val="000000"/>
+                </a:solidFill>
+                <a:miter lim="800000"/>
+                <a:headEnd/>
+                <a:tailEnd/>
+              </a14:hiddenLine>
+            </a:ext>
+          </a:extLst>
+        </p:spPr>
+        <p:txBody>
+          <a:bodyPr/>
+          <a:lstStyle>
+            <a:lvl1pPr eaLnBrk="0" hangingPunct="0">
+              <a:defRPr sz="2400">
+                <a:solidFill>
+                  <a:schemeClr val="tx1"/>
+                </a:solidFill>
+                <a:latin typeface="Tahoma" panose="020B0604030504040204" pitchFamily="34" charset="0"/>
+              </a:defRPr>
+            </a:lvl1pPr>
+            <a:lvl2pPr marL="742950" indent="-285750" eaLnBrk="0" hangingPunct="0">
+              <a:defRPr sz="2400">
+                <a:solidFill>
+                  <a:schemeClr val="tx1"/>
+                </a:solidFill>
+                <a:latin typeface="Tahoma" panose="020B0604030504040204" pitchFamily="34" charset="0"/>
+              </a:defRPr>
+            </a:lvl2pPr>
+            <a:lvl3pPr marL="1143000" indent="-228600" eaLnBrk="0" hangingPunct="0">
+              <a:defRPr sz="2400">
+                <a:solidFill>
+                  <a:schemeClr val="tx1"/>
+                </a:solidFill>
+                <a:latin typeface="Tahoma" panose="020B0604030504040204" pitchFamily="34" charset="0"/>
+              </a:defRPr>
+            </a:lvl3pPr>
+            <a:lvl4pPr marL="1600200" indent="-228600" eaLnBrk="0" hangingPunct="0">
+              <a:defRPr sz="2400">
+                <a:solidFill>
+                  <a:schemeClr val="tx1"/>
+                </a:solidFill>
+                <a:latin typeface="Tahoma" panose="020B0604030504040204" pitchFamily="34" charset="0"/>
+              </a:defRPr>
+            </a:lvl4pPr>
+            <a:lvl5pPr marL="2057400" indent="-228600" eaLnBrk="0" hangingPunct="0">
+              <a:defRPr sz="2400">
+                <a:solidFill>
+                  <a:schemeClr val="tx1"/>
+                </a:solidFill>
+                <a:latin typeface="Tahoma" panose="020B0604030504040204" pitchFamily="34" charset="0"/>
+              </a:defRPr>
+            </a:lvl5pPr>
+            <a:lvl6pPr marL="2514600" indent="-228600" algn="ctr" eaLnBrk="0" fontAlgn="base" hangingPunct="0">
+              <a:spcBef>
+                <a:spcPct val="0"/>
+              </a:spcBef>
+              <a:spcAft>
+                <a:spcPct val="0"/>
+              </a:spcAft>
+              <a:defRPr sz="2400">
+                <a:solidFill>
+                  <a:schemeClr val="tx1"/>
+                </a:solidFill>
+                <a:latin typeface="Tahoma" panose="020B0604030504040204" pitchFamily="34" charset="0"/>
+              </a:defRPr>
+            </a:lvl6pPr>
+            <a:lvl7pPr marL="2971800" indent="-228600" algn="ctr" eaLnBrk="0" fontAlgn="base" hangingPunct="0">
+              <a:spcBef>
+                <a:spcPct val="0"/>
+              </a:spcBef>
+              <a:spcAft>
+                <a:spcPct val="0"/>
+              </a:spcAft>
+              <a:defRPr sz="2400">
+                <a:solidFill>
+                  <a:schemeClr val="tx1"/>
+                </a:solidFill>
+                <a:latin typeface="Tahoma" panose="020B0604030504040204" pitchFamily="34" charset="0"/>
+              </a:defRPr>
+            </a:lvl7pPr>
+            <a:lvl8pPr marL="3429000" indent="-228600" algn="ctr" eaLnBrk="0" fontAlgn="base" hangingPunct="0">
+              <a:spcBef>
+                <a:spcPct val="0"/>
+              </a:spcBef>
+              <a:spcAft>
+                <a:spcPct val="0"/>
+              </a:spcAft>
+              <a:defRPr sz="2400">
+                <a:solidFill>
+                  <a:schemeClr val="tx1"/>
+                </a:solidFill>
+                <a:latin typeface="Tahoma" panose="020B0604030504040204" pitchFamily="34" charset="0"/>
+              </a:defRPr>
+            </a:lvl8pPr>
+            <a:lvl9pPr marL="3886200" indent="-228600" algn="ctr" eaLnBrk="0" fontAlgn="base" hangingPunct="0">
+              <a:spcBef>
+                <a:spcPct val="0"/>
+              </a:spcBef>
+              <a:spcAft>
+                <a:spcPct val="0"/>
+              </a:spcAft>
+              <a:defRPr sz="2400">
+                <a:solidFill>
+                  <a:schemeClr val="tx1"/>
+                </a:solidFill>
+                <a:latin typeface="Tahoma" panose="020B0604030504040204" pitchFamily="34" charset="0"/>
+              </a:defRPr>
+            </a:lvl9pPr>
+          </a:lstStyle>
+          <a:p>
+            <a:pPr eaLnBrk="1" hangingPunct="1"/>
+            <a:fld id="{23DBDA21-E63C-44CA-8FEE-E76FC03EC109}" type="slidenum">
+              <a:rPr lang="en-US" altLang="lv-LV" sz="1400"/>
+              <a:pPr eaLnBrk="1" hangingPunct="1"/>
+              <a:t>32</a:t>
+            </a:fld>
+            <a:endParaRPr lang="en-US" altLang="lv-LV" sz="1400"/>
           </a:p>
         </p:txBody>
       </p:sp>
     </p:spTree>
     <p:extLst>
       <p:ext uri="{BB962C8B-B14F-4D97-AF65-F5344CB8AC3E}">
-        <p14:creationId xmlns:p14="http://schemas.microsoft.com/office/powerpoint/2010/main" val="551237067"/>
+        <p14:creationId xmlns:p14="http://schemas.microsoft.com/office/powerpoint/2010/main" val="2460526156"/>
       </p:ext>
     </p:extLst>
   </p:cSld>
@@ -30941,7 +30696,7 @@
       </p:grpSpPr>
       <p:sp>
         <p:nvSpPr>
-          <p:cNvPr id="10244" name="Rectangle 2"/>
+          <p:cNvPr id="4101" name="Rectangle 2"/>
           <p:cNvSpPr>
             <a:spLocks noGrp="1" noChangeArrowheads="1"/>
           </p:cNvSpPr>
@@ -30956,29 +30711,20 @@
           <a:p>
             <a:pPr eaLnBrk="1" hangingPunct="1"/>
             <a:r>
-              <a:rPr lang="en-US" altLang="lv-LV" dirty="0" smtClean="0"/>
-              <a:t>Hash </a:t>
-            </a:r>
-            <a:r>
-              <a:rPr lang="en-US" altLang="lv-LV" dirty="0" err="1" smtClean="0"/>
-              <a:t>Tabl</a:t>
-            </a:r>
-            <a:r>
-              <a:rPr lang="lv-LV" altLang="lv-LV" dirty="0" smtClean="0"/>
-              <a:t>es for Dictionary ADTs</a:t>
-            </a:r>
-            <a:endParaRPr lang="en-US" altLang="lv-LV" dirty="0" smtClean="0"/>
+              <a:rPr lang="en-US" altLang="lv-LV" smtClean="0"/>
+              <a:t>Compression Functions</a:t>
+            </a:r>
           </a:p>
         </p:txBody>
       </p:sp>
       <p:sp>
         <p:nvSpPr>
-          <p:cNvPr id="10245" name="Rectangle 3" descr="Rectangle: Click to edit Master text styles&#10;Second level&#10;Third level&#10;Fourth level&#10;Fifth level"/>
+          <p:cNvPr id="4102" name="Rectangle 3" descr="Rectangle: Click to edit Master text styles&#10;Second level&#10;Third level&#10;Fourth level&#10;Fifth level"/>
           <p:cNvSpPr>
             <a:spLocks noGrp="1" noChangeArrowheads="1"/>
           </p:cNvSpPr>
           <p:nvPr>
-            <p:ph idx="1"/>
+            <p:ph sz="half" idx="1"/>
           </p:nvPr>
         </p:nvSpPr>
         <p:spPr/>
@@ -30988,15 +30734,311 @@
           <a:p>
             <a:pPr eaLnBrk="1" hangingPunct="1"/>
             <a:r>
-              <a:rPr lang="en-US" altLang="lv-LV" dirty="0" smtClean="0"/>
-              <a:t>We can also create a hash-table dictionary implementation.</a:t>
-            </a:r>
-          </a:p>
+              <a:rPr lang="en-US" altLang="lv-LV" smtClean="0">
+                <a:solidFill>
+                  <a:schemeClr val="tx2"/>
+                </a:solidFill>
+              </a:rPr>
+              <a:t>Division</a:t>
+            </a:r>
+            <a:r>
+              <a:rPr lang="en-US" altLang="lv-LV" smtClean="0"/>
+              <a:t>:</a:t>
+            </a:r>
+          </a:p>
+          <a:p>
+            <a:pPr lvl="1" eaLnBrk="1" hangingPunct="1"/>
+            <a:r>
+              <a:rPr lang="en-US" altLang="lv-LV" b="1" i="1" smtClean="0">
+                <a:latin typeface="Times New Roman" panose="02020603050405020304" pitchFamily="18" charset="0"/>
+              </a:rPr>
+              <a:t>h</a:t>
+            </a:r>
+            <a:r>
+              <a:rPr lang="en-US" altLang="lv-LV" baseline="-25000" smtClean="0">
+                <a:latin typeface="Times New Roman" panose="02020603050405020304" pitchFamily="18" charset="0"/>
+              </a:rPr>
+              <a:t>2 </a:t>
+            </a:r>
+            <a:r>
+              <a:rPr lang="en-US" altLang="lv-LV" smtClean="0">
+                <a:latin typeface="Times New Roman" panose="02020603050405020304" pitchFamily="18" charset="0"/>
+              </a:rPr>
+              <a:t>(</a:t>
+            </a:r>
+            <a:r>
+              <a:rPr lang="en-US" altLang="lv-LV" b="1" i="1" smtClean="0">
+                <a:latin typeface="Times New Roman" panose="02020603050405020304" pitchFamily="18" charset="0"/>
+              </a:rPr>
+              <a:t>y</a:t>
+            </a:r>
+            <a:r>
+              <a:rPr lang="en-US" altLang="lv-LV" smtClean="0">
+                <a:latin typeface="Times New Roman" panose="02020603050405020304" pitchFamily="18" charset="0"/>
+              </a:rPr>
+              <a:t>) </a:t>
+            </a:r>
+            <a:r>
+              <a:rPr lang="en-US" altLang="lv-LV" smtClean="0">
+                <a:latin typeface="Symbol" panose="05050102010706020507" pitchFamily="18" charset="2"/>
+              </a:rPr>
+              <a:t>=</a:t>
+            </a:r>
+            <a:r>
+              <a:rPr lang="en-US" altLang="lv-LV" b="1" i="1" smtClean="0">
+                <a:latin typeface="Times New Roman" panose="02020603050405020304" pitchFamily="18" charset="0"/>
+              </a:rPr>
+              <a:t> y </a:t>
+            </a:r>
+            <a:r>
+              <a:rPr lang="en-US" altLang="lv-LV" smtClean="0">
+                <a:latin typeface="Times New Roman" panose="02020603050405020304" pitchFamily="18" charset="0"/>
+              </a:rPr>
+              <a:t>mod</a:t>
+            </a:r>
+            <a:r>
+              <a:rPr lang="en-US" altLang="lv-LV" b="1" i="1" smtClean="0">
+                <a:latin typeface="Times New Roman" panose="02020603050405020304" pitchFamily="18" charset="0"/>
+              </a:rPr>
+              <a:t> N</a:t>
+            </a:r>
+            <a:endParaRPr lang="en-US" altLang="lv-LV" smtClean="0"/>
+          </a:p>
+          <a:p>
+            <a:pPr lvl="1" eaLnBrk="1" hangingPunct="1"/>
+            <a:r>
+              <a:rPr lang="en-US" altLang="lv-LV" smtClean="0"/>
+              <a:t>The size </a:t>
+            </a:r>
+            <a:r>
+              <a:rPr lang="en-US" altLang="lv-LV" b="1" i="1" smtClean="0">
+                <a:latin typeface="Times New Roman" panose="02020603050405020304" pitchFamily="18" charset="0"/>
+              </a:rPr>
+              <a:t>N</a:t>
+            </a:r>
+            <a:r>
+              <a:rPr lang="en-US" altLang="lv-LV" smtClean="0"/>
+              <a:t> of the hash table is usually chosen to be a prime </a:t>
+            </a:r>
+          </a:p>
+          <a:p>
+            <a:pPr lvl="1" eaLnBrk="1" hangingPunct="1"/>
+            <a:r>
+              <a:rPr lang="en-US" altLang="lv-LV" smtClean="0"/>
+              <a:t>The reason has to do with number theory and is beyond the scope of this course</a:t>
+            </a:r>
+          </a:p>
+        </p:txBody>
+      </p:sp>
+      <p:sp>
+        <p:nvSpPr>
+          <p:cNvPr id="2" name="Content Placeholder 1"/>
+          <p:cNvSpPr>
+            <a:spLocks noGrp="1"/>
+          </p:cNvSpPr>
+          <p:nvPr>
+            <p:ph sz="half" idx="2"/>
+          </p:nvPr>
+        </p:nvSpPr>
+        <p:spPr/>
+        <p:txBody>
+          <a:bodyPr/>
+          <a:lstStyle/>
           <a:p>
             <a:pPr eaLnBrk="1" hangingPunct="1"/>
             <a:r>
-              <a:rPr lang="en-US" altLang="lv-LV" dirty="0" smtClean="0"/>
-              <a:t>If we use separate chaining to handle collisions, then each operation can be delegated to a list-based dictionary stored at each hash table cell.</a:t>
+              <a:rPr lang="en-US" altLang="lv-LV" dirty="0">
+                <a:solidFill>
+                  <a:schemeClr val="tx2"/>
+                </a:solidFill>
+              </a:rPr>
+              <a:t>Multiply, Add and Divide (MAD)</a:t>
+            </a:r>
+            <a:r>
+              <a:rPr lang="en-US" altLang="lv-LV" dirty="0"/>
+              <a:t>:</a:t>
+            </a:r>
+          </a:p>
+          <a:p>
+            <a:pPr lvl="1" eaLnBrk="1" hangingPunct="1"/>
+            <a:r>
+              <a:rPr lang="en-US" altLang="lv-LV" b="1" i="1" dirty="0">
+                <a:latin typeface="Times New Roman" panose="02020603050405020304" pitchFamily="18" charset="0"/>
+              </a:rPr>
+              <a:t>h</a:t>
+            </a:r>
+            <a:r>
+              <a:rPr lang="en-US" altLang="lv-LV" baseline="-25000" dirty="0">
+                <a:latin typeface="Times New Roman" panose="02020603050405020304" pitchFamily="18" charset="0"/>
+              </a:rPr>
+              <a:t>2 </a:t>
+            </a:r>
+            <a:r>
+              <a:rPr lang="en-US" altLang="lv-LV" dirty="0">
+                <a:latin typeface="Times New Roman" panose="02020603050405020304" pitchFamily="18" charset="0"/>
+              </a:rPr>
+              <a:t>(</a:t>
+            </a:r>
+            <a:r>
+              <a:rPr lang="en-US" altLang="lv-LV" b="1" i="1" dirty="0">
+                <a:latin typeface="Times New Roman" panose="02020603050405020304" pitchFamily="18" charset="0"/>
+              </a:rPr>
+              <a:t>y</a:t>
+            </a:r>
+            <a:r>
+              <a:rPr lang="en-US" altLang="lv-LV" dirty="0">
+                <a:latin typeface="Times New Roman" panose="02020603050405020304" pitchFamily="18" charset="0"/>
+              </a:rPr>
+              <a:t>) </a:t>
+            </a:r>
+            <a:r>
+              <a:rPr lang="en-US" altLang="lv-LV" dirty="0">
+                <a:latin typeface="Symbol" panose="05050102010706020507" pitchFamily="18" charset="2"/>
+              </a:rPr>
+              <a:t>=</a:t>
+            </a:r>
+            <a:r>
+              <a:rPr lang="en-US" altLang="lv-LV" b="1" i="1" dirty="0">
+                <a:latin typeface="Times New Roman" panose="02020603050405020304" pitchFamily="18" charset="0"/>
+              </a:rPr>
+              <a:t> </a:t>
+            </a:r>
+            <a:r>
+              <a:rPr lang="en-US" altLang="lv-LV" dirty="0">
+                <a:latin typeface="Times New Roman" panose="02020603050405020304" pitchFamily="18" charset="0"/>
+              </a:rPr>
+              <a:t>(</a:t>
+            </a:r>
+            <a:r>
+              <a:rPr lang="en-US" altLang="lv-LV" b="1" i="1" dirty="0">
+                <a:latin typeface="Times New Roman" panose="02020603050405020304" pitchFamily="18" charset="0"/>
+              </a:rPr>
+              <a:t>ay </a:t>
+            </a:r>
+            <a:r>
+              <a:rPr lang="en-US" altLang="lv-LV" dirty="0">
+                <a:latin typeface="Symbol" panose="05050102010706020507" pitchFamily="18" charset="2"/>
+              </a:rPr>
+              <a:t>+</a:t>
+            </a:r>
+            <a:r>
+              <a:rPr lang="en-US" altLang="lv-LV" b="1" i="1" dirty="0">
+                <a:latin typeface="Times New Roman" panose="02020603050405020304" pitchFamily="18" charset="0"/>
+              </a:rPr>
+              <a:t> b</a:t>
+            </a:r>
+            <a:r>
+              <a:rPr lang="en-US" altLang="lv-LV" dirty="0">
+                <a:latin typeface="Times New Roman" panose="02020603050405020304" pitchFamily="18" charset="0"/>
+              </a:rPr>
+              <a:t>)</a:t>
+            </a:r>
+            <a:r>
+              <a:rPr lang="en-US" altLang="lv-LV" b="1" i="1" dirty="0">
+                <a:latin typeface="Times New Roman" panose="02020603050405020304" pitchFamily="18" charset="0"/>
+              </a:rPr>
+              <a:t> </a:t>
+            </a:r>
+            <a:r>
+              <a:rPr lang="en-US" altLang="lv-LV" dirty="0">
+                <a:latin typeface="Times New Roman" panose="02020603050405020304" pitchFamily="18" charset="0"/>
+              </a:rPr>
+              <a:t>mod</a:t>
+            </a:r>
+            <a:r>
+              <a:rPr lang="en-US" altLang="lv-LV" b="1" i="1" dirty="0">
+                <a:latin typeface="Times New Roman" panose="02020603050405020304" pitchFamily="18" charset="0"/>
+              </a:rPr>
+              <a:t> N</a:t>
+            </a:r>
+          </a:p>
+          <a:p>
+            <a:pPr lvl="1" eaLnBrk="1" hangingPunct="1"/>
+            <a:r>
+              <a:rPr lang="en-US" altLang="lv-LV" b="1" i="1" dirty="0">
+                <a:latin typeface="Times New Roman" panose="02020603050405020304" pitchFamily="18" charset="0"/>
+              </a:rPr>
+              <a:t>a</a:t>
+            </a:r>
+            <a:r>
+              <a:rPr lang="en-US" altLang="lv-LV" dirty="0"/>
+              <a:t> and </a:t>
+            </a:r>
+            <a:r>
+              <a:rPr lang="en-US" altLang="lv-LV" b="1" i="1" dirty="0">
+                <a:latin typeface="Times New Roman" panose="02020603050405020304" pitchFamily="18" charset="0"/>
+              </a:rPr>
+              <a:t>b</a:t>
+            </a:r>
+            <a:r>
+              <a:rPr lang="en-US" altLang="lv-LV" dirty="0"/>
+              <a:t> are nonnegative integers such that</a:t>
+            </a:r>
+            <a:br>
+              <a:rPr lang="en-US" altLang="lv-LV" dirty="0"/>
+            </a:br>
+            <a:r>
+              <a:rPr lang="en-US" altLang="lv-LV" dirty="0"/>
+              <a:t>	 </a:t>
+            </a:r>
+            <a:r>
+              <a:rPr lang="en-US" altLang="lv-LV" b="1" i="1" dirty="0">
+                <a:latin typeface="Times New Roman" panose="02020603050405020304" pitchFamily="18" charset="0"/>
+              </a:rPr>
+              <a:t>a </a:t>
+            </a:r>
+            <a:r>
+              <a:rPr lang="en-US" altLang="lv-LV" dirty="0">
+                <a:latin typeface="Times New Roman" panose="02020603050405020304" pitchFamily="18" charset="0"/>
+              </a:rPr>
+              <a:t>mod</a:t>
+            </a:r>
+            <a:r>
+              <a:rPr lang="en-US" altLang="lv-LV" b="1" i="1" dirty="0">
+                <a:latin typeface="Times New Roman" panose="02020603050405020304" pitchFamily="18" charset="0"/>
+              </a:rPr>
+              <a:t> N</a:t>
+            </a:r>
+            <a:r>
+              <a:rPr lang="en-US" altLang="lv-LV" i="1" dirty="0">
+                <a:latin typeface="Times New Roman" panose="02020603050405020304" pitchFamily="18" charset="0"/>
+              </a:rPr>
+              <a:t> </a:t>
+            </a:r>
+            <a:r>
+              <a:rPr lang="en-US" altLang="lv-LV" dirty="0">
+                <a:latin typeface="Symbol" panose="05050102010706020507" pitchFamily="18" charset="2"/>
+                <a:sym typeface="Symbol" panose="05050102010706020507" pitchFamily="18" charset="2"/>
+              </a:rPr>
+              <a:t></a:t>
+            </a:r>
+            <a:r>
+              <a:rPr lang="en-US" altLang="lv-LV" dirty="0">
+                <a:latin typeface="Times New Roman" panose="02020603050405020304" pitchFamily="18" charset="0"/>
+                <a:sym typeface="Symbol" panose="05050102010706020507" pitchFamily="18" charset="2"/>
+              </a:rPr>
+              <a:t> 0</a:t>
+            </a:r>
+          </a:p>
+          <a:p>
+            <a:pPr lvl="1" eaLnBrk="1" hangingPunct="1"/>
+            <a:r>
+              <a:rPr lang="en-US" altLang="lv-LV" dirty="0">
+                <a:sym typeface="Symbol" panose="05050102010706020507" pitchFamily="18" charset="2"/>
+              </a:rPr>
+              <a:t>Otherwise, every integer would map to the same value </a:t>
+            </a:r>
+            <a:r>
+              <a:rPr lang="en-US" altLang="lv-LV" b="1" i="1" dirty="0">
+                <a:latin typeface="Times New Roman" panose="02020603050405020304" pitchFamily="18" charset="0"/>
+              </a:rPr>
+              <a:t>b</a:t>
+            </a:r>
+            <a:r>
+              <a:rPr lang="en-US" altLang="lv-LV" dirty="0">
+                <a:sym typeface="Symbol" panose="05050102010706020507" pitchFamily="18" charset="2"/>
+              </a:rPr>
+              <a:t> </a:t>
             </a:r>
           </a:p>
         </p:txBody>
@@ -31004,7 +31046,7 @@
     </p:spTree>
     <p:extLst>
       <p:ext uri="{BB962C8B-B14F-4D97-AF65-F5344CB8AC3E}">
-        <p14:creationId xmlns:p14="http://schemas.microsoft.com/office/powerpoint/2010/main" val="992598975"/>
+        <p14:creationId xmlns:p14="http://schemas.microsoft.com/office/powerpoint/2010/main" val="551237067"/>
       </p:ext>
     </p:extLst>
   </p:cSld>
@@ -31043,9 +31085,9 @@
       </p:grpSpPr>
       <p:sp>
         <p:nvSpPr>
-          <p:cNvPr id="2" name="Title 1"/>
+          <p:cNvPr id="10244" name="Rectangle 2"/>
           <p:cNvSpPr>
-            <a:spLocks noGrp="1"/>
+            <a:spLocks noGrp="1" noChangeArrowheads="1"/>
           </p:cNvSpPr>
           <p:nvPr>
             <p:ph type="title"/>
@@ -31056,19 +31098,28 @@
           <a:bodyPr/>
           <a:lstStyle/>
           <a:p>
-            <a:r>
-              <a:rPr lang="lv-LV" dirty="0" smtClean="0"/>
-              <a:t>Mod-Division in Hash Functions</a:t>
-            </a:r>
-            <a:endParaRPr lang="en-US" dirty="0"/>
+            <a:pPr eaLnBrk="1" hangingPunct="1"/>
+            <a:r>
+              <a:rPr lang="en-US" altLang="lv-LV" dirty="0" smtClean="0"/>
+              <a:t>Hash </a:t>
+            </a:r>
+            <a:r>
+              <a:rPr lang="en-US" altLang="lv-LV" dirty="0" err="1" smtClean="0"/>
+              <a:t>Tabl</a:t>
+            </a:r>
+            <a:r>
+              <a:rPr lang="lv-LV" altLang="lv-LV" dirty="0" smtClean="0"/>
+              <a:t>es for Dictionary ADTs</a:t>
+            </a:r>
+            <a:endParaRPr lang="en-US" altLang="lv-LV" dirty="0" smtClean="0"/>
           </a:p>
         </p:txBody>
       </p:sp>
       <p:sp>
         <p:nvSpPr>
-          <p:cNvPr id="3" name="Content Placeholder 2"/>
+          <p:cNvPr id="10245" name="Rectangle 3" descr="Rectangle: Click to edit Master text styles&#10;Second level&#10;Third level&#10;Fourth level&#10;Fifth level"/>
           <p:cNvSpPr>
-            <a:spLocks noGrp="1"/>
+            <a:spLocks noGrp="1" noChangeArrowheads="1"/>
           </p:cNvSpPr>
           <p:nvPr>
             <p:ph idx="1"/>
@@ -31079,162 +31130,25 @@
           <a:bodyPr/>
           <a:lstStyle/>
           <a:p>
-            <a:r>
-              <a:rPr lang="en-US" dirty="0" smtClean="0"/>
-              <a:t>Hash functions must guarantee that the value they produce is a valid index to the table</a:t>
-            </a:r>
-          </a:p>
-          <a:p>
-            <a:r>
-              <a:rPr lang="en-US" dirty="0" smtClean="0"/>
-              <a:t>A fairly easy way to ensure this is to use modular division, and divide the keys by the size of the table, so </a:t>
-            </a:r>
-            <a:r>
-              <a:rPr lang="en-US" i="1" dirty="0" smtClean="0"/>
-              <a:t>h</a:t>
-            </a:r>
-            <a:r>
-              <a:rPr lang="en-US" dirty="0" smtClean="0"/>
-              <a:t>(</a:t>
-            </a:r>
-            <a:r>
-              <a:rPr lang="en-US" i="1" dirty="0" smtClean="0"/>
-              <a:t>K</a:t>
-            </a:r>
-            <a:r>
-              <a:rPr lang="en-US" dirty="0" smtClean="0"/>
-              <a:t>) = </a:t>
-            </a:r>
-            <a:r>
-              <a:rPr lang="en-US" i="1" dirty="0" smtClean="0"/>
-              <a:t>K</a:t>
-            </a:r>
-            <a:r>
-              <a:rPr lang="en-US" dirty="0" smtClean="0"/>
-              <a:t> mod </a:t>
-            </a:r>
-            <a:r>
-              <a:rPr lang="en-US" i="1" dirty="0" smtClean="0"/>
-              <a:t>TSize</a:t>
-            </a:r>
-            <a:r>
-              <a:rPr lang="en-US" dirty="0" smtClean="0"/>
-              <a:t> where </a:t>
-            </a:r>
-            <a:r>
-              <a:rPr lang="en-US" i="1" dirty="0" smtClean="0"/>
-              <a:t>TSize</a:t>
-            </a:r>
-            <a:r>
-              <a:rPr lang="en-US" dirty="0" smtClean="0"/>
-              <a:t> = </a:t>
-            </a:r>
-            <a:r>
-              <a:rPr lang="en-US" i="1" dirty="0" smtClean="0"/>
-              <a:t>sizeof</a:t>
-            </a:r>
-            <a:r>
-              <a:rPr lang="en-US" dirty="0" smtClean="0"/>
-              <a:t>(</a:t>
-            </a:r>
-            <a:r>
-              <a:rPr lang="en-US" i="1" dirty="0" smtClean="0"/>
-              <a:t>table</a:t>
-            </a:r>
-            <a:r>
-              <a:rPr lang="en-US" dirty="0" smtClean="0"/>
-              <a:t>)</a:t>
-            </a:r>
-          </a:p>
-          <a:p>
-            <a:r>
-              <a:rPr lang="en-US" dirty="0" smtClean="0"/>
-              <a:t>This works best if the table size is a prime number, but if not, we can use </a:t>
-            </a:r>
-            <a:r>
-              <a:rPr lang="en-US" i="1" dirty="0"/>
-              <a:t>h</a:t>
-            </a:r>
-            <a:r>
-              <a:rPr lang="en-US" dirty="0"/>
-              <a:t>(</a:t>
-            </a:r>
-            <a:r>
-              <a:rPr lang="en-US" i="1" dirty="0"/>
-              <a:t>K</a:t>
-            </a:r>
-            <a:r>
-              <a:rPr lang="en-US" dirty="0"/>
-              <a:t>) = </a:t>
-            </a:r>
-            <a:r>
-              <a:rPr lang="en-US" dirty="0" smtClean="0"/>
-              <a:t>(</a:t>
-            </a:r>
-            <a:r>
-              <a:rPr lang="en-US" i="1" dirty="0" smtClean="0"/>
-              <a:t>K</a:t>
-            </a:r>
-            <a:r>
-              <a:rPr lang="en-US" dirty="0" smtClean="0"/>
-              <a:t> mod </a:t>
-            </a:r>
-            <a:r>
-              <a:rPr lang="en-US" i="1" dirty="0" smtClean="0"/>
-              <a:t>p</a:t>
-            </a:r>
-            <a:r>
-              <a:rPr lang="en-US" dirty="0" smtClean="0"/>
-              <a:t>) mod </a:t>
-            </a:r>
-            <a:r>
-              <a:rPr lang="en-US" i="1" dirty="0" smtClean="0"/>
-              <a:t>TSize </a:t>
-            </a:r>
-            <a:r>
-              <a:rPr lang="en-US" dirty="0" smtClean="0"/>
-              <a:t>for a prime </a:t>
-            </a:r>
-            <a:r>
-              <a:rPr lang="en-US" i="1" dirty="0" smtClean="0"/>
-              <a:t>p</a:t>
-            </a:r>
-            <a:r>
-              <a:rPr lang="en-US" dirty="0" smtClean="0"/>
-              <a:t> </a:t>
-            </a:r>
-            <a:r>
-              <a:rPr lang="en-US" u="sng" dirty="0" smtClean="0"/>
-              <a:t>&gt;</a:t>
-            </a:r>
-            <a:r>
-              <a:rPr lang="en-US" dirty="0" smtClean="0"/>
-              <a:t> </a:t>
-            </a:r>
-            <a:r>
-              <a:rPr lang="en-US" i="1" dirty="0" smtClean="0"/>
-              <a:t>TSize</a:t>
-            </a:r>
-          </a:p>
-          <a:p>
-            <a:r>
-              <a:rPr lang="en-US" dirty="0" smtClean="0"/>
-              <a:t>However, nonprimes work well for the divisor provided they do not have any prime factors less than 20</a:t>
-            </a:r>
-          </a:p>
-          <a:p>
-            <a:r>
-              <a:rPr lang="en-US" dirty="0" smtClean="0"/>
-              <a:t>The division method is frequently used when little is known about the keys</a:t>
-            </a:r>
-            <a:endParaRPr lang="en-US" dirty="0"/>
+            <a:pPr eaLnBrk="1" hangingPunct="1"/>
+            <a:r>
+              <a:rPr lang="en-US" altLang="lv-LV" dirty="0" smtClean="0"/>
+              <a:t>We can also create a hash-table dictionary implementation.</a:t>
+            </a:r>
+          </a:p>
+          <a:p>
+            <a:pPr eaLnBrk="1" hangingPunct="1"/>
+            <a:r>
+              <a:rPr lang="en-US" altLang="lv-LV" dirty="0" smtClean="0"/>
+              <a:t>If we use separate chaining to handle collisions, then each operation can be delegated to a list-based dictionary stored at each hash table cell.</a:t>
+            </a:r>
           </a:p>
         </p:txBody>
       </p:sp>
     </p:spTree>
     <p:extLst>
       <p:ext uri="{BB962C8B-B14F-4D97-AF65-F5344CB8AC3E}">
-        <p14:creationId xmlns:p14="http://schemas.microsoft.com/office/powerpoint/2010/main" val="3885455643"/>
+        <p14:creationId xmlns:p14="http://schemas.microsoft.com/office/powerpoint/2010/main" val="992598975"/>
       </p:ext>
     </p:extLst>
   </p:cSld>
@@ -31288,15 +31202,7 @@
           <a:p>
             <a:r>
               <a:rPr lang="lv-LV" dirty="0" smtClean="0"/>
-              <a:t>Folding in </a:t>
-            </a:r>
-            <a:r>
-              <a:rPr lang="en-US" dirty="0" smtClean="0"/>
-              <a:t>Hash Functions</a:t>
-            </a:r>
-            <a:r>
-              <a:rPr lang="lv-LV" dirty="0" smtClean="0"/>
-              <a:t> – 1 </a:t>
+              <a:t>Mod-Division in Hash Functions</a:t>
             </a:r>
             <a:endParaRPr lang="en-US" dirty="0"/>
           </a:p>
@@ -31319,67 +31225,37 @@
           <a:p>
             <a:r>
               <a:rPr lang="en-US" dirty="0" smtClean="0"/>
-              <a:t>In folding, the keys are divided into parts which are then combined (or “folded”) together and often transformed into the address</a:t>
+              <a:t>Hash functions must guarantee that the value they produce is a valid index to the table</a:t>
             </a:r>
           </a:p>
           <a:p>
             <a:r>
               <a:rPr lang="en-US" dirty="0" smtClean="0"/>
-              <a:t>Two types of folding are used, </a:t>
-            </a:r>
-            <a:r>
-              <a:rPr lang="en-US" b="1" i="1" dirty="0" smtClean="0"/>
-              <a:t>shift folding</a:t>
+              <a:t>A fairly easy way to ensure this is to use modular division, and divide the keys by the size of the table, so </a:t>
+            </a:r>
+            <a:r>
+              <a:rPr lang="en-US" i="1" dirty="0" smtClean="0"/>
+              <a:t>h</a:t>
             </a:r>
             <a:r>
               <a:rPr lang="en-US" dirty="0" smtClean="0"/>
-              <a:t> and </a:t>
-            </a:r>
-            <a:r>
-              <a:rPr lang="en-US" b="1" i="1" dirty="0" smtClean="0"/>
-              <a:t>boundary folding</a:t>
-            </a:r>
-            <a:endParaRPr lang="en-US" dirty="0" smtClean="0"/>
-          </a:p>
-          <a:p>
-            <a:pPr>
-              <a:spcBef>
-                <a:spcPts val="24"/>
-              </a:spcBef>
-            </a:pPr>
+              <a:t>(</a:t>
+            </a:r>
+            <a:r>
+              <a:rPr lang="en-US" i="1" dirty="0" smtClean="0"/>
+              <a:t>K</a:t>
+            </a:r>
             <a:r>
               <a:rPr lang="en-US" dirty="0" smtClean="0"/>
-              <a:t>In shift folding, the parts are placed underneath each other and then processed (for example, by adding)</a:t>
-            </a:r>
-          </a:p>
-          <a:p>
-            <a:pPr>
-              <a:spcBef>
-                <a:spcPts val="24"/>
-              </a:spcBef>
-            </a:pPr>
+              <a:t>) = </a:t>
+            </a:r>
+            <a:r>
+              <a:rPr lang="en-US" i="1" dirty="0" smtClean="0"/>
+              <a:t>K</a:t>
+            </a:r>
             <a:r>
               <a:rPr lang="en-US" dirty="0" smtClean="0"/>
-              <a:t>Using a Social </a:t>
-            </a:r>
-            <a:r>
-              <a:rPr lang="en-US" dirty="0"/>
-              <a:t>S</a:t>
-            </a:r>
-            <a:r>
-              <a:rPr lang="en-US" dirty="0" smtClean="0"/>
-              <a:t>ecurity number, say 123-45-6789, we can divide it into three parts - 123, 456, and 789 – and add them to get 1368</a:t>
-            </a:r>
-          </a:p>
-          <a:p>
-            <a:pPr>
-              <a:spcBef>
-                <a:spcPts val="24"/>
-              </a:spcBef>
-            </a:pPr>
-            <a:r>
-              <a:rPr lang="en-US" dirty="0" smtClean="0"/>
-              <a:t>This can then be divided modulo </a:t>
+              <a:t> mod </a:t>
             </a:r>
             <a:r>
               <a:rPr lang="en-US" i="1" dirty="0" smtClean="0"/>
@@ -31387,26 +31263,122 @@
             </a:r>
             <a:r>
               <a:rPr lang="en-US" dirty="0" smtClean="0"/>
-              <a:t> to get the address</a:t>
-            </a:r>
-          </a:p>
-          <a:p>
-            <a:pPr>
-              <a:spcBef>
-                <a:spcPts val="24"/>
-              </a:spcBef>
-            </a:pPr>
+              <a:t> where </a:t>
+            </a:r>
+            <a:r>
+              <a:rPr lang="en-US" i="1" dirty="0" smtClean="0"/>
+              <a:t>TSize</a:t>
+            </a:r>
             <a:r>
               <a:rPr lang="en-US" dirty="0" smtClean="0"/>
-              <a:t>With boundary folding, the key is visualized as being written on a piece of paper and folded on the boundaries between the parts</a:t>
-            </a:r>
+              <a:t> = </a:t>
+            </a:r>
+            <a:r>
+              <a:rPr lang="en-US" i="1" dirty="0" smtClean="0"/>
+              <a:t>sizeof</a:t>
+            </a:r>
+            <a:r>
+              <a:rPr lang="en-US" dirty="0" smtClean="0"/>
+              <a:t>(</a:t>
+            </a:r>
+            <a:r>
+              <a:rPr lang="en-US" i="1" dirty="0" smtClean="0"/>
+              <a:t>table</a:t>
+            </a:r>
+            <a:r>
+              <a:rPr lang="en-US" dirty="0" smtClean="0"/>
+              <a:t>)</a:t>
+            </a:r>
+          </a:p>
+          <a:p>
+            <a:r>
+              <a:rPr lang="en-US" dirty="0" smtClean="0"/>
+              <a:t>This works best if the table size is a prime number, but if not, we can use </a:t>
+            </a:r>
+            <a:r>
+              <a:rPr lang="en-US" i="1" dirty="0"/>
+              <a:t>h</a:t>
+            </a:r>
+            <a:r>
+              <a:rPr lang="en-US" dirty="0"/>
+              <a:t>(</a:t>
+            </a:r>
+            <a:r>
+              <a:rPr lang="en-US" i="1" dirty="0"/>
+              <a:t>K</a:t>
+            </a:r>
+            <a:r>
+              <a:rPr lang="en-US" dirty="0"/>
+              <a:t>) = </a:t>
+            </a:r>
+            <a:r>
+              <a:rPr lang="en-US" dirty="0" smtClean="0"/>
+              <a:t>(</a:t>
+            </a:r>
+            <a:r>
+              <a:rPr lang="en-US" i="1" dirty="0" smtClean="0"/>
+              <a:t>K</a:t>
+            </a:r>
+            <a:r>
+              <a:rPr lang="en-US" dirty="0" smtClean="0"/>
+              <a:t> mod </a:t>
+            </a:r>
+            <a:r>
+              <a:rPr lang="en-US" i="1" dirty="0" smtClean="0"/>
+              <a:t>p</a:t>
+            </a:r>
+            <a:r>
+              <a:rPr lang="en-US" dirty="0" smtClean="0"/>
+              <a:t>) mod </a:t>
+            </a:r>
+            <a:r>
+              <a:rPr lang="en-US" i="1" dirty="0" smtClean="0"/>
+              <a:t>TSize </a:t>
+            </a:r>
+            <a:r>
+              <a:rPr lang="en-US" dirty="0" smtClean="0"/>
+              <a:t>for a prime </a:t>
+            </a:r>
+            <a:r>
+              <a:rPr lang="en-US" i="1" dirty="0" smtClean="0"/>
+              <a:t>p</a:t>
+            </a:r>
+            <a:r>
+              <a:rPr lang="en-US" dirty="0" smtClean="0"/>
+              <a:t> </a:t>
+            </a:r>
+            <a:r>
+              <a:rPr lang="en-US" u="sng" dirty="0" smtClean="0"/>
+              <a:t>&gt;</a:t>
+            </a:r>
+            <a:r>
+              <a:rPr lang="en-US" dirty="0" smtClean="0"/>
+              <a:t> </a:t>
+            </a:r>
+            <a:r>
+              <a:rPr lang="en-US" i="1" dirty="0" smtClean="0"/>
+              <a:t>TSize</a:t>
+            </a:r>
+          </a:p>
+          <a:p>
+            <a:r>
+              <a:rPr lang="en-US" dirty="0" smtClean="0"/>
+              <a:t>However, nonprimes work well for the divisor provided they do not have any prime factors less than 20</a:t>
+            </a:r>
+          </a:p>
+          <a:p>
+            <a:r>
+              <a:rPr lang="en-US" dirty="0" smtClean="0"/>
+              <a:t>The division method is frequently used when little is known about the keys</a:t>
+            </a:r>
+            <a:endParaRPr lang="en-US" dirty="0"/>
           </a:p>
         </p:txBody>
       </p:sp>
     </p:spTree>
     <p:extLst>
       <p:ext uri="{BB962C8B-B14F-4D97-AF65-F5344CB8AC3E}">
-        <p14:creationId xmlns:p14="http://schemas.microsoft.com/office/powerpoint/2010/main" val="1930843838"/>
+        <p14:creationId xmlns:p14="http://schemas.microsoft.com/office/powerpoint/2010/main" val="3885455643"/>
       </p:ext>
     </p:extLst>
   </p:cSld>
@@ -31460,7 +31432,15 @@
           <a:p>
             <a:r>
               <a:rPr lang="lv-LV" dirty="0" smtClean="0"/>
-              <a:t>Folding in Hash Functions – 2 </a:t>
+              <a:t>Folding in </a:t>
+            </a:r>
+            <a:r>
+              <a:rPr lang="en-US" dirty="0" smtClean="0"/>
+              <a:t>Hash Functions</a:t>
+            </a:r>
+            <a:r>
+              <a:rPr lang="lv-LV" dirty="0" smtClean="0"/>
+              <a:t> – 1 </a:t>
             </a:r>
             <a:endParaRPr lang="en-US" dirty="0"/>
           </a:p>
@@ -31481,6 +31461,31 @@
           <a:bodyPr/>
           <a:lstStyle/>
           <a:p>
+            <a:r>
+              <a:rPr lang="en-US" dirty="0" smtClean="0"/>
+              <a:t>In folding, the keys are divided into parts which are then combined (or “folded”) together and often transformed into the address</a:t>
+            </a:r>
+          </a:p>
+          <a:p>
+            <a:r>
+              <a:rPr lang="en-US" dirty="0" smtClean="0"/>
+              <a:t>Two types of folding are used, </a:t>
+            </a:r>
+            <a:r>
+              <a:rPr lang="en-US" b="1" i="1" dirty="0" smtClean="0"/>
+              <a:t>shift folding</a:t>
+            </a:r>
+            <a:r>
+              <a:rPr lang="en-US" dirty="0" smtClean="0"/>
+              <a:t> and </a:t>
+            </a:r>
+            <a:r>
+              <a:rPr lang="en-US" b="1" i="1" dirty="0" smtClean="0"/>
+              <a:t>boundary folding</a:t>
+            </a:r>
+            <a:endParaRPr lang="en-US" dirty="0" smtClean="0"/>
+          </a:p>
+          <a:p>
             <a:pPr>
               <a:spcBef>
                 <a:spcPts val="24"/>
@@ -31488,15 +31493,7 @@
             </a:pPr>
             <a:r>
               <a:rPr lang="en-US" dirty="0" smtClean="0"/>
-              <a:t>The result is that alternating parts of the key are reversed, so the Social </a:t>
-            </a:r>
-            <a:r>
-              <a:rPr lang="en-US" dirty="0"/>
-              <a:t>S</a:t>
-            </a:r>
-            <a:r>
-              <a:rPr lang="en-US" dirty="0" smtClean="0"/>
-              <a:t>ecurity number part would be 123, 654, 789, totaling 1566</a:t>
+              <a:t>In shift folding, the parts are placed underneath each other and then processed (for example, by adding)</a:t>
             </a:r>
           </a:p>
           <a:p>
@@ -31507,7 +31504,15 @@
             </a:pPr>
             <a:r>
               <a:rPr lang="en-US" dirty="0" smtClean="0"/>
-              <a:t>As can be seen, in both versions, the key is divided into even length parts of some fixed size, plus any leftover digits</a:t>
+              <a:t>Using a Social </a:t>
+            </a:r>
+            <a:r>
+              <a:rPr lang="en-US" dirty="0"/>
+              <a:t>S</a:t>
+            </a:r>
+            <a:r>
+              <a:rPr lang="en-US" dirty="0" smtClean="0"/>
+              <a:t>ecurity number, say 123-45-6789, we can divide it into three parts - 123, 456, and 789 – and add them to get 1368</a:t>
             </a:r>
           </a:p>
           <a:p>
@@ -31518,7 +31523,15 @@
             </a:pPr>
             <a:r>
               <a:rPr lang="en-US" dirty="0" smtClean="0"/>
-              <a:t>Then these are added together and the result is divided modulo the table size</a:t>
+              <a:t>This can then be divided modulo </a:t>
+            </a:r>
+            <a:r>
+              <a:rPr lang="en-US" i="1" dirty="0" smtClean="0"/>
+              <a:t>TSize</a:t>
+            </a:r>
+            <a:r>
+              <a:rPr lang="en-US" dirty="0" smtClean="0"/>
+              <a:t> to get the address</a:t>
             </a:r>
           </a:p>
           <a:p>
@@ -31529,66 +31542,7 @@
             </a:pPr>
             <a:r>
               <a:rPr lang="en-US" dirty="0" smtClean="0"/>
-              <a:t>Consequently this is very fast and efficient, especially if bit strings are used instead of numbers</a:t>
-            </a:r>
-          </a:p>
-          <a:p>
-            <a:pPr>
-              <a:spcBef>
-                <a:spcPts val="24"/>
-              </a:spcBef>
-            </a:pPr>
-            <a:r>
-              <a:rPr lang="en-US" dirty="0" smtClean="0"/>
-              <a:t>With character strings, one approach is to exclusively-or the individual character together and use the result</a:t>
-            </a:r>
-          </a:p>
-          <a:p>
-            <a:pPr>
-              <a:spcBef>
-                <a:spcPts val="24"/>
-              </a:spcBef>
-            </a:pPr>
-            <a:r>
-              <a:rPr lang="en-US" dirty="0" smtClean="0"/>
-              <a:t>In this way, </a:t>
-            </a:r>
-            <a:r>
-              <a:rPr lang="en-US" i="1" dirty="0" smtClean="0"/>
-              <a:t>h</a:t>
-            </a:r>
-            <a:r>
-              <a:rPr lang="en-US" dirty="0" smtClean="0"/>
-              <a:t>(“abcd”) = “a” </a:t>
-            </a:r>
-            <a:r>
-              <a:rPr lang="en-US" dirty="0" smtClean="0">
-                <a:latin typeface="Cambria Math"/>
-                <a:ea typeface="Cambria Math"/>
-              </a:rPr>
-              <a:t>⋁ </a:t>
-            </a:r>
-            <a:r>
-              <a:rPr lang="en-US" dirty="0" smtClean="0"/>
-              <a:t>“b” </a:t>
-            </a:r>
-            <a:r>
-              <a:rPr lang="en-US" dirty="0" smtClean="0">
-                <a:latin typeface="Cambria Math"/>
-                <a:ea typeface="Cambria Math"/>
-              </a:rPr>
-              <a:t>⋁ </a:t>
-            </a:r>
-            <a:r>
-              <a:rPr lang="en-US" dirty="0" smtClean="0"/>
-              <a:t>“c” </a:t>
-            </a:r>
-            <a:r>
-              <a:rPr lang="en-US" dirty="0" smtClean="0">
-                <a:latin typeface="Cambria Math"/>
-                <a:ea typeface="Cambria Math"/>
-              </a:rPr>
-              <a:t>⋁ “d”</a:t>
+              <a:t>With boundary folding, the key is visualized as being written on a piece of paper and folded on the boundaries between the parts</a:t>
             </a:r>
           </a:p>
         </p:txBody>
@@ -31596,7 +31550,7 @@
     </p:spTree>
     <p:extLst>
       <p:ext uri="{BB962C8B-B14F-4D97-AF65-F5344CB8AC3E}">
-        <p14:creationId xmlns:p14="http://schemas.microsoft.com/office/powerpoint/2010/main" val="4127572118"/>
+        <p14:creationId xmlns:p14="http://schemas.microsoft.com/office/powerpoint/2010/main" val="1930843838"/>
       </p:ext>
     </p:extLst>
   </p:cSld>
@@ -31650,15 +31604,7 @@
           <a:p>
             <a:r>
               <a:rPr lang="lv-LV" dirty="0" smtClean="0"/>
-              <a:t>Folding in </a:t>
-            </a:r>
-            <a:r>
-              <a:rPr lang="en-US" dirty="0" smtClean="0"/>
-              <a:t>Hash Functions</a:t>
-            </a:r>
-            <a:r>
-              <a:rPr lang="lv-LV" dirty="0" smtClean="0"/>
-              <a:t> – 3 </a:t>
+              <a:t>Folding in Hash Functions – 2 </a:t>
             </a:r>
             <a:endParaRPr lang="en-US" dirty="0"/>
           </a:p>
@@ -31679,12 +31625,6 @@
           <a:bodyPr/>
           <a:lstStyle/>
           <a:p>
-            <a:r>
-              <a:rPr lang="en-US" dirty="0" smtClean="0"/>
-              <a:t>However, this is limited, because it will only generate values between 0 and 127</a:t>
-            </a:r>
-          </a:p>
-          <a:p>
             <a:pPr>
               <a:spcBef>
                 <a:spcPts val="24"/>
@@ -31692,7 +31632,15 @@
             </a:pPr>
             <a:r>
               <a:rPr lang="en-US" dirty="0" smtClean="0"/>
-              <a:t>A better approach is to use chunks of characters, where each chunk has as many characters as bytes in an integer</a:t>
+              <a:t>The result is that alternating parts of the key are reversed, so the Social </a:t>
+            </a:r>
+            <a:r>
+              <a:rPr lang="en-US" dirty="0"/>
+              <a:t>S</a:t>
+            </a:r>
+            <a:r>
+              <a:rPr lang="en-US" dirty="0" smtClean="0"/>
+              <a:t>ecurity number part would be 123, 654, 789, totaling 1566</a:t>
             </a:r>
           </a:p>
           <a:p>
@@ -31703,22 +31651,62 @@
             </a:pPr>
             <a:r>
               <a:rPr lang="en-US" dirty="0" smtClean="0"/>
-              <a:t>On the IBM PC, integers are often 2 bytes long, so </a:t>
-            </a:r>
-            <a:r>
-              <a:rPr lang="en-US" i="1" dirty="0"/>
+              <a:t>As can be seen, in both versions, the key is divided into even length parts of some fixed size, plus any leftover digits</a:t>
+            </a:r>
+          </a:p>
+          <a:p>
+            <a:pPr>
+              <a:spcBef>
+                <a:spcPts val="24"/>
+              </a:spcBef>
+            </a:pPr>
+            <a:r>
+              <a:rPr lang="en-US" dirty="0" smtClean="0"/>
+              <a:t>Then these are added together and the result is divided modulo the table size</a:t>
+            </a:r>
+          </a:p>
+          <a:p>
+            <a:pPr>
+              <a:spcBef>
+                <a:spcPts val="24"/>
+              </a:spcBef>
+            </a:pPr>
+            <a:r>
+              <a:rPr lang="en-US" dirty="0" smtClean="0"/>
+              <a:t>Consequently this is very fast and efficient, especially if bit strings are used instead of numbers</a:t>
+            </a:r>
+          </a:p>
+          <a:p>
+            <a:pPr>
+              <a:spcBef>
+                <a:spcPts val="24"/>
+              </a:spcBef>
+            </a:pPr>
+            <a:r>
+              <a:rPr lang="en-US" dirty="0" smtClean="0"/>
+              <a:t>With character strings, one approach is to exclusively-or the individual character together and use the result</a:t>
+            </a:r>
+          </a:p>
+          <a:p>
+            <a:pPr>
+              <a:spcBef>
+                <a:spcPts val="24"/>
+              </a:spcBef>
+            </a:pPr>
+            <a:r>
+              <a:rPr lang="en-US" dirty="0" smtClean="0"/>
+              <a:t>In this way, </a:t>
+            </a:r>
+            <a:r>
+              <a:rPr lang="en-US" i="1" dirty="0" smtClean="0"/>
               <a:t>h</a:t>
             </a:r>
             <a:r>
-              <a:rPr lang="en-US" dirty="0"/>
-              <a:t>(“abcd”) = “</a:t>
-            </a:r>
-            <a:r>
               <a:rPr lang="en-US" dirty="0" smtClean="0"/>
-              <a:t>ab” </a:t>
-            </a:r>
-            <a:r>
-              <a:rPr lang="en-US" dirty="0">
+              <a:t>(“abcd”) = “a” </a:t>
+            </a:r>
+            <a:r>
+              <a:rPr lang="en-US" dirty="0" smtClean="0">
                 <a:latin typeface="Cambria Math"/>
                 <a:ea typeface="Cambria Math"/>
               </a:rPr>
@@ -31726,24 +31714,33 @@
             </a:r>
             <a:r>
               <a:rPr lang="en-US" dirty="0" smtClean="0"/>
-              <a:t>“cd”, which would then be divided modulo </a:t>
-            </a:r>
-            <a:r>
-              <a:rPr lang="en-US" i="1" dirty="0" smtClean="0"/>
-              <a:t>TSize</a:t>
-            </a:r>
-            <a:endParaRPr lang="en-US" dirty="0" smtClean="0"/>
-          </a:p>
-          <a:p>
-            <a:pPr lvl="1"/>
-            <a:endParaRPr lang="en-US" dirty="0"/>
+              <a:t>“b” </a:t>
+            </a:r>
+            <a:r>
+              <a:rPr lang="en-US" dirty="0" smtClean="0">
+                <a:latin typeface="Cambria Math"/>
+                <a:ea typeface="Cambria Math"/>
+              </a:rPr>
+              <a:t>⋁ </a:t>
+            </a:r>
+            <a:r>
+              <a:rPr lang="en-US" dirty="0" smtClean="0"/>
+              <a:t>“c” </a:t>
+            </a:r>
+            <a:r>
+              <a:rPr lang="en-US" dirty="0" smtClean="0">
+                <a:latin typeface="Cambria Math"/>
+                <a:ea typeface="Cambria Math"/>
+              </a:rPr>
+              <a:t>⋁ “d”</a:t>
+            </a:r>
           </a:p>
         </p:txBody>
       </p:sp>
     </p:spTree>
     <p:extLst>
       <p:ext uri="{BB962C8B-B14F-4D97-AF65-F5344CB8AC3E}">
-        <p14:creationId xmlns:p14="http://schemas.microsoft.com/office/powerpoint/2010/main" val="2072746744"/>
+        <p14:creationId xmlns:p14="http://schemas.microsoft.com/office/powerpoint/2010/main" val="4127572118"/>
       </p:ext>
     </p:extLst>
   </p:cSld>
@@ -31797,7 +31794,15 @@
           <a:p>
             <a:r>
               <a:rPr lang="lv-LV" dirty="0" smtClean="0"/>
-              <a:t>Mid-Square Approach</a:t>
+              <a:t>Folding in </a:t>
+            </a:r>
+            <a:r>
+              <a:rPr lang="en-US" dirty="0" smtClean="0"/>
+              <a:t>Hash Functions</a:t>
+            </a:r>
+            <a:r>
+              <a:rPr lang="lv-LV" dirty="0" smtClean="0"/>
+              <a:t> – 3 </a:t>
             </a:r>
             <a:endParaRPr lang="en-US" dirty="0"/>
           </a:p>
@@ -31820,7 +31825,7 @@
           <a:p>
             <a:r>
               <a:rPr lang="en-US" dirty="0" smtClean="0"/>
-              <a:t>In the mid-square approach, the numeric value of the key is squared and the middle part is extracted to serve as the address</a:t>
+              <a:t>However, this is limited, because it will only generate values between 0 and 127</a:t>
             </a:r>
           </a:p>
           <a:p>
@@ -31831,7 +31836,7 @@
             </a:pPr>
             <a:r>
               <a:rPr lang="en-US" dirty="0" smtClean="0"/>
-              <a:t>If the key is non-numeric, some type of preprocessing needs to be done to create a numeric value, such as folding</a:t>
+              <a:t>A better approach is to use chunks of characters, where each chunk has as many characters as bytes in an integer</a:t>
             </a:r>
           </a:p>
           <a:p>
@@ -31842,101 +31847,39 @@
             </a:pPr>
             <a:r>
               <a:rPr lang="en-US" dirty="0" smtClean="0"/>
-              <a:t>Since the entire key participates in generating the address, there is a better chance of generating different addresses for different keys</a:t>
-            </a:r>
-          </a:p>
-          <a:p>
-            <a:pPr>
-              <a:spcBef>
-                <a:spcPts val="24"/>
-              </a:spcBef>
-            </a:pPr>
+              <a:t>On the IBM PC, integers are often 2 bytes long, so </a:t>
+            </a:r>
+            <a:r>
+              <a:rPr lang="en-US" i="1" dirty="0"/>
+              <a:t>h</a:t>
+            </a:r>
+            <a:r>
+              <a:rPr lang="en-US" dirty="0"/>
+              <a:t>(“abcd”) = “</a:t>
+            </a:r>
             <a:r>
               <a:rPr lang="en-US" dirty="0" smtClean="0"/>
-              <a:t>So if the key is 3121, 3121</a:t>
-            </a:r>
-            <a:r>
-              <a:rPr lang="en-US" baseline="30000" dirty="0" smtClean="0"/>
-              <a:t>2</a:t>
+              <a:t>ab” </a:t>
+            </a:r>
+            <a:r>
+              <a:rPr lang="en-US" dirty="0">
+                <a:latin typeface="Cambria Math"/>
+                <a:ea typeface="Cambria Math"/>
+              </a:rPr>
+              <a:t>⋁ </a:t>
             </a:r>
             <a:r>
               <a:rPr lang="en-US" dirty="0" smtClean="0"/>
-              <a:t> = 9,740,641, and if the table has 1000 locations, </a:t>
+              <a:t>“cd”, which would then be divided modulo </a:t>
             </a:r>
             <a:r>
               <a:rPr lang="en-US" i="1" dirty="0" smtClean="0"/>
-              <a:t>h</a:t>
-            </a:r>
-            <a:r>
-              <a:rPr lang="en-US" dirty="0" smtClean="0"/>
-              <a:t>(3121) = 406, which is the middle part </a:t>
-            </a:r>
-            <a:r>
-              <a:rPr lang="en-US" dirty="0"/>
-              <a:t>of </a:t>
-            </a:r>
-            <a:r>
-              <a:rPr lang="en-US" dirty="0" smtClean="0"/>
-              <a:t>3121</a:t>
-            </a:r>
-            <a:r>
-              <a:rPr lang="en-US" baseline="30000" dirty="0" smtClean="0"/>
-              <a:t>2</a:t>
-            </a:r>
-          </a:p>
-          <a:p>
-            <a:pPr>
-              <a:spcBef>
-                <a:spcPts val="24"/>
-              </a:spcBef>
-            </a:pPr>
-            <a:r>
-              <a:rPr lang="en-US" dirty="0" smtClean="0"/>
-              <a:t>In application, powers </a:t>
-            </a:r>
-            <a:r>
-              <a:rPr lang="en-US" dirty="0"/>
-              <a:t>of two </a:t>
-            </a:r>
-            <a:r>
-              <a:rPr lang="en-US" dirty="0" smtClean="0"/>
-              <a:t>are </a:t>
-            </a:r>
-            <a:r>
-              <a:rPr lang="en-US" dirty="0"/>
-              <a:t>more efficient </a:t>
-            </a:r>
-            <a:r>
-              <a:rPr lang="en-US" dirty="0" smtClean="0"/>
-              <a:t>for the table size and the middle of the bit string of the square of the key is used</a:t>
-            </a:r>
-          </a:p>
-          <a:p>
-            <a:pPr>
-              <a:spcBef>
-                <a:spcPts val="24"/>
-              </a:spcBef>
-            </a:pPr>
-            <a:r>
-              <a:rPr lang="en-US" dirty="0" smtClean="0"/>
-              <a:t>Assuming a table size of 1024, 3121</a:t>
-            </a:r>
-            <a:r>
-              <a:rPr lang="en-US" baseline="30000" dirty="0" smtClean="0"/>
-              <a:t>2</a:t>
-            </a:r>
-            <a:r>
-              <a:rPr lang="en-US" dirty="0" smtClean="0"/>
-              <a:t> is represented by the bit string 1001010 </a:t>
-            </a:r>
-            <a:r>
-              <a:rPr lang="en-US" i="1" dirty="0" smtClean="0"/>
-              <a:t>0101000010 </a:t>
-            </a:r>
-            <a:r>
-              <a:rPr lang="en-US" dirty="0" smtClean="0"/>
-              <a:t>1100001, and the key, 322, is in italics</a:t>
-            </a:r>
+              <a:t>TSize</a:t>
+            </a:r>
+            <a:endParaRPr lang="en-US" dirty="0" smtClean="0"/>
+          </a:p>
+          <a:p>
+            <a:pPr lvl="1"/>
             <a:endParaRPr lang="en-US" dirty="0"/>
           </a:p>
         </p:txBody>
@@ -31944,7 +31887,7 @@
     </p:spTree>
     <p:extLst>
       <p:ext uri="{BB962C8B-B14F-4D97-AF65-F5344CB8AC3E}">
-        <p14:creationId xmlns:p14="http://schemas.microsoft.com/office/powerpoint/2010/main" val="3386267143"/>
+        <p14:creationId xmlns:p14="http://schemas.microsoft.com/office/powerpoint/2010/main" val="2072746744"/>
       </p:ext>
     </p:extLst>
   </p:cSld>
@@ -31998,7 +31941,7 @@
           <a:p>
             <a:r>
               <a:rPr lang="lv-LV" dirty="0" smtClean="0"/>
-              <a:t>Extraction Approach</a:t>
+              <a:t>Mid-Square Approach</a:t>
             </a:r>
             <a:endParaRPr lang="en-US" dirty="0"/>
           </a:p>
@@ -32021,7 +31964,7 @@
           <a:p>
             <a:r>
               <a:rPr lang="en-US" dirty="0" smtClean="0"/>
-              <a:t>In the extraction approach, the address is derived by using a portion of the key</a:t>
+              <a:t>In the mid-square approach, the numeric value of the key is squared and the middle part is extracted to serve as the address</a:t>
             </a:r>
           </a:p>
           <a:p>
@@ -32032,7 +31975,7 @@
             </a:pPr>
             <a:r>
               <a:rPr lang="en-US" dirty="0" smtClean="0"/>
-              <a:t>Using the SSN 123-45-6789, we could use the first four digits, 1234, the last four 6789, or the first two combined with the last two 1289</a:t>
+              <a:t>If the key is non-numeric, some type of preprocessing needs to be done to create a numeric value, such as folding</a:t>
             </a:r>
           </a:p>
           <a:p>
@@ -32043,7 +31986,7 @@
             </a:pPr>
             <a:r>
               <a:rPr lang="en-US" dirty="0" smtClean="0"/>
-              <a:t>Other combinations are also possible, but each time only a portion of the key is used</a:t>
+              <a:t>Since the entire key participates in generating the address, there is a better chance of generating different addresses for different keys</a:t>
             </a:r>
           </a:p>
           <a:p>
@@ -32054,7 +31997,35 @@
             </a:pPr>
             <a:r>
               <a:rPr lang="en-US" dirty="0" smtClean="0"/>
-              <a:t>With careful choice of digits, this may be sufficient for address generation</a:t>
+              <a:t>So if the key is 3121, 3121</a:t>
+            </a:r>
+            <a:r>
+              <a:rPr lang="en-US" baseline="30000" dirty="0" smtClean="0"/>
+              <a:t>2</a:t>
+            </a:r>
+            <a:r>
+              <a:rPr lang="en-US" dirty="0" smtClean="0"/>
+              <a:t> = 9,740,641, and if the table has 1000 locations, </a:t>
+            </a:r>
+            <a:r>
+              <a:rPr lang="en-US" i="1" dirty="0" smtClean="0"/>
+              <a:t>h</a:t>
+            </a:r>
+            <a:r>
+              <a:rPr lang="en-US" dirty="0" smtClean="0"/>
+              <a:t>(3121) = 406, which is the middle part </a:t>
+            </a:r>
+            <a:r>
+              <a:rPr lang="en-US" dirty="0"/>
+              <a:t>of </a:t>
+            </a:r>
+            <a:r>
+              <a:rPr lang="en-US" dirty="0" smtClean="0"/>
+              <a:t>3121</a:t>
+            </a:r>
+            <a:r>
+              <a:rPr lang="en-US" baseline="30000" dirty="0" smtClean="0"/>
+              <a:t>2</a:t>
             </a:r>
           </a:p>
           <a:p>
@@ -32065,7 +32036,23 @@
             </a:pPr>
             <a:r>
               <a:rPr lang="en-US" dirty="0" smtClean="0"/>
-              <a:t>For example, some universities give international students ID numbers beginning with 999; ISBNs start with digits representing the publisher</a:t>
+              <a:t>In application, powers </a:t>
+            </a:r>
+            <a:r>
+              <a:rPr lang="en-US" dirty="0"/>
+              <a:t>of two </a:t>
+            </a:r>
+            <a:r>
+              <a:rPr lang="en-US" dirty="0" smtClean="0"/>
+              <a:t>are </a:t>
+            </a:r>
+            <a:r>
+              <a:rPr lang="en-US" dirty="0"/>
+              <a:t>more efficient </a:t>
+            </a:r>
+            <a:r>
+              <a:rPr lang="en-US" dirty="0" smtClean="0"/>
+              <a:t>for the table size and the middle of the bit string of the square of the key is used</a:t>
             </a:r>
           </a:p>
           <a:p>
@@ -32076,7 +32063,23 @@
             </a:pPr>
             <a:r>
               <a:rPr lang="en-US" dirty="0" smtClean="0"/>
-              <a:t>So these could be excluded from the address generation if the nature of the data is appropriately limited</a:t>
+              <a:t>Assuming a table size of 1024, 3121</a:t>
+            </a:r>
+            <a:r>
+              <a:rPr lang="en-US" baseline="30000" dirty="0" smtClean="0"/>
+              <a:t>2</a:t>
+            </a:r>
+            <a:r>
+              <a:rPr lang="en-US" dirty="0" smtClean="0"/>
+              <a:t> is represented by the bit string 1001010 </a:t>
+            </a:r>
+            <a:r>
+              <a:rPr lang="en-US" i="1" dirty="0" smtClean="0"/>
+              <a:t>0101000010 </a:t>
+            </a:r>
+            <a:r>
+              <a:rPr lang="en-US" dirty="0" smtClean="0"/>
+              <a:t>1100001, and the key, 322, is in italics</a:t>
             </a:r>
             <a:endParaRPr lang="en-US" dirty="0"/>
           </a:p>
@@ -32085,7 +32088,7 @@
     </p:spTree>
     <p:extLst>
       <p:ext uri="{BB962C8B-B14F-4D97-AF65-F5344CB8AC3E}">
-        <p14:creationId xmlns:p14="http://schemas.microsoft.com/office/powerpoint/2010/main" val="4008746486"/>
+        <p14:creationId xmlns:p14="http://schemas.microsoft.com/office/powerpoint/2010/main" val="3386267143"/>
       </p:ext>
     </p:extLst>
   </p:cSld>
@@ -32282,7 +32285,7 @@
           <a:p>
             <a:r>
               <a:rPr lang="lv-LV" dirty="0" smtClean="0"/>
-              <a:t>Radix Transformation Approach</a:t>
+              <a:t>Extraction Approach</a:t>
             </a:r>
             <a:endParaRPr lang="en-US" dirty="0"/>
           </a:p>
@@ -32303,6 +32306,12 @@
           <a:bodyPr/>
           <a:lstStyle/>
           <a:p>
+            <a:r>
+              <a:rPr lang="en-US" dirty="0" smtClean="0"/>
+              <a:t>In the extraction approach, the address is derived by using a portion of the key</a:t>
+            </a:r>
+          </a:p>
+          <a:p>
             <a:pPr>
               <a:spcBef>
                 <a:spcPts val="24"/>
@@ -32310,7 +32319,7 @@
             </a:pPr>
             <a:r>
               <a:rPr lang="en-US" dirty="0" smtClean="0"/>
-              <a:t>With radix transformation, the key is transformed into a different base</a:t>
+              <a:t>Using the SSN 123-45-6789, we could use the first four digits, 1234, the last four 6789, or the first two combined with the last two 1289</a:t>
             </a:r>
           </a:p>
           <a:p>
@@ -32321,15 +32330,7 @@
             </a:pPr>
             <a:r>
               <a:rPr lang="en-US" dirty="0" smtClean="0"/>
-              <a:t>For instance, if </a:t>
-            </a:r>
-            <a:r>
-              <a:rPr lang="en-US" i="1" dirty="0" smtClean="0"/>
-              <a:t>K</a:t>
-            </a:r>
-            <a:r>
-              <a:rPr lang="en-US" dirty="0" smtClean="0"/>
-              <a:t> is 345 in decimal, its value in base 9 is 423</a:t>
+              <a:t>Other combinations are also possible, but each time only a portion of the key is used</a:t>
             </a:r>
           </a:p>
           <a:p>
@@ -32340,23 +32341,7 @@
             </a:pPr>
             <a:r>
               <a:rPr lang="en-US" dirty="0" smtClean="0"/>
-              <a:t>This result is then divided modulo </a:t>
-            </a:r>
-            <a:r>
-              <a:rPr lang="en-US" i="1" dirty="0" smtClean="0"/>
-              <a:t>TSize</a:t>
-            </a:r>
-            <a:r>
-              <a:rPr lang="en-US" dirty="0" smtClean="0"/>
-              <a:t>, and the resulting value becomes the address top which </a:t>
-            </a:r>
-            <a:r>
-              <a:rPr lang="en-US" i="1" dirty="0" smtClean="0"/>
-              <a:t>K</a:t>
-            </a:r>
-            <a:r>
-              <a:rPr lang="en-US" dirty="0" smtClean="0"/>
-              <a:t> is hashed</a:t>
+              <a:t>With careful choice of digits, this may be sufficient for address generation</a:t>
             </a:r>
           </a:p>
           <a:p>
@@ -32367,7 +32352,7 @@
             </a:pPr>
             <a:r>
               <a:rPr lang="en-US" dirty="0" smtClean="0"/>
-              <a:t>The drawback to this approach is collisions cannot be avoided</a:t>
+              <a:t>For example, some universities give international students ID numbers beginning with 999; ISBNs start with digits representing the publisher</a:t>
             </a:r>
           </a:p>
           <a:p>
@@ -32378,26 +32363,7 @@
             </a:pPr>
             <a:r>
               <a:rPr lang="en-US" dirty="0" smtClean="0"/>
-              <a:t>For example, if </a:t>
-            </a:r>
-            <a:r>
-              <a:rPr lang="en-US" i="1" dirty="0" smtClean="0"/>
-              <a:t>TSize</a:t>
-            </a:r>
-            <a:r>
-              <a:rPr lang="en-US" dirty="0" smtClean="0"/>
-              <a:t> is 100, then although 345 and 245 in decimal will not collide, 345 and 264 will because 264 is 323 in base nine</a:t>
-            </a:r>
-          </a:p>
-          <a:p>
-            <a:pPr>
-              <a:spcBef>
-                <a:spcPts val="24"/>
-              </a:spcBef>
-            </a:pPr>
-            <a:r>
-              <a:rPr lang="en-US" dirty="0" smtClean="0"/>
-              <a:t>Since 345 is 423, these two values will collide when divided modulo 100</a:t>
+              <a:t>So these could be excluded from the address generation if the nature of the data is appropriately limited</a:t>
             </a:r>
             <a:endParaRPr lang="en-US" dirty="0"/>
           </a:p>
@@ -32406,7 +32372,7 @@
     </p:spTree>
     <p:extLst>
       <p:ext uri="{BB962C8B-B14F-4D97-AF65-F5344CB8AC3E}">
-        <p14:creationId xmlns:p14="http://schemas.microsoft.com/office/powerpoint/2010/main" val="1289959230"/>
+        <p14:creationId xmlns:p14="http://schemas.microsoft.com/office/powerpoint/2010/main" val="4008746486"/>
       </p:ext>
     </p:extLst>
   </p:cSld>
@@ -32460,19 +32426,7 @@
           <a:p>
             <a:r>
               <a:rPr lang="lv-LV" dirty="0" smtClean="0"/>
-              <a:t>Universal </a:t>
-            </a:r>
-            <a:r>
-              <a:rPr lang="en-US" dirty="0" smtClean="0"/>
-              <a:t>Hash Functions</a:t>
-            </a:r>
-            <a:r>
-              <a:rPr lang="lv-LV" dirty="0"/>
-              <a:t> </a:t>
-            </a:r>
-            <a:r>
-              <a:rPr lang="lv-LV" dirty="0" smtClean="0"/>
-              <a:t>– 1 </a:t>
+              <a:t>Radix Transformation Approach</a:t>
             </a:r>
             <a:endParaRPr lang="en-US" dirty="0"/>
           </a:p>
@@ -32493,20 +32447,6 @@
           <a:bodyPr/>
           <a:lstStyle/>
           <a:p>
-            <a:r>
-              <a:rPr lang="en-US" dirty="0" smtClean="0"/>
-              <a:t>When little is known about the keys, a </a:t>
-            </a:r>
-            <a:r>
-              <a:rPr lang="en-US" b="1" i="1" dirty="0" smtClean="0"/>
-              <a:t>universal class of hash functions</a:t>
-            </a:r>
-            <a:r>
-              <a:rPr lang="en-US" dirty="0" smtClean="0"/>
-              <a:t> can be used</a:t>
-            </a:r>
-          </a:p>
-          <a:p>
             <a:pPr>
               <a:spcBef>
                 <a:spcPts val="24"/>
@@ -32514,7 +32454,7 @@
             </a:pPr>
             <a:r>
               <a:rPr lang="en-US" dirty="0" smtClean="0"/>
-              <a:t>Functions are universal when a randomly chosen member of the class will be expected to distribute a sample evenly, guaranteeing low collisions</a:t>
+              <a:t>With radix transformation, the key is transformed into a different base</a:t>
             </a:r>
           </a:p>
           <a:p>
@@ -32525,7 +32465,15 @@
             </a:pPr>
             <a:r>
               <a:rPr lang="en-US" dirty="0" smtClean="0"/>
-              <a:t>This idea was first considered by Larry Carter and Mark Wegman in 1979</a:t>
+              <a:t>For instance, if </a:t>
+            </a:r>
+            <a:r>
+              <a:rPr lang="en-US" i="1" dirty="0" smtClean="0"/>
+              <a:t>K</a:t>
+            </a:r>
+            <a:r>
+              <a:rPr lang="en-US" dirty="0" smtClean="0"/>
+              <a:t> is 345 in decimal, its value in base 9 is 423</a:t>
             </a:r>
           </a:p>
           <a:p>
@@ -32536,27 +32484,23 @@
             </a:pPr>
             <a:r>
               <a:rPr lang="en-US" dirty="0" smtClean="0"/>
-              <a:t>We define </a:t>
-            </a:r>
-            <a:r>
-              <a:rPr lang="en-US" i="1" dirty="0" smtClean="0"/>
-              <a:t>H</a:t>
-            </a:r>
-            <a:r>
-              <a:rPr lang="en-US" dirty="0" smtClean="0"/>
-              <a:t> as a class of functions from a set of </a:t>
-            </a:r>
-            <a:r>
-              <a:rPr lang="en-US" i="1" dirty="0" smtClean="0"/>
-              <a:t>keys</a:t>
-            </a:r>
-            <a:r>
-              <a:rPr lang="en-US" dirty="0" smtClean="0"/>
-              <a:t> to a hash table of size </a:t>
+              <a:t>This result is then divided modulo </a:t>
             </a:r>
             <a:r>
               <a:rPr lang="en-US" i="1" dirty="0" smtClean="0"/>
               <a:t>TSize</a:t>
+            </a:r>
+            <a:r>
+              <a:rPr lang="en-US" dirty="0" smtClean="0"/>
+              <a:t>, and the resulting value becomes the address top which </a:t>
+            </a:r>
+            <a:r>
+              <a:rPr lang="en-US" i="1" dirty="0" smtClean="0"/>
+              <a:t>K</a:t>
+            </a:r>
+            <a:r>
+              <a:rPr lang="en-US" dirty="0" smtClean="0"/>
+              <a:t> is hashed</a:t>
             </a:r>
           </a:p>
           <a:p>
@@ -32566,24 +32510,8 @@
               </a:spcBef>
             </a:pPr>
             <a:r>
-              <a:rPr lang="en-US" i="1" dirty="0" smtClean="0"/>
-              <a:t>H </a:t>
-            </a:r>
-            <a:r>
               <a:rPr lang="en-US" dirty="0" smtClean="0"/>
-              <a:t>is called universal if no distinct pair of keys are mapped to the same position in the table by a function chosen at random from </a:t>
-            </a:r>
-            <a:r>
-              <a:rPr lang="en-US" i="1" dirty="0" smtClean="0"/>
-              <a:t>h</a:t>
-            </a:r>
-            <a:r>
-              <a:rPr lang="en-US" dirty="0" smtClean="0"/>
-              <a:t> with a probability of 1 / </a:t>
-            </a:r>
-            <a:r>
-              <a:rPr lang="en-US" i="1" dirty="0" smtClean="0"/>
-              <a:t>TSize</a:t>
+              <a:t>The drawback to this approach is collisions cannot be avoided</a:t>
             </a:r>
           </a:p>
           <a:p>
@@ -32594,7 +32522,7 @@
             </a:pPr>
             <a:r>
               <a:rPr lang="en-US" dirty="0" smtClean="0"/>
-              <a:t>This basically means there is one chance in </a:t>
+              <a:t>For example, if </a:t>
             </a:r>
             <a:r>
               <a:rPr lang="en-US" i="1" dirty="0" smtClean="0"/>
@@ -32602,7 +32530,18 @@
             </a:r>
             <a:r>
               <a:rPr lang="en-US" dirty="0" smtClean="0"/>
-              <a:t> that two randomly chosen keys collide when hashed with a randomly chosen function</a:t>
+              <a:t> is 100, then although 345 and 245 in decimal will not collide, 345 and 264 will because 264 is 323 in base nine</a:t>
+            </a:r>
+          </a:p>
+          <a:p>
+            <a:pPr>
+              <a:spcBef>
+                <a:spcPts val="24"/>
+              </a:spcBef>
+            </a:pPr>
+            <a:r>
+              <a:rPr lang="en-US" dirty="0" smtClean="0"/>
+              <a:t>Since 345 is 423, these two values will collide when divided modulo 100</a:t>
             </a:r>
             <a:endParaRPr lang="en-US" dirty="0"/>
           </a:p>
@@ -32611,7 +32550,7 @@
     </p:spTree>
     <p:extLst>
       <p:ext uri="{BB962C8B-B14F-4D97-AF65-F5344CB8AC3E}">
-        <p14:creationId xmlns:p14="http://schemas.microsoft.com/office/powerpoint/2010/main" val="2675715754"/>
+        <p14:creationId xmlns:p14="http://schemas.microsoft.com/office/powerpoint/2010/main" val="1289959230"/>
       </p:ext>
     </p:extLst>
   </p:cSld>
@@ -32672,6 +32611,315 @@
               <a:t>Hash Functions</a:t>
             </a:r>
             <a:r>
+              <a:rPr lang="lv-LV" dirty="0"/>
+              <a:t> </a:t>
+            </a:r>
+            <a:r>
+              <a:rPr lang="lv-LV" dirty="0" smtClean="0"/>
+              <a:t>– 1 </a:t>
+            </a:r>
+            <a:endParaRPr lang="en-US" dirty="0"/>
+          </a:p>
+        </p:txBody>
+      </p:sp>
+      <p:sp>
+        <p:nvSpPr>
+          <p:cNvPr id="3" name="Content Placeholder 2"/>
+          <p:cNvSpPr>
+            <a:spLocks noGrp="1"/>
+          </p:cNvSpPr>
+          <p:nvPr>
+            <p:ph idx="1"/>
+          </p:nvPr>
+        </p:nvSpPr>
+        <p:spPr/>
+        <p:txBody>
+          <a:bodyPr/>
+          <a:lstStyle/>
+          <a:p>
+            <a:r>
+              <a:rPr lang="en-US" dirty="0" smtClean="0"/>
+              <a:t>When little is known about the keys, a </a:t>
+            </a:r>
+            <a:r>
+              <a:rPr lang="en-US" b="1" i="1" dirty="0" smtClean="0"/>
+              <a:t>universal class of hash functions</a:t>
+            </a:r>
+            <a:r>
+              <a:rPr lang="en-US" dirty="0" smtClean="0"/>
+              <a:t> can be used</a:t>
+            </a:r>
+          </a:p>
+          <a:p>
+            <a:pPr>
+              <a:spcBef>
+                <a:spcPts val="24"/>
+              </a:spcBef>
+            </a:pPr>
+            <a:r>
+              <a:rPr lang="en-US" dirty="0" smtClean="0"/>
+              <a:t>Functions are universal when a randomly chosen member of the class will be expected to distribute a sample evenly, guaranteeing low collisions</a:t>
+            </a:r>
+          </a:p>
+          <a:p>
+            <a:pPr>
+              <a:spcBef>
+                <a:spcPts val="24"/>
+              </a:spcBef>
+            </a:pPr>
+            <a:r>
+              <a:rPr lang="en-US" dirty="0" smtClean="0"/>
+              <a:t>This idea was first considered by Larry Carter and Mark Wegman in 1979</a:t>
+            </a:r>
+          </a:p>
+          <a:p>
+            <a:pPr>
+              <a:spcBef>
+                <a:spcPts val="24"/>
+              </a:spcBef>
+            </a:pPr>
+            <a:r>
+              <a:rPr lang="en-US" dirty="0" smtClean="0"/>
+              <a:t>We define </a:t>
+            </a:r>
+            <a:r>
+              <a:rPr lang="en-US" i="1" dirty="0" smtClean="0"/>
+              <a:t>H</a:t>
+            </a:r>
+            <a:r>
+              <a:rPr lang="en-US" dirty="0" smtClean="0"/>
+              <a:t> as a class of functions from a set of </a:t>
+            </a:r>
+            <a:r>
+              <a:rPr lang="en-US" i="1" dirty="0" smtClean="0"/>
+              <a:t>keys</a:t>
+            </a:r>
+            <a:r>
+              <a:rPr lang="en-US" dirty="0" smtClean="0"/>
+              <a:t> to a hash table of size </a:t>
+            </a:r>
+            <a:r>
+              <a:rPr lang="en-US" i="1" dirty="0" smtClean="0"/>
+              <a:t>TSize</a:t>
+            </a:r>
+          </a:p>
+          <a:p>
+            <a:pPr>
+              <a:spcBef>
+                <a:spcPts val="24"/>
+              </a:spcBef>
+            </a:pPr>
+            <a:r>
+              <a:rPr lang="en-US" i="1" dirty="0" smtClean="0"/>
+              <a:t>H </a:t>
+            </a:r>
+            <a:r>
+              <a:rPr lang="en-US" dirty="0" smtClean="0"/>
+              <a:t>is called universal if no distinct pair of keys are mapped to the same position in the table by a function chosen at random from </a:t>
+            </a:r>
+            <a:r>
+              <a:rPr lang="en-US" i="1" dirty="0" smtClean="0"/>
+              <a:t>h</a:t>
+            </a:r>
+            <a:r>
+              <a:rPr lang="en-US" dirty="0" smtClean="0"/>
+              <a:t> with a probability of 1 / </a:t>
+            </a:r>
+            <a:r>
+              <a:rPr lang="en-US" i="1" dirty="0" smtClean="0"/>
+              <a:t>TSize</a:t>
+            </a:r>
+          </a:p>
+          <a:p>
+            <a:pPr>
+              <a:spcBef>
+                <a:spcPts val="24"/>
+              </a:spcBef>
+            </a:pPr>
+            <a:r>
+              <a:rPr lang="en-US" dirty="0" smtClean="0"/>
+              <a:t>This basically means there is one chance in </a:t>
+            </a:r>
+            <a:r>
+              <a:rPr lang="en-US" i="1" dirty="0" smtClean="0"/>
+              <a:t>TSize</a:t>
+            </a:r>
+            <a:r>
+              <a:rPr lang="en-US" dirty="0" smtClean="0"/>
+              <a:t> that two randomly chosen keys collide when hashed with a randomly chosen function</a:t>
+            </a:r>
+            <a:endParaRPr lang="en-US" dirty="0"/>
+          </a:p>
+        </p:txBody>
+      </p:sp>
+    </p:spTree>
+    <p:extLst>
+      <p:ext uri="{BB962C8B-B14F-4D97-AF65-F5344CB8AC3E}">
+        <p14:creationId xmlns:p14="http://schemas.microsoft.com/office/powerpoint/2010/main" val="2675715754"/>
+      </p:ext>
+    </p:extLst>
+  </p:cSld>
+  <p:clrMapOvr>
+    <a:masterClrMapping/>
+  </p:clrMapOvr>
+  <p:transition spd="slow">
+    <p:wipe/>
+  </p:transition>
+  <p:timing>
+    <p:tnLst>
+      <p:par>
+        <p:cTn id="1" dur="indefinite" restart="never" nodeType="tmRoot"/>
+      </p:par>
+    </p:tnLst>
+  </p:timing>
+</p:sld>
+</file>
+
+<file path=ppt/slides/slide43.xml><?xml version="1.0" encoding="utf-8"?>
+<p:sld xmlns:a="http://schemas.openxmlformats.org/drawingml/2006/main" xmlns:r="http://schemas.openxmlformats.org/officeDocument/2006/relationships" xmlns:p="http://schemas.openxmlformats.org/presentationml/2006/main">
+  <p:cSld>
+    <p:spTree>
+      <p:nvGrpSpPr>
+        <p:cNvPr id="1" name=""/>
+        <p:cNvGrpSpPr/>
+        <p:nvPr/>
+      </p:nvGrpSpPr>
+      <p:grpSpPr>
+        <a:xfrm>
+          <a:off x="0" y="0"/>
+          <a:ext cx="0" cy="0"/>
+          <a:chOff x="0" y="0"/>
+          <a:chExt cx="0" cy="0"/>
+        </a:xfrm>
+      </p:grpSpPr>
+      <p:sp>
+        <p:nvSpPr>
+          <p:cNvPr id="2" name="Title 1"/>
+          <p:cNvSpPr>
+            <a:spLocks noGrp="1"/>
+          </p:cNvSpPr>
+          <p:nvPr>
+            <p:ph type="title"/>
+          </p:nvPr>
+        </p:nvSpPr>
+        <p:spPr/>
+        <p:txBody>
+          <a:bodyPr/>
+          <a:lstStyle/>
+          <a:p>
+            <a:endParaRPr lang="lv-LV"/>
+          </a:p>
+        </p:txBody>
+      </p:sp>
+      <p:sp>
+        <p:nvSpPr>
+          <p:cNvPr id="3" name="Content Placeholder 2"/>
+          <p:cNvSpPr>
+            <a:spLocks noGrp="1"/>
+          </p:cNvSpPr>
+          <p:nvPr>
+            <p:ph idx="1"/>
+          </p:nvPr>
+        </p:nvSpPr>
+        <p:spPr>
+          <a:xfrm>
+            <a:off x="1422400" y="4757737"/>
+            <a:ext cx="10160000" cy="1109664"/>
+          </a:xfrm>
+        </p:spPr>
+        <p:txBody>
+          <a:bodyPr/>
+          <a:lstStyle/>
+          <a:p>
+            <a:r>
+              <a:rPr lang="lv-LV" smtClean="0"/>
+              <a:t>If you pick worst-case keys (and then pick a,b,p randomly) – it has nice properties.</a:t>
+            </a:r>
+            <a:endParaRPr lang="lv-LV"/>
+          </a:p>
+        </p:txBody>
+      </p:sp>
+      <p:pic>
+        <p:nvPicPr>
+          <p:cNvPr id="4" name="Picture 3"/>
+          <p:cNvPicPr>
+            <a:picLocks noChangeAspect="1"/>
+          </p:cNvPicPr>
+          <p:nvPr/>
+        </p:nvPicPr>
+        <p:blipFill>
+          <a:blip r:embed="rId2"/>
+          <a:stretch>
+            <a:fillRect/>
+          </a:stretch>
+        </p:blipFill>
+        <p:spPr>
+          <a:xfrm>
+            <a:off x="1919287" y="2100262"/>
+            <a:ext cx="8353425" cy="2657475"/>
+          </a:xfrm>
+          <a:prstGeom prst="rect">
+            <a:avLst/>
+          </a:prstGeom>
+        </p:spPr>
+      </p:pic>
+    </p:spTree>
+    <p:extLst>
+      <p:ext uri="{BB962C8B-B14F-4D97-AF65-F5344CB8AC3E}">
+        <p14:creationId xmlns:p14="http://schemas.microsoft.com/office/powerpoint/2010/main" val="1517187019"/>
+      </p:ext>
+    </p:extLst>
+  </p:cSld>
+  <p:clrMapOvr>
+    <a:masterClrMapping/>
+  </p:clrMapOvr>
+  <p:transition spd="slow">
+    <p:wipe/>
+  </p:transition>
+</p:sld>
+</file>
+
+<file path=ppt/slides/slide44.xml><?xml version="1.0" encoding="utf-8"?>
+<p:sld xmlns:a="http://schemas.openxmlformats.org/drawingml/2006/main" xmlns:r="http://schemas.openxmlformats.org/officeDocument/2006/relationships" xmlns:p="http://schemas.openxmlformats.org/presentationml/2006/main">
+  <p:cSld>
+    <p:spTree>
+      <p:nvGrpSpPr>
+        <p:cNvPr id="1" name=""/>
+        <p:cNvGrpSpPr/>
+        <p:nvPr/>
+      </p:nvGrpSpPr>
+      <p:grpSpPr>
+        <a:xfrm>
+          <a:off x="0" y="0"/>
+          <a:ext cx="0" cy="0"/>
+          <a:chOff x="0" y="0"/>
+          <a:chExt cx="0" cy="0"/>
+        </a:xfrm>
+      </p:grpSpPr>
+      <p:sp>
+        <p:nvSpPr>
+          <p:cNvPr id="2" name="Title 1"/>
+          <p:cNvSpPr>
+            <a:spLocks noGrp="1"/>
+          </p:cNvSpPr>
+          <p:nvPr>
+            <p:ph type="title"/>
+          </p:nvPr>
+        </p:nvSpPr>
+        <p:spPr/>
+        <p:txBody>
+          <a:bodyPr/>
+          <a:lstStyle/>
+          <a:p>
+            <a:r>
+              <a:rPr lang="lv-LV" dirty="0" smtClean="0"/>
+              <a:t>Universal </a:t>
+            </a:r>
+            <a:r>
+              <a:rPr lang="en-US" dirty="0" smtClean="0"/>
+              <a:t>Hash Functions</a:t>
+            </a:r>
+            <a:r>
               <a:rPr lang="lv-LV" dirty="0" smtClean="0"/>
               <a:t> – 2 </a:t>
             </a:r>
@@ -33035,7 +33283,7 @@
           <a:graphicData uri="http://schemas.openxmlformats.org/presentationml/2006/ole">
             <mc:AlternateContent xmlns:mc="http://schemas.openxmlformats.org/markup-compatibility/2006">
               <mc:Choice xmlns:v="urn:schemas-microsoft-com:vml" Requires="v">
-                <p:oleObj spid="_x0000_s2060" name="Equation" r:id="rId4" imgW="7810200" imgH="761760" progId="">
+                <p:oleObj spid="_x0000_s2063" name="Equation" r:id="rId4" imgW="7810200" imgH="761760" progId="">
                   <p:embed/>
                 </p:oleObj>
               </mc:Choice>
@@ -33112,7 +33360,7 @@
 </p:sld>
 </file>
 
-<file path=ppt/slides/slide43.xml><?xml version="1.0" encoding="utf-8"?>
+<file path=ppt/slides/slide45.xml><?xml version="1.0" encoding="utf-8"?>
 <p:sld xmlns:a="http://schemas.openxmlformats.org/drawingml/2006/main" xmlns:r="http://schemas.openxmlformats.org/officeDocument/2006/relationships" xmlns:p="http://schemas.openxmlformats.org/presentationml/2006/main">
   <p:cSld>
     <p:spTree>
